--- a/lab_05-understanding_ui/lab_05-understanding_ui.pptx
+++ b/lab_05-understanding_ui/lab_05-understanding_ui.pptx
@@ -9,8 +9,8 @@
   </p:notesMasterIdLst>
   <p:sldIdLst>
     <p:sldId id="259" r:id="rId2"/>
-    <p:sldId id="295" r:id="rId3"/>
-    <p:sldId id="350" r:id="rId4"/>
+    <p:sldId id="350" r:id="rId3"/>
+    <p:sldId id="369" r:id="rId4"/>
     <p:sldId id="304" r:id="rId5"/>
     <p:sldId id="351" r:id="rId6"/>
     <p:sldId id="365" r:id="rId7"/>
@@ -253,7 +253,7 @@
           <a:p>
             <a:fld id="{81C4B3FE-0320-8142-8396-5C3025C019EC}" type="datetimeFigureOut">
               <a:rPr lang="en-IT" smtClean="0"/>
-              <a:t>10/01/22</a:t>
+              <a:t>24/02/22</a:t>
             </a:fld>
             <a:endParaRPr lang="en-IT"/>
           </a:p>
@@ -670,7 +670,7 @@
           <a:p>
             <a:fld id="{CC0F43FB-3F33-3F4B-9768-2FBED988F992}" type="slidenum">
               <a:rPr lang="en-IT" smtClean="0"/>
-              <a:t>14</a:t>
+              <a:t>13</a:t>
             </a:fld>
             <a:endParaRPr lang="en-IT"/>
           </a:p>
@@ -679,7 +679,7 @@
     </p:spTree>
     <p:extLst>
       <p:ext uri="{BB962C8B-B14F-4D97-AF65-F5344CB8AC3E}">
-        <p14:creationId xmlns:p14="http://schemas.microsoft.com/office/powerpoint/2010/main" val="3436007603"/>
+        <p14:creationId xmlns:p14="http://schemas.microsoft.com/office/powerpoint/2010/main" val="1959350171"/>
       </p:ext>
     </p:extLst>
   </p:cSld>
@@ -754,7 +754,7 @@
           <a:p>
             <a:fld id="{CC0F43FB-3F33-3F4B-9768-2FBED988F992}" type="slidenum">
               <a:rPr lang="en-IT" smtClean="0"/>
-              <a:t>16</a:t>
+              <a:t>14</a:t>
             </a:fld>
             <a:endParaRPr lang="en-IT"/>
           </a:p>
@@ -763,7 +763,7 @@
     </p:spTree>
     <p:extLst>
       <p:ext uri="{BB962C8B-B14F-4D97-AF65-F5344CB8AC3E}">
-        <p14:creationId xmlns:p14="http://schemas.microsoft.com/office/powerpoint/2010/main" val="2407706088"/>
+        <p14:creationId xmlns:p14="http://schemas.microsoft.com/office/powerpoint/2010/main" val="3436007603"/>
       </p:ext>
     </p:extLst>
   </p:cSld>
@@ -838,7 +838,7 @@
           <a:p>
             <a:fld id="{CC0F43FB-3F33-3F4B-9768-2FBED988F992}" type="slidenum">
               <a:rPr lang="en-IT" smtClean="0"/>
-              <a:t>17</a:t>
+              <a:t>16</a:t>
             </a:fld>
             <a:endParaRPr lang="en-IT"/>
           </a:p>
@@ -847,7 +847,7 @@
     </p:spTree>
     <p:extLst>
       <p:ext uri="{BB962C8B-B14F-4D97-AF65-F5344CB8AC3E}">
-        <p14:creationId xmlns:p14="http://schemas.microsoft.com/office/powerpoint/2010/main" val="2679749566"/>
+        <p14:creationId xmlns:p14="http://schemas.microsoft.com/office/powerpoint/2010/main" val="2407706088"/>
       </p:ext>
     </p:extLst>
   </p:cSld>
@@ -922,7 +922,7 @@
           <a:p>
             <a:fld id="{CC0F43FB-3F33-3F4B-9768-2FBED988F992}" type="slidenum">
               <a:rPr lang="en-IT" smtClean="0"/>
-              <a:t>18</a:t>
+              <a:t>17</a:t>
             </a:fld>
             <a:endParaRPr lang="en-IT"/>
           </a:p>
@@ -931,7 +931,7 @@
     </p:spTree>
     <p:extLst>
       <p:ext uri="{BB962C8B-B14F-4D97-AF65-F5344CB8AC3E}">
-        <p14:creationId xmlns:p14="http://schemas.microsoft.com/office/powerpoint/2010/main" val="76334795"/>
+        <p14:creationId xmlns:p14="http://schemas.microsoft.com/office/powerpoint/2010/main" val="2679749566"/>
       </p:ext>
     </p:extLst>
   </p:cSld>
@@ -1006,7 +1006,7 @@
           <a:p>
             <a:fld id="{CC0F43FB-3F33-3F4B-9768-2FBED988F992}" type="slidenum">
               <a:rPr lang="en-IT" smtClean="0"/>
-              <a:t>19</a:t>
+              <a:t>18</a:t>
             </a:fld>
             <a:endParaRPr lang="en-IT"/>
           </a:p>
@@ -1015,7 +1015,7 @@
     </p:spTree>
     <p:extLst>
       <p:ext uri="{BB962C8B-B14F-4D97-AF65-F5344CB8AC3E}">
-        <p14:creationId xmlns:p14="http://schemas.microsoft.com/office/powerpoint/2010/main" val="3885189920"/>
+        <p14:creationId xmlns:p14="http://schemas.microsoft.com/office/powerpoint/2010/main" val="76334795"/>
       </p:ext>
     </p:extLst>
   </p:cSld>
@@ -1090,7 +1090,7 @@
           <a:p>
             <a:fld id="{CC0F43FB-3F33-3F4B-9768-2FBED988F992}" type="slidenum">
               <a:rPr lang="en-IT" smtClean="0"/>
-              <a:t>21</a:t>
+              <a:t>19</a:t>
             </a:fld>
             <a:endParaRPr lang="en-IT"/>
           </a:p>
@@ -1099,7 +1099,7 @@
     </p:spTree>
     <p:extLst>
       <p:ext uri="{BB962C8B-B14F-4D97-AF65-F5344CB8AC3E}">
-        <p14:creationId xmlns:p14="http://schemas.microsoft.com/office/powerpoint/2010/main" val="2246099845"/>
+        <p14:creationId xmlns:p14="http://schemas.microsoft.com/office/powerpoint/2010/main" val="3885189920"/>
       </p:ext>
     </p:extLst>
   </p:cSld>
@@ -1174,7 +1174,7 @@
           <a:p>
             <a:fld id="{CC0F43FB-3F33-3F4B-9768-2FBED988F992}" type="slidenum">
               <a:rPr lang="en-IT" smtClean="0"/>
-              <a:t>23</a:t>
+              <a:t>21</a:t>
             </a:fld>
             <a:endParaRPr lang="en-IT"/>
           </a:p>
@@ -1183,7 +1183,7 @@
     </p:spTree>
     <p:extLst>
       <p:ext uri="{BB962C8B-B14F-4D97-AF65-F5344CB8AC3E}">
-        <p14:creationId xmlns:p14="http://schemas.microsoft.com/office/powerpoint/2010/main" val="3690161452"/>
+        <p14:creationId xmlns:p14="http://schemas.microsoft.com/office/powerpoint/2010/main" val="2246099845"/>
       </p:ext>
     </p:extLst>
   </p:cSld>
@@ -1258,7 +1258,7 @@
           <a:p>
             <a:fld id="{CC0F43FB-3F33-3F4B-9768-2FBED988F992}" type="slidenum">
               <a:rPr lang="en-IT" smtClean="0"/>
-              <a:t>24</a:t>
+              <a:t>23</a:t>
             </a:fld>
             <a:endParaRPr lang="en-IT"/>
           </a:p>
@@ -1267,7 +1267,7 @@
     </p:spTree>
     <p:extLst>
       <p:ext uri="{BB962C8B-B14F-4D97-AF65-F5344CB8AC3E}">
-        <p14:creationId xmlns:p14="http://schemas.microsoft.com/office/powerpoint/2010/main" val="1779999634"/>
+        <p14:creationId xmlns:p14="http://schemas.microsoft.com/office/powerpoint/2010/main" val="3690161452"/>
       </p:ext>
     </p:extLst>
   </p:cSld>
@@ -1342,7 +1342,7 @@
           <a:p>
             <a:fld id="{CC0F43FB-3F33-3F4B-9768-2FBED988F992}" type="slidenum">
               <a:rPr lang="en-IT" smtClean="0"/>
-              <a:t>25</a:t>
+              <a:t>24</a:t>
             </a:fld>
             <a:endParaRPr lang="en-IT"/>
           </a:p>
@@ -1351,7 +1351,7 @@
     </p:spTree>
     <p:extLst>
       <p:ext uri="{BB962C8B-B14F-4D97-AF65-F5344CB8AC3E}">
-        <p14:creationId xmlns:p14="http://schemas.microsoft.com/office/powerpoint/2010/main" val="2664129424"/>
+        <p14:creationId xmlns:p14="http://schemas.microsoft.com/office/powerpoint/2010/main" val="1779999634"/>
       </p:ext>
     </p:extLst>
   </p:cSld>
@@ -1426,7 +1426,7 @@
           <a:p>
             <a:fld id="{CC0F43FB-3F33-3F4B-9768-2FBED988F992}" type="slidenum">
               <a:rPr lang="en-IT" smtClean="0"/>
-              <a:t>26</a:t>
+              <a:t>25</a:t>
             </a:fld>
             <a:endParaRPr lang="en-IT"/>
           </a:p>
@@ -1435,7 +1435,7 @@
     </p:spTree>
     <p:extLst>
       <p:ext uri="{BB962C8B-B14F-4D97-AF65-F5344CB8AC3E}">
-        <p14:creationId xmlns:p14="http://schemas.microsoft.com/office/powerpoint/2010/main" val="1750022332"/>
+        <p14:creationId xmlns:p14="http://schemas.microsoft.com/office/powerpoint/2010/main" val="2664129424"/>
       </p:ext>
     </p:extLst>
   </p:cSld>
@@ -1510,7 +1510,7 @@
           <a:p>
             <a:fld id="{CC0F43FB-3F33-3F4B-9768-2FBED988F992}" type="slidenum">
               <a:rPr lang="en-IT" smtClean="0"/>
-              <a:t>6</a:t>
+              <a:t>3</a:t>
             </a:fld>
             <a:endParaRPr lang="en-IT"/>
           </a:p>
@@ -1519,7 +1519,7 @@
     </p:spTree>
     <p:extLst>
       <p:ext uri="{BB962C8B-B14F-4D97-AF65-F5344CB8AC3E}">
-        <p14:creationId xmlns:p14="http://schemas.microsoft.com/office/powerpoint/2010/main" val="1436245057"/>
+        <p14:creationId xmlns:p14="http://schemas.microsoft.com/office/powerpoint/2010/main" val="2426855832"/>
       </p:ext>
     </p:extLst>
   </p:cSld>
@@ -1594,7 +1594,7 @@
           <a:p>
             <a:fld id="{CC0F43FB-3F33-3F4B-9768-2FBED988F992}" type="slidenum">
               <a:rPr lang="en-IT" smtClean="0"/>
-              <a:t>27</a:t>
+              <a:t>26</a:t>
             </a:fld>
             <a:endParaRPr lang="en-IT"/>
           </a:p>
@@ -1603,7 +1603,7 @@
     </p:spTree>
     <p:extLst>
       <p:ext uri="{BB962C8B-B14F-4D97-AF65-F5344CB8AC3E}">
-        <p14:creationId xmlns:p14="http://schemas.microsoft.com/office/powerpoint/2010/main" val="3425321442"/>
+        <p14:creationId xmlns:p14="http://schemas.microsoft.com/office/powerpoint/2010/main" val="1750022332"/>
       </p:ext>
     </p:extLst>
   </p:cSld>
@@ -1678,7 +1678,7 @@
           <a:p>
             <a:fld id="{CC0F43FB-3F33-3F4B-9768-2FBED988F992}" type="slidenum">
               <a:rPr lang="en-IT" smtClean="0"/>
-              <a:t>28</a:t>
+              <a:t>27</a:t>
             </a:fld>
             <a:endParaRPr lang="en-IT"/>
           </a:p>
@@ -1687,7 +1687,7 @@
     </p:spTree>
     <p:extLst>
       <p:ext uri="{BB962C8B-B14F-4D97-AF65-F5344CB8AC3E}">
-        <p14:creationId xmlns:p14="http://schemas.microsoft.com/office/powerpoint/2010/main" val="2767742612"/>
+        <p14:creationId xmlns:p14="http://schemas.microsoft.com/office/powerpoint/2010/main" val="3425321442"/>
       </p:ext>
     </p:extLst>
   </p:cSld>
@@ -1762,7 +1762,7 @@
           <a:p>
             <a:fld id="{CC0F43FB-3F33-3F4B-9768-2FBED988F992}" type="slidenum">
               <a:rPr lang="en-IT" smtClean="0"/>
-              <a:t>29</a:t>
+              <a:t>28</a:t>
             </a:fld>
             <a:endParaRPr lang="en-IT"/>
           </a:p>
@@ -1771,7 +1771,7 @@
     </p:spTree>
     <p:extLst>
       <p:ext uri="{BB962C8B-B14F-4D97-AF65-F5344CB8AC3E}">
-        <p14:creationId xmlns:p14="http://schemas.microsoft.com/office/powerpoint/2010/main" val="3513171483"/>
+        <p14:creationId xmlns:p14="http://schemas.microsoft.com/office/powerpoint/2010/main" val="2767742612"/>
       </p:ext>
     </p:extLst>
   </p:cSld>
@@ -1846,7 +1846,7 @@
           <a:p>
             <a:fld id="{CC0F43FB-3F33-3F4B-9768-2FBED988F992}" type="slidenum">
               <a:rPr lang="en-IT" smtClean="0"/>
-              <a:t>30</a:t>
+              <a:t>29</a:t>
             </a:fld>
             <a:endParaRPr lang="en-IT"/>
           </a:p>
@@ -1855,7 +1855,7 @@
     </p:spTree>
     <p:extLst>
       <p:ext uri="{BB962C8B-B14F-4D97-AF65-F5344CB8AC3E}">
-        <p14:creationId xmlns:p14="http://schemas.microsoft.com/office/powerpoint/2010/main" val="2313660855"/>
+        <p14:creationId xmlns:p14="http://schemas.microsoft.com/office/powerpoint/2010/main" val="3513171483"/>
       </p:ext>
     </p:extLst>
   </p:cSld>
@@ -1930,7 +1930,7 @@
           <a:p>
             <a:fld id="{CC0F43FB-3F33-3F4B-9768-2FBED988F992}" type="slidenum">
               <a:rPr lang="en-IT" smtClean="0"/>
-              <a:t>32</a:t>
+              <a:t>30</a:t>
             </a:fld>
             <a:endParaRPr lang="en-IT"/>
           </a:p>
@@ -1939,7 +1939,7 @@
     </p:spTree>
     <p:extLst>
       <p:ext uri="{BB962C8B-B14F-4D97-AF65-F5344CB8AC3E}">
-        <p14:creationId xmlns:p14="http://schemas.microsoft.com/office/powerpoint/2010/main" val="2251662623"/>
+        <p14:creationId xmlns:p14="http://schemas.microsoft.com/office/powerpoint/2010/main" val="2313660855"/>
       </p:ext>
     </p:extLst>
   </p:cSld>
@@ -2014,7 +2014,7 @@
           <a:p>
             <a:fld id="{CC0F43FB-3F33-3F4B-9768-2FBED988F992}" type="slidenum">
               <a:rPr lang="en-IT" smtClean="0"/>
-              <a:t>33</a:t>
+              <a:t>32</a:t>
             </a:fld>
             <a:endParaRPr lang="en-IT"/>
           </a:p>
@@ -2023,7 +2023,7 @@
     </p:spTree>
     <p:extLst>
       <p:ext uri="{BB962C8B-B14F-4D97-AF65-F5344CB8AC3E}">
-        <p14:creationId xmlns:p14="http://schemas.microsoft.com/office/powerpoint/2010/main" val="776175244"/>
+        <p14:creationId xmlns:p14="http://schemas.microsoft.com/office/powerpoint/2010/main" val="2251662623"/>
       </p:ext>
     </p:extLst>
   </p:cSld>
@@ -2098,7 +2098,7 @@
           <a:p>
             <a:fld id="{CC0F43FB-3F33-3F4B-9768-2FBED988F992}" type="slidenum">
               <a:rPr lang="en-IT" smtClean="0"/>
-              <a:t>34</a:t>
+              <a:t>33</a:t>
             </a:fld>
             <a:endParaRPr lang="en-IT"/>
           </a:p>
@@ -2107,7 +2107,7 @@
     </p:spTree>
     <p:extLst>
       <p:ext uri="{BB962C8B-B14F-4D97-AF65-F5344CB8AC3E}">
-        <p14:creationId xmlns:p14="http://schemas.microsoft.com/office/powerpoint/2010/main" val="1735834609"/>
+        <p14:creationId xmlns:p14="http://schemas.microsoft.com/office/powerpoint/2010/main" val="776175244"/>
       </p:ext>
     </p:extLst>
   </p:cSld>
@@ -2182,7 +2182,7 @@
           <a:p>
             <a:fld id="{CC0F43FB-3F33-3F4B-9768-2FBED988F992}" type="slidenum">
               <a:rPr lang="en-IT" smtClean="0"/>
-              <a:t>35</a:t>
+              <a:t>34</a:t>
             </a:fld>
             <a:endParaRPr lang="en-IT"/>
           </a:p>
@@ -2191,7 +2191,7 @@
     </p:spTree>
     <p:extLst>
       <p:ext uri="{BB962C8B-B14F-4D97-AF65-F5344CB8AC3E}">
-        <p14:creationId xmlns:p14="http://schemas.microsoft.com/office/powerpoint/2010/main" val="3641269155"/>
+        <p14:creationId xmlns:p14="http://schemas.microsoft.com/office/powerpoint/2010/main" val="1735834609"/>
       </p:ext>
     </p:extLst>
   </p:cSld>
@@ -2266,7 +2266,7 @@
           <a:p>
             <a:fld id="{CC0F43FB-3F33-3F4B-9768-2FBED988F992}" type="slidenum">
               <a:rPr lang="en-IT" smtClean="0"/>
-              <a:t>36</a:t>
+              <a:t>35</a:t>
             </a:fld>
             <a:endParaRPr lang="en-IT"/>
           </a:p>
@@ -2275,7 +2275,7 @@
     </p:spTree>
     <p:extLst>
       <p:ext uri="{BB962C8B-B14F-4D97-AF65-F5344CB8AC3E}">
-        <p14:creationId xmlns:p14="http://schemas.microsoft.com/office/powerpoint/2010/main" val="4177959202"/>
+        <p14:creationId xmlns:p14="http://schemas.microsoft.com/office/powerpoint/2010/main" val="3641269155"/>
       </p:ext>
     </p:extLst>
   </p:cSld>
@@ -2350,7 +2350,7 @@
           <a:p>
             <a:fld id="{CC0F43FB-3F33-3F4B-9768-2FBED988F992}" type="slidenum">
               <a:rPr lang="en-IT" smtClean="0"/>
-              <a:t>37</a:t>
+              <a:t>36</a:t>
             </a:fld>
             <a:endParaRPr lang="en-IT"/>
           </a:p>
@@ -2359,7 +2359,7 @@
     </p:spTree>
     <p:extLst>
       <p:ext uri="{BB962C8B-B14F-4D97-AF65-F5344CB8AC3E}">
-        <p14:creationId xmlns:p14="http://schemas.microsoft.com/office/powerpoint/2010/main" val="2420130015"/>
+        <p14:creationId xmlns:p14="http://schemas.microsoft.com/office/powerpoint/2010/main" val="4177959202"/>
       </p:ext>
     </p:extLst>
   </p:cSld>
@@ -2434,7 +2434,7 @@
           <a:p>
             <a:fld id="{CC0F43FB-3F33-3F4B-9768-2FBED988F992}" type="slidenum">
               <a:rPr lang="en-IT" smtClean="0"/>
-              <a:t>7</a:t>
+              <a:t>6</a:t>
             </a:fld>
             <a:endParaRPr lang="en-IT"/>
           </a:p>
@@ -2443,7 +2443,7 @@
     </p:spTree>
     <p:extLst>
       <p:ext uri="{BB962C8B-B14F-4D97-AF65-F5344CB8AC3E}">
-        <p14:creationId xmlns:p14="http://schemas.microsoft.com/office/powerpoint/2010/main" val="3319480074"/>
+        <p14:creationId xmlns:p14="http://schemas.microsoft.com/office/powerpoint/2010/main" val="1436245057"/>
       </p:ext>
     </p:extLst>
   </p:cSld>
@@ -2518,7 +2518,7 @@
           <a:p>
             <a:fld id="{CC0F43FB-3F33-3F4B-9768-2FBED988F992}" type="slidenum">
               <a:rPr lang="en-IT" smtClean="0"/>
-              <a:t>38</a:t>
+              <a:t>37</a:t>
             </a:fld>
             <a:endParaRPr lang="en-IT"/>
           </a:p>
@@ -2527,7 +2527,7 @@
     </p:spTree>
     <p:extLst>
       <p:ext uri="{BB962C8B-B14F-4D97-AF65-F5344CB8AC3E}">
-        <p14:creationId xmlns:p14="http://schemas.microsoft.com/office/powerpoint/2010/main" val="4182916760"/>
+        <p14:creationId xmlns:p14="http://schemas.microsoft.com/office/powerpoint/2010/main" val="2420130015"/>
       </p:ext>
     </p:extLst>
   </p:cSld>
@@ -2602,7 +2602,7 @@
           <a:p>
             <a:fld id="{CC0F43FB-3F33-3F4B-9768-2FBED988F992}" type="slidenum">
               <a:rPr lang="en-IT" smtClean="0"/>
-              <a:t>39</a:t>
+              <a:t>38</a:t>
             </a:fld>
             <a:endParaRPr lang="en-IT"/>
           </a:p>
@@ -2611,7 +2611,7 @@
     </p:spTree>
     <p:extLst>
       <p:ext uri="{BB962C8B-B14F-4D97-AF65-F5344CB8AC3E}">
-        <p14:creationId xmlns:p14="http://schemas.microsoft.com/office/powerpoint/2010/main" val="2040308916"/>
+        <p14:creationId xmlns:p14="http://schemas.microsoft.com/office/powerpoint/2010/main" val="4182916760"/>
       </p:ext>
     </p:extLst>
   </p:cSld>
@@ -2686,7 +2686,7 @@
           <a:p>
             <a:fld id="{CC0F43FB-3F33-3F4B-9768-2FBED988F992}" type="slidenum">
               <a:rPr lang="en-IT" smtClean="0"/>
-              <a:t>40</a:t>
+              <a:t>39</a:t>
             </a:fld>
             <a:endParaRPr lang="en-IT"/>
           </a:p>
@@ -2695,7 +2695,7 @@
     </p:spTree>
     <p:extLst>
       <p:ext uri="{BB962C8B-B14F-4D97-AF65-F5344CB8AC3E}">
-        <p14:creationId xmlns:p14="http://schemas.microsoft.com/office/powerpoint/2010/main" val="1996934897"/>
+        <p14:creationId xmlns:p14="http://schemas.microsoft.com/office/powerpoint/2010/main" val="2040308916"/>
       </p:ext>
     </p:extLst>
   </p:cSld>
@@ -2770,7 +2770,7 @@
           <a:p>
             <a:fld id="{CC0F43FB-3F33-3F4B-9768-2FBED988F992}" type="slidenum">
               <a:rPr lang="en-IT" smtClean="0"/>
-              <a:t>41</a:t>
+              <a:t>40</a:t>
             </a:fld>
             <a:endParaRPr lang="en-IT"/>
           </a:p>
@@ -2779,7 +2779,7 @@
     </p:spTree>
     <p:extLst>
       <p:ext uri="{BB962C8B-B14F-4D97-AF65-F5344CB8AC3E}">
-        <p14:creationId xmlns:p14="http://schemas.microsoft.com/office/powerpoint/2010/main" val="1841409106"/>
+        <p14:creationId xmlns:p14="http://schemas.microsoft.com/office/powerpoint/2010/main" val="1996934897"/>
       </p:ext>
     </p:extLst>
   </p:cSld>
@@ -2854,7 +2854,7 @@
           <a:p>
             <a:fld id="{CC0F43FB-3F33-3F4B-9768-2FBED988F992}" type="slidenum">
               <a:rPr lang="en-IT" smtClean="0"/>
-              <a:t>42</a:t>
+              <a:t>41</a:t>
             </a:fld>
             <a:endParaRPr lang="en-IT"/>
           </a:p>
@@ -2863,7 +2863,7 @@
     </p:spTree>
     <p:extLst>
       <p:ext uri="{BB962C8B-B14F-4D97-AF65-F5344CB8AC3E}">
-        <p14:creationId xmlns:p14="http://schemas.microsoft.com/office/powerpoint/2010/main" val="1824935708"/>
+        <p14:creationId xmlns:p14="http://schemas.microsoft.com/office/powerpoint/2010/main" val="1841409106"/>
       </p:ext>
     </p:extLst>
   </p:cSld>
@@ -2938,7 +2938,7 @@
           <a:p>
             <a:fld id="{CC0F43FB-3F33-3F4B-9768-2FBED988F992}" type="slidenum">
               <a:rPr lang="en-IT" smtClean="0"/>
-              <a:t>43</a:t>
+              <a:t>42</a:t>
             </a:fld>
             <a:endParaRPr lang="en-IT"/>
           </a:p>
@@ -2947,7 +2947,7 @@
     </p:spTree>
     <p:extLst>
       <p:ext uri="{BB962C8B-B14F-4D97-AF65-F5344CB8AC3E}">
-        <p14:creationId xmlns:p14="http://schemas.microsoft.com/office/powerpoint/2010/main" val="3326349099"/>
+        <p14:creationId xmlns:p14="http://schemas.microsoft.com/office/powerpoint/2010/main" val="1824935708"/>
       </p:ext>
     </p:extLst>
   </p:cSld>
@@ -3022,7 +3022,7 @@
           <a:p>
             <a:fld id="{CC0F43FB-3F33-3F4B-9768-2FBED988F992}" type="slidenum">
               <a:rPr lang="en-IT" smtClean="0"/>
-              <a:t>44</a:t>
+              <a:t>43</a:t>
             </a:fld>
             <a:endParaRPr lang="en-IT"/>
           </a:p>
@@ -3031,7 +3031,7 @@
     </p:spTree>
     <p:extLst>
       <p:ext uri="{BB962C8B-B14F-4D97-AF65-F5344CB8AC3E}">
-        <p14:creationId xmlns:p14="http://schemas.microsoft.com/office/powerpoint/2010/main" val="3428325844"/>
+        <p14:creationId xmlns:p14="http://schemas.microsoft.com/office/powerpoint/2010/main" val="3326349099"/>
       </p:ext>
     </p:extLst>
   </p:cSld>
@@ -3106,6 +3106,90 @@
           <a:p>
             <a:fld id="{CC0F43FB-3F33-3F4B-9768-2FBED988F992}" type="slidenum">
               <a:rPr lang="en-IT" smtClean="0"/>
+              <a:t>44</a:t>
+            </a:fld>
+            <a:endParaRPr lang="en-IT"/>
+          </a:p>
+        </p:txBody>
+      </p:sp>
+    </p:spTree>
+    <p:extLst>
+      <p:ext uri="{BB962C8B-B14F-4D97-AF65-F5344CB8AC3E}">
+        <p14:creationId xmlns:p14="http://schemas.microsoft.com/office/powerpoint/2010/main" val="3428325844"/>
+      </p:ext>
+    </p:extLst>
+  </p:cSld>
+  <p:clrMapOvr>
+    <a:masterClrMapping/>
+  </p:clrMapOvr>
+</p:notes>
+</file>
+
+<file path=ppt/notesSlides/notesSlide38.xml><?xml version="1.0" encoding="utf-8"?>
+<p:notes xmlns:a="http://schemas.openxmlformats.org/drawingml/2006/main" xmlns:r="http://schemas.openxmlformats.org/officeDocument/2006/relationships" xmlns:p="http://schemas.openxmlformats.org/presentationml/2006/main">
+  <p:cSld>
+    <p:spTree>
+      <p:nvGrpSpPr>
+        <p:cNvPr id="1" name=""/>
+        <p:cNvGrpSpPr/>
+        <p:nvPr/>
+      </p:nvGrpSpPr>
+      <p:grpSpPr>
+        <a:xfrm>
+          <a:off x="0" y="0"/>
+          <a:ext cx="0" cy="0"/>
+          <a:chOff x="0" y="0"/>
+          <a:chExt cx="0" cy="0"/>
+        </a:xfrm>
+      </p:grpSpPr>
+      <p:sp>
+        <p:nvSpPr>
+          <p:cNvPr id="2" name="Slide Image Placeholder 1"/>
+          <p:cNvSpPr>
+            <a:spLocks noGrp="1" noRot="1" noChangeAspect="1"/>
+          </p:cNvSpPr>
+          <p:nvPr>
+            <p:ph type="sldImg"/>
+          </p:nvPr>
+        </p:nvSpPr>
+        <p:spPr/>
+      </p:sp>
+      <p:sp>
+        <p:nvSpPr>
+          <p:cNvPr id="3" name="Notes Placeholder 2"/>
+          <p:cNvSpPr>
+            <a:spLocks noGrp="1"/>
+          </p:cNvSpPr>
+          <p:nvPr>
+            <p:ph type="body" idx="1"/>
+          </p:nvPr>
+        </p:nvSpPr>
+        <p:spPr/>
+        <p:txBody>
+          <a:bodyPr/>
+          <a:lstStyle/>
+          <a:p>
+            <a:endParaRPr lang="en-IT" dirty="0"/>
+          </a:p>
+        </p:txBody>
+      </p:sp>
+      <p:sp>
+        <p:nvSpPr>
+          <p:cNvPr id="4" name="Slide Number Placeholder 3"/>
+          <p:cNvSpPr>
+            <a:spLocks noGrp="1"/>
+          </p:cNvSpPr>
+          <p:nvPr>
+            <p:ph type="sldNum" sz="quarter" idx="5"/>
+          </p:nvPr>
+        </p:nvSpPr>
+        <p:spPr/>
+        <p:txBody>
+          <a:bodyPr/>
+          <a:lstStyle/>
+          <a:p>
+            <a:fld id="{CC0F43FB-3F33-3F4B-9768-2FBED988F992}" type="slidenum">
+              <a:rPr lang="en-IT" smtClean="0"/>
               <a:t>46</a:t>
             </a:fld>
             <a:endParaRPr lang="en-IT"/>
@@ -3125,7 +3209,7 @@
 </p:notes>
 </file>
 
-<file path=ppt/notesSlides/notesSlide38.xml><?xml version="1.0" encoding="utf-8"?>
+<file path=ppt/notesSlides/notesSlide39.xml><?xml version="1.0" encoding="utf-8"?>
 <p:notes xmlns:a="http://schemas.openxmlformats.org/drawingml/2006/main" xmlns:r="http://schemas.openxmlformats.org/officeDocument/2006/relationships" xmlns:p="http://schemas.openxmlformats.org/presentationml/2006/main">
   <p:cSld>
     <p:spTree>
@@ -3274,7 +3358,7 @@
           <a:p>
             <a:fld id="{CC0F43FB-3F33-3F4B-9768-2FBED988F992}" type="slidenum">
               <a:rPr lang="en-IT" smtClean="0"/>
-              <a:t>8</a:t>
+              <a:t>7</a:t>
             </a:fld>
             <a:endParaRPr lang="en-IT"/>
           </a:p>
@@ -3283,7 +3367,7 @@
     </p:spTree>
     <p:extLst>
       <p:ext uri="{BB962C8B-B14F-4D97-AF65-F5344CB8AC3E}">
-        <p14:creationId xmlns:p14="http://schemas.microsoft.com/office/powerpoint/2010/main" val="2396023474"/>
+        <p14:creationId xmlns:p14="http://schemas.microsoft.com/office/powerpoint/2010/main" val="3319480074"/>
       </p:ext>
     </p:extLst>
   </p:cSld>
@@ -3358,7 +3442,7 @@
           <a:p>
             <a:fld id="{CC0F43FB-3F33-3F4B-9768-2FBED988F992}" type="slidenum">
               <a:rPr lang="en-IT" smtClean="0"/>
-              <a:t>9</a:t>
+              <a:t>8</a:t>
             </a:fld>
             <a:endParaRPr lang="en-IT"/>
           </a:p>
@@ -3367,7 +3451,7 @@
     </p:spTree>
     <p:extLst>
       <p:ext uri="{BB962C8B-B14F-4D97-AF65-F5344CB8AC3E}">
-        <p14:creationId xmlns:p14="http://schemas.microsoft.com/office/powerpoint/2010/main" val="3151699558"/>
+        <p14:creationId xmlns:p14="http://schemas.microsoft.com/office/powerpoint/2010/main" val="2396023474"/>
       </p:ext>
     </p:extLst>
   </p:cSld>
@@ -3442,7 +3526,7 @@
           <a:p>
             <a:fld id="{CC0F43FB-3F33-3F4B-9768-2FBED988F992}" type="slidenum">
               <a:rPr lang="en-IT" smtClean="0"/>
-              <a:t>10</a:t>
+              <a:t>9</a:t>
             </a:fld>
             <a:endParaRPr lang="en-IT"/>
           </a:p>
@@ -3451,7 +3535,7 @@
     </p:spTree>
     <p:extLst>
       <p:ext uri="{BB962C8B-B14F-4D97-AF65-F5344CB8AC3E}">
-        <p14:creationId xmlns:p14="http://schemas.microsoft.com/office/powerpoint/2010/main" val="2049855748"/>
+        <p14:creationId xmlns:p14="http://schemas.microsoft.com/office/powerpoint/2010/main" val="3151699558"/>
       </p:ext>
     </p:extLst>
   </p:cSld>
@@ -3526,7 +3610,7 @@
           <a:p>
             <a:fld id="{CC0F43FB-3F33-3F4B-9768-2FBED988F992}" type="slidenum">
               <a:rPr lang="en-IT" smtClean="0"/>
-              <a:t>11</a:t>
+              <a:t>10</a:t>
             </a:fld>
             <a:endParaRPr lang="en-IT"/>
           </a:p>
@@ -3535,7 +3619,7 @@
     </p:spTree>
     <p:extLst>
       <p:ext uri="{BB962C8B-B14F-4D97-AF65-F5344CB8AC3E}">
-        <p14:creationId xmlns:p14="http://schemas.microsoft.com/office/powerpoint/2010/main" val="870401632"/>
+        <p14:creationId xmlns:p14="http://schemas.microsoft.com/office/powerpoint/2010/main" val="2049855748"/>
       </p:ext>
     </p:extLst>
   </p:cSld>
@@ -3610,7 +3694,7 @@
           <a:p>
             <a:fld id="{CC0F43FB-3F33-3F4B-9768-2FBED988F992}" type="slidenum">
               <a:rPr lang="en-IT" smtClean="0"/>
-              <a:t>12</a:t>
+              <a:t>11</a:t>
             </a:fld>
             <a:endParaRPr lang="en-IT"/>
           </a:p>
@@ -3619,7 +3703,7 @@
     </p:spTree>
     <p:extLst>
       <p:ext uri="{BB962C8B-B14F-4D97-AF65-F5344CB8AC3E}">
-        <p14:creationId xmlns:p14="http://schemas.microsoft.com/office/powerpoint/2010/main" val="3154266290"/>
+        <p14:creationId xmlns:p14="http://schemas.microsoft.com/office/powerpoint/2010/main" val="870401632"/>
       </p:ext>
     </p:extLst>
   </p:cSld>
@@ -3694,7 +3778,7 @@
           <a:p>
             <a:fld id="{CC0F43FB-3F33-3F4B-9768-2FBED988F992}" type="slidenum">
               <a:rPr lang="en-IT" smtClean="0"/>
-              <a:t>13</a:t>
+              <a:t>12</a:t>
             </a:fld>
             <a:endParaRPr lang="en-IT"/>
           </a:p>
@@ -3703,7 +3787,7 @@
     </p:spTree>
     <p:extLst>
       <p:ext uri="{BB962C8B-B14F-4D97-AF65-F5344CB8AC3E}">
-        <p14:creationId xmlns:p14="http://schemas.microsoft.com/office/powerpoint/2010/main" val="1959350171"/>
+        <p14:creationId xmlns:p14="http://schemas.microsoft.com/office/powerpoint/2010/main" val="3154266290"/>
       </p:ext>
     </p:extLst>
   </p:cSld>
@@ -12885,64 +12969,136 @@
           <a:lstStyle/>
           <a:p>
             <a:r>
-              <a:rPr lang="en-GB" dirty="0"/>
+              <a:rPr lang="en-GB" b="1" dirty="0"/>
               <a:t>Recap</a:t>
             </a:r>
           </a:p>
           <a:p>
             <a:r>
-              <a:rPr lang="en-GB" dirty="0"/>
+              <a:rPr lang="en-GB" dirty="0">
+                <a:solidFill>
+                  <a:schemeClr val="bg2">
+                    <a:lumMod val="90000"/>
+                  </a:schemeClr>
+                </a:solidFill>
+              </a:rPr>
               <a:t>Some fundamental Flutter Widgets</a:t>
             </a:r>
           </a:p>
           <a:p>
             <a:r>
-              <a:rPr lang="en-GB" dirty="0"/>
+              <a:rPr lang="en-GB" dirty="0">
+                <a:solidFill>
+                  <a:schemeClr val="bg2">
+                    <a:lumMod val="90000"/>
+                  </a:schemeClr>
+                </a:solidFill>
+              </a:rPr>
               <a:t>Layout in Flutter</a:t>
             </a:r>
           </a:p>
           <a:p>
             <a:r>
-              <a:rPr lang="en-GB" dirty="0"/>
+              <a:rPr lang="en-GB" dirty="0">
+                <a:solidFill>
+                  <a:schemeClr val="bg2">
+                    <a:lumMod val="90000"/>
+                  </a:schemeClr>
+                </a:solidFill>
+              </a:rPr>
               <a:t>App#1: </a:t>
             </a:r>
             <a:r>
-              <a:rPr lang="en-GB" dirty="0" err="1"/>
+              <a:rPr lang="en-GB" dirty="0" err="1">
+                <a:solidFill>
+                  <a:schemeClr val="bg2">
+                    <a:lumMod val="90000"/>
+                  </a:schemeClr>
+                </a:solidFill>
+              </a:rPr>
               <a:t>layout_basics</a:t>
             </a:r>
-            <a:endParaRPr lang="en-GB" dirty="0"/>
-          </a:p>
-          <a:p>
-            <a:r>
-              <a:rPr lang="en-GB" dirty="0"/>
+            <a:endParaRPr lang="en-GB" dirty="0">
+              <a:solidFill>
+                <a:schemeClr val="bg2">
+                  <a:lumMod val="90000"/>
+                </a:schemeClr>
+              </a:solidFill>
+            </a:endParaRPr>
+          </a:p>
+          <a:p>
+            <a:r>
+              <a:rPr lang="en-GB" dirty="0">
+                <a:solidFill>
+                  <a:schemeClr val="bg2">
+                    <a:lumMod val="90000"/>
+                  </a:schemeClr>
+                </a:solidFill>
+              </a:rPr>
               <a:t>App#2: scaffolding</a:t>
             </a:r>
           </a:p>
           <a:p>
             <a:r>
-              <a:rPr lang="en-GB" dirty="0" err="1"/>
+              <a:rPr lang="en-GB" dirty="0" err="1">
+                <a:solidFill>
+                  <a:schemeClr val="bg2">
+                    <a:lumMod val="90000"/>
+                  </a:schemeClr>
+                </a:solidFill>
+              </a:rPr>
               <a:t>ListView</a:t>
             </a:r>
-            <a:endParaRPr lang="en-GB" dirty="0"/>
-          </a:p>
-          <a:p>
-            <a:endParaRPr lang="en-GB" dirty="0"/>
-          </a:p>
-          <a:p>
-            <a:r>
-              <a:rPr lang="en-GB" dirty="0"/>
+            <a:endParaRPr lang="en-GB" dirty="0">
+              <a:solidFill>
+                <a:schemeClr val="bg2">
+                  <a:lumMod val="90000"/>
+                </a:schemeClr>
+              </a:solidFill>
+            </a:endParaRPr>
+          </a:p>
+          <a:p>
+            <a:endParaRPr lang="en-GB" dirty="0">
+              <a:solidFill>
+                <a:schemeClr val="bg2">
+                  <a:lumMod val="90000"/>
+                </a:schemeClr>
+              </a:solidFill>
+            </a:endParaRPr>
+          </a:p>
+          <a:p>
+            <a:r>
+              <a:rPr lang="en-GB" dirty="0">
+                <a:solidFill>
+                  <a:schemeClr val="bg2">
+                    <a:lumMod val="90000"/>
+                  </a:schemeClr>
+                </a:solidFill>
+              </a:rPr>
               <a:t>Exercise </a:t>
             </a:r>
           </a:p>
           <a:p>
             <a:r>
-              <a:rPr lang="en-GB" dirty="0"/>
+              <a:rPr lang="en-GB" dirty="0">
+                <a:solidFill>
+                  <a:schemeClr val="bg2">
+                    <a:lumMod val="90000"/>
+                  </a:schemeClr>
+                </a:solidFill>
+              </a:rPr>
               <a:t>Homework</a:t>
             </a:r>
           </a:p>
           <a:p>
             <a:r>
-              <a:rPr lang="en-GB" dirty="0"/>
+              <a:rPr lang="en-GB" dirty="0">
+                <a:solidFill>
+                  <a:schemeClr val="bg2">
+                    <a:lumMod val="90000"/>
+                  </a:schemeClr>
+                </a:solidFill>
+              </a:rPr>
               <a:t>Resources</a:t>
             </a:r>
           </a:p>
@@ -12951,7 +13107,7 @@
     </p:spTree>
     <p:extLst>
       <p:ext uri="{BB962C8B-B14F-4D97-AF65-F5344CB8AC3E}">
-        <p14:creationId xmlns:p14="http://schemas.microsoft.com/office/powerpoint/2010/main" val="3442453323"/>
+        <p14:creationId xmlns:p14="http://schemas.microsoft.com/office/powerpoint/2010/main" val="3177761677"/>
       </p:ext>
     </p:extLst>
   </p:cSld>
@@ -18440,179 +18596,2173 @@
           <a:p>
             <a:r>
               <a:rPr lang="en-IT" dirty="0"/>
-              <a:t>Outline</a:t>
+              <a:t>Recap</a:t>
             </a:r>
           </a:p>
         </p:txBody>
       </p:sp>
       <p:sp>
         <p:nvSpPr>
-          <p:cNvPr id="3" name="Content Placeholder 2">
+          <p:cNvPr id="6" name="Rectangle 5">
             <a:extLst>
               <a:ext uri="{FF2B5EF4-FFF2-40B4-BE49-F238E27FC236}">
-                <a16:creationId xmlns:a16="http://schemas.microsoft.com/office/drawing/2014/main" id="{8962CCAC-9D70-C543-BBE0-822B6CB5F5CB}"/>
+                <a16:creationId xmlns:a16="http://schemas.microsoft.com/office/drawing/2014/main" id="{4F59339E-8A81-2441-8894-466CF2091C4C}"/>
               </a:ext>
             </a:extLst>
           </p:cNvPr>
-          <p:cNvSpPr>
-            <a:spLocks noGrp="1"/>
-          </p:cNvSpPr>
-          <p:nvPr>
-            <p:ph idx="1"/>
-          </p:nvPr>
+          <p:cNvSpPr/>
+          <p:nvPr/>
         </p:nvSpPr>
         <p:spPr>
           <a:xfrm>
-            <a:off x="428172" y="1361167"/>
-            <a:ext cx="11213368" cy="5334907"/>
+            <a:off x="3262086" y="2757271"/>
+            <a:ext cx="2571750" cy="860243"/>
           </a:xfrm>
+          <a:prstGeom prst="rect">
+            <a:avLst/>
+          </a:prstGeom>
+          <a:ln w="38100">
+            <a:solidFill>
+              <a:schemeClr val="accent1"/>
+            </a:solidFill>
+          </a:ln>
+        </p:spPr>
+        <p:style>
+          <a:lnRef idx="2">
+            <a:schemeClr val="accent6"/>
+          </a:lnRef>
+          <a:fillRef idx="1">
+            <a:schemeClr val="lt1"/>
+          </a:fillRef>
+          <a:effectRef idx="0">
+            <a:schemeClr val="accent6"/>
+          </a:effectRef>
+          <a:fontRef idx="minor">
+            <a:schemeClr val="dk1"/>
+          </a:fontRef>
+        </p:style>
+        <p:txBody>
+          <a:bodyPr rtlCol="0" anchor="ctr"/>
+          <a:lstStyle/>
+          <a:p>
+            <a:pPr algn="ctr"/>
+            <a:r>
+              <a:rPr lang="en-IT" dirty="0">
+                <a:latin typeface="Palatino Linotype" panose="02040502050505030304" pitchFamily="18" charset="0"/>
+              </a:rPr>
+              <a:t>Navigate between screens</a:t>
+            </a:r>
+          </a:p>
+        </p:txBody>
+      </p:sp>
+      <p:sp>
+        <p:nvSpPr>
+          <p:cNvPr id="8" name="Rectangle 7">
+            <a:extLst>
+              <a:ext uri="{FF2B5EF4-FFF2-40B4-BE49-F238E27FC236}">
+                <a16:creationId xmlns:a16="http://schemas.microsoft.com/office/drawing/2014/main" id="{A3DA10E2-4B67-4448-8871-FA03D68FCBE9}"/>
+              </a:ext>
+            </a:extLst>
+          </p:cNvPr>
+          <p:cNvSpPr/>
+          <p:nvPr/>
+        </p:nvSpPr>
+        <p:spPr>
+          <a:xfrm>
+            <a:off x="6301925" y="1506748"/>
+            <a:ext cx="2571750" cy="860243"/>
+          </a:xfrm>
+          <a:prstGeom prst="rect">
+            <a:avLst/>
+          </a:prstGeom>
+          <a:noFill/>
+          <a:ln w="38100">
+            <a:solidFill>
+              <a:srgbClr val="FFC000"/>
+            </a:solidFill>
+          </a:ln>
+        </p:spPr>
+        <p:style>
+          <a:lnRef idx="2">
+            <a:schemeClr val="accent6"/>
+          </a:lnRef>
+          <a:fillRef idx="1">
+            <a:schemeClr val="lt1"/>
+          </a:fillRef>
+          <a:effectRef idx="0">
+            <a:schemeClr val="accent6"/>
+          </a:effectRef>
+          <a:fontRef idx="minor">
+            <a:schemeClr val="dk1"/>
+          </a:fontRef>
+        </p:style>
+        <p:txBody>
+          <a:bodyPr rtlCol="0" anchor="ctr"/>
+          <a:lstStyle/>
+          <a:p>
+            <a:pPr algn="ctr"/>
+            <a:r>
+              <a:rPr lang="en-IT" dirty="0">
+                <a:latin typeface="Palatino Linotype" panose="02040502050505030304" pitchFamily="18" charset="0"/>
+              </a:rPr>
+              <a:t>Make simple API calls</a:t>
+            </a:r>
+          </a:p>
+        </p:txBody>
+      </p:sp>
+      <p:sp>
+        <p:nvSpPr>
+          <p:cNvPr id="9" name="Rectangle 8">
+            <a:extLst>
+              <a:ext uri="{FF2B5EF4-FFF2-40B4-BE49-F238E27FC236}">
+                <a16:creationId xmlns:a16="http://schemas.microsoft.com/office/drawing/2014/main" id="{91A96BC1-682C-AC4F-AE0B-DE841D7AAA23}"/>
+              </a:ext>
+            </a:extLst>
+          </p:cNvPr>
+          <p:cNvSpPr/>
+          <p:nvPr/>
+        </p:nvSpPr>
+        <p:spPr>
+          <a:xfrm>
+            <a:off x="6287293" y="2757271"/>
+            <a:ext cx="2571750" cy="860243"/>
+          </a:xfrm>
+          <a:prstGeom prst="rect">
+            <a:avLst/>
+          </a:prstGeom>
+          <a:ln w="38100">
+            <a:solidFill>
+              <a:srgbClr val="FFC000"/>
+            </a:solidFill>
+          </a:ln>
+        </p:spPr>
+        <p:style>
+          <a:lnRef idx="2">
+            <a:schemeClr val="accent6"/>
+          </a:lnRef>
+          <a:fillRef idx="1">
+            <a:schemeClr val="lt1"/>
+          </a:fillRef>
+          <a:effectRef idx="0">
+            <a:schemeClr val="accent6"/>
+          </a:effectRef>
+          <a:fontRef idx="minor">
+            <a:schemeClr val="dk1"/>
+          </a:fontRef>
+        </p:style>
+        <p:txBody>
+          <a:bodyPr rtlCol="0" anchor="ctr"/>
+          <a:lstStyle/>
+          <a:p>
+            <a:pPr algn="ctr"/>
+            <a:r>
+              <a:rPr lang="en-IT" dirty="0">
+                <a:latin typeface="Palatino Linotype" panose="02040502050505030304" pitchFamily="18" charset="0"/>
+              </a:rPr>
+              <a:t>Fetch wearable data</a:t>
+            </a:r>
+          </a:p>
+        </p:txBody>
+      </p:sp>
+      <p:sp>
+        <p:nvSpPr>
+          <p:cNvPr id="11" name="Rectangle 10">
+            <a:extLst>
+              <a:ext uri="{FF2B5EF4-FFF2-40B4-BE49-F238E27FC236}">
+                <a16:creationId xmlns:a16="http://schemas.microsoft.com/office/drawing/2014/main" id="{DA0C45BF-9708-D246-AF7A-63F93085FA1B}"/>
+              </a:ext>
+            </a:extLst>
+          </p:cNvPr>
+          <p:cNvSpPr/>
+          <p:nvPr/>
+        </p:nvSpPr>
+        <p:spPr>
+          <a:xfrm>
+            <a:off x="3262086" y="1510133"/>
+            <a:ext cx="2571750" cy="860243"/>
+          </a:xfrm>
+          <a:prstGeom prst="rect">
+            <a:avLst/>
+          </a:prstGeom>
+          <a:solidFill>
+            <a:srgbClr val="FFFF00"/>
+          </a:solidFill>
+          <a:ln w="38100">
+            <a:solidFill>
+              <a:schemeClr val="accent1"/>
+            </a:solidFill>
+          </a:ln>
+        </p:spPr>
+        <p:style>
+          <a:lnRef idx="2">
+            <a:schemeClr val="accent6"/>
+          </a:lnRef>
+          <a:fillRef idx="1">
+            <a:schemeClr val="lt1"/>
+          </a:fillRef>
+          <a:effectRef idx="0">
+            <a:schemeClr val="accent6"/>
+          </a:effectRef>
+          <a:fontRef idx="minor">
+            <a:schemeClr val="dk1"/>
+          </a:fontRef>
+        </p:style>
+        <p:txBody>
+          <a:bodyPr rtlCol="0" anchor="ctr"/>
+          <a:lstStyle/>
+          <a:p>
+            <a:pPr algn="ctr"/>
+            <a:r>
+              <a:rPr lang="en-IT" dirty="0">
+                <a:latin typeface="Palatino Linotype" panose="02040502050505030304" pitchFamily="18" charset="0"/>
+              </a:rPr>
+              <a:t>Create a layout</a:t>
+            </a:r>
+          </a:p>
+        </p:txBody>
+      </p:sp>
+      <p:sp>
+        <p:nvSpPr>
+          <p:cNvPr id="12" name="Rectangle 11">
+            <a:extLst>
+              <a:ext uri="{FF2B5EF4-FFF2-40B4-BE49-F238E27FC236}">
+                <a16:creationId xmlns:a16="http://schemas.microsoft.com/office/drawing/2014/main" id="{89A3CF9B-84DE-9A4C-9E18-FBA6C2A9FAAE}"/>
+              </a:ext>
+            </a:extLst>
+          </p:cNvPr>
+          <p:cNvSpPr/>
+          <p:nvPr/>
+        </p:nvSpPr>
+        <p:spPr>
+          <a:xfrm>
+            <a:off x="9303992" y="2752427"/>
+            <a:ext cx="2571750" cy="860243"/>
+          </a:xfrm>
+          <a:prstGeom prst="rect">
+            <a:avLst/>
+          </a:prstGeom>
+          <a:ln w="38100">
+            <a:solidFill>
+              <a:srgbClr val="7030A0"/>
+            </a:solidFill>
+          </a:ln>
+        </p:spPr>
+        <p:style>
+          <a:lnRef idx="2">
+            <a:schemeClr val="accent6"/>
+          </a:lnRef>
+          <a:fillRef idx="1">
+            <a:schemeClr val="lt1"/>
+          </a:fillRef>
+          <a:effectRef idx="0">
+            <a:schemeClr val="accent6"/>
+          </a:effectRef>
+          <a:fontRef idx="minor">
+            <a:schemeClr val="dk1"/>
+          </a:fontRef>
+        </p:style>
+        <p:txBody>
+          <a:bodyPr rtlCol="0" anchor="ctr"/>
+          <a:lstStyle/>
+          <a:p>
+            <a:pPr algn="ctr"/>
+            <a:r>
+              <a:rPr lang="en-IT" dirty="0">
+                <a:latin typeface="Palatino Linotype" panose="02040502050505030304" pitchFamily="18" charset="0"/>
+              </a:rPr>
+              <a:t>Persist user data</a:t>
+            </a:r>
+          </a:p>
+        </p:txBody>
+      </p:sp>
+      <p:sp>
+        <p:nvSpPr>
+          <p:cNvPr id="13" name="Rectangle 12">
+            <a:extLst>
+              <a:ext uri="{FF2B5EF4-FFF2-40B4-BE49-F238E27FC236}">
+                <a16:creationId xmlns:a16="http://schemas.microsoft.com/office/drawing/2014/main" id="{B59EA357-0CE7-EE42-AA24-CF594C57CF30}"/>
+              </a:ext>
+            </a:extLst>
+          </p:cNvPr>
+          <p:cNvSpPr/>
+          <p:nvPr/>
+        </p:nvSpPr>
+        <p:spPr>
+          <a:xfrm>
+            <a:off x="3262086" y="4006100"/>
+            <a:ext cx="2571750" cy="860243"/>
+          </a:xfrm>
+          <a:prstGeom prst="rect">
+            <a:avLst/>
+          </a:prstGeom>
+          <a:ln w="38100">
+            <a:solidFill>
+              <a:schemeClr val="accent1"/>
+            </a:solidFill>
+          </a:ln>
+        </p:spPr>
+        <p:style>
+          <a:lnRef idx="2">
+            <a:schemeClr val="accent6"/>
+          </a:lnRef>
+          <a:fillRef idx="1">
+            <a:schemeClr val="lt1"/>
+          </a:fillRef>
+          <a:effectRef idx="0">
+            <a:schemeClr val="accent6"/>
+          </a:effectRef>
+          <a:fontRef idx="minor">
+            <a:schemeClr val="dk1"/>
+          </a:fontRef>
+        </p:style>
+        <p:txBody>
+          <a:bodyPr rtlCol="0" anchor="ctr"/>
+          <a:lstStyle/>
+          <a:p>
+            <a:pPr algn="ctr"/>
+            <a:r>
+              <a:rPr lang="en-IT" dirty="0">
+                <a:latin typeface="Palatino Linotype" panose="02040502050505030304" pitchFamily="18" charset="0"/>
+              </a:rPr>
+              <a:t>Manage the app state</a:t>
+            </a:r>
+          </a:p>
+        </p:txBody>
+      </p:sp>
+      <p:sp>
+        <p:nvSpPr>
+          <p:cNvPr id="14" name="Rectangle 13">
+            <a:extLst>
+              <a:ext uri="{FF2B5EF4-FFF2-40B4-BE49-F238E27FC236}">
+                <a16:creationId xmlns:a16="http://schemas.microsoft.com/office/drawing/2014/main" id="{59891CCE-800C-D14F-AC56-D2B57CD4489C}"/>
+              </a:ext>
+            </a:extLst>
+          </p:cNvPr>
+          <p:cNvSpPr/>
+          <p:nvPr/>
+        </p:nvSpPr>
+        <p:spPr>
+          <a:xfrm>
+            <a:off x="428173" y="4001893"/>
+            <a:ext cx="2571750" cy="860243"/>
+          </a:xfrm>
+          <a:prstGeom prst="rect">
+            <a:avLst/>
+          </a:prstGeom>
+          <a:ln w="38100">
+            <a:solidFill>
+              <a:schemeClr val="accent1"/>
+            </a:solidFill>
+          </a:ln>
+        </p:spPr>
+        <p:style>
+          <a:lnRef idx="2">
+            <a:schemeClr val="accent6"/>
+          </a:lnRef>
+          <a:fillRef idx="1">
+            <a:schemeClr val="lt1"/>
+          </a:fillRef>
+          <a:effectRef idx="0">
+            <a:schemeClr val="accent6"/>
+          </a:effectRef>
+          <a:fontRef idx="minor">
+            <a:schemeClr val="dk1"/>
+          </a:fontRef>
+        </p:style>
+        <p:txBody>
+          <a:bodyPr rtlCol="0" anchor="ctr"/>
+          <a:lstStyle/>
+          <a:p>
+            <a:pPr algn="ctr"/>
+            <a:r>
+              <a:rPr lang="en-IT" dirty="0">
+                <a:latin typeface="Palatino Linotype" panose="02040502050505030304" pitchFamily="18" charset="0"/>
+              </a:rPr>
+              <a:t>Understand Flutter’s principles</a:t>
+            </a:r>
+          </a:p>
+        </p:txBody>
+      </p:sp>
+      <p:sp>
+        <p:nvSpPr>
+          <p:cNvPr id="15" name="Rectangle 14">
+            <a:extLst>
+              <a:ext uri="{FF2B5EF4-FFF2-40B4-BE49-F238E27FC236}">
+                <a16:creationId xmlns:a16="http://schemas.microsoft.com/office/drawing/2014/main" id="{4578F71A-FE43-5D4A-9447-12A5D61DBED5}"/>
+              </a:ext>
+            </a:extLst>
+          </p:cNvPr>
+          <p:cNvSpPr/>
+          <p:nvPr/>
+        </p:nvSpPr>
+        <p:spPr>
+          <a:xfrm>
+            <a:off x="428173" y="2757271"/>
+            <a:ext cx="2571750" cy="860243"/>
+          </a:xfrm>
+          <a:prstGeom prst="rect">
+            <a:avLst/>
+          </a:prstGeom>
+          <a:ln w="38100">
+            <a:solidFill>
+              <a:schemeClr val="accent1"/>
+            </a:solidFill>
+          </a:ln>
+        </p:spPr>
+        <p:style>
+          <a:lnRef idx="2">
+            <a:schemeClr val="accent6"/>
+          </a:lnRef>
+          <a:fillRef idx="1">
+            <a:schemeClr val="lt1"/>
+          </a:fillRef>
+          <a:effectRef idx="0">
+            <a:schemeClr val="accent6"/>
+          </a:effectRef>
+          <a:fontRef idx="minor">
+            <a:schemeClr val="dk1"/>
+          </a:fontRef>
+        </p:style>
+        <p:txBody>
+          <a:bodyPr rtlCol="0" anchor="ctr"/>
+          <a:lstStyle/>
+          <a:p>
+            <a:pPr algn="ctr"/>
+            <a:r>
+              <a:rPr lang="en-IT" dirty="0">
+                <a:latin typeface="Palatino Linotype" panose="02040502050505030304" pitchFamily="18" charset="0"/>
+              </a:rPr>
+              <a:t>Get familiar with Dart</a:t>
+            </a:r>
+          </a:p>
+        </p:txBody>
+      </p:sp>
+      <p:sp>
+        <p:nvSpPr>
+          <p:cNvPr id="16" name="Rectangle 15">
+            <a:extLst>
+              <a:ext uri="{FF2B5EF4-FFF2-40B4-BE49-F238E27FC236}">
+                <a16:creationId xmlns:a16="http://schemas.microsoft.com/office/drawing/2014/main" id="{F06EC684-AEE0-714D-BA51-7C00C2C4DCF1}"/>
+              </a:ext>
+            </a:extLst>
+          </p:cNvPr>
+          <p:cNvSpPr/>
+          <p:nvPr/>
+        </p:nvSpPr>
+        <p:spPr>
+          <a:xfrm>
+            <a:off x="428173" y="1510134"/>
+            <a:ext cx="2571750" cy="860243"/>
+          </a:xfrm>
+          <a:prstGeom prst="rect">
+            <a:avLst/>
+          </a:prstGeom>
+          <a:ln w="38100">
+            <a:solidFill>
+              <a:schemeClr val="accent1"/>
+            </a:solidFill>
+          </a:ln>
+        </p:spPr>
+        <p:style>
+          <a:lnRef idx="2">
+            <a:schemeClr val="accent6"/>
+          </a:lnRef>
+          <a:fillRef idx="1">
+            <a:schemeClr val="lt1"/>
+          </a:fillRef>
+          <a:effectRef idx="0">
+            <a:schemeClr val="accent6"/>
+          </a:effectRef>
+          <a:fontRef idx="minor">
+            <a:schemeClr val="dk1"/>
+          </a:fontRef>
+        </p:style>
+        <p:txBody>
+          <a:bodyPr rtlCol="0" anchor="ctr"/>
+          <a:lstStyle/>
+          <a:p>
+            <a:pPr algn="ctr"/>
+            <a:r>
+              <a:rPr lang="en-IT" dirty="0">
+                <a:latin typeface="Palatino Linotype" panose="02040502050505030304" pitchFamily="18" charset="0"/>
+              </a:rPr>
+              <a:t>Collaborate and version code</a:t>
+            </a:r>
+          </a:p>
+        </p:txBody>
+      </p:sp>
+      <p:sp>
+        <p:nvSpPr>
+          <p:cNvPr id="17" name="Rectangle 16">
+            <a:extLst>
+              <a:ext uri="{FF2B5EF4-FFF2-40B4-BE49-F238E27FC236}">
+                <a16:creationId xmlns:a16="http://schemas.microsoft.com/office/drawing/2014/main" id="{C2EFE1B8-79ED-B645-A1A5-DD1C452F5C1B}"/>
+              </a:ext>
+            </a:extLst>
+          </p:cNvPr>
+          <p:cNvSpPr/>
+          <p:nvPr/>
+        </p:nvSpPr>
+        <p:spPr>
+          <a:xfrm>
+            <a:off x="9303992" y="1498505"/>
+            <a:ext cx="2571750" cy="860243"/>
+          </a:xfrm>
+          <a:prstGeom prst="rect">
+            <a:avLst/>
+          </a:prstGeom>
+          <a:ln w="38100">
+            <a:solidFill>
+              <a:srgbClr val="7030A0"/>
+            </a:solidFill>
+          </a:ln>
+        </p:spPr>
+        <p:style>
+          <a:lnRef idx="2">
+            <a:schemeClr val="accent6"/>
+          </a:lnRef>
+          <a:fillRef idx="1">
+            <a:schemeClr val="lt1"/>
+          </a:fillRef>
+          <a:effectRef idx="0">
+            <a:schemeClr val="accent6"/>
+          </a:effectRef>
+          <a:fontRef idx="minor">
+            <a:schemeClr val="dk1"/>
+          </a:fontRef>
+        </p:style>
+        <p:txBody>
+          <a:bodyPr rtlCol="0" anchor="ctr"/>
+          <a:lstStyle/>
+          <a:p>
+            <a:pPr algn="ctr"/>
+            <a:r>
+              <a:rPr lang="en-IT" dirty="0">
+                <a:latin typeface="Palatino Linotype" panose="02040502050505030304" pitchFamily="18" charset="0"/>
+              </a:rPr>
+              <a:t>Implement user authentication</a:t>
+            </a:r>
+          </a:p>
+        </p:txBody>
+      </p:sp>
+      <p:sp>
+        <p:nvSpPr>
+          <p:cNvPr id="18" name="Rectangle 17">
+            <a:extLst>
+              <a:ext uri="{FF2B5EF4-FFF2-40B4-BE49-F238E27FC236}">
+                <a16:creationId xmlns:a16="http://schemas.microsoft.com/office/drawing/2014/main" id="{7A69206F-E158-C04A-AA9B-1F9FCE860BD3}"/>
+              </a:ext>
+            </a:extLst>
+          </p:cNvPr>
+          <p:cNvSpPr/>
+          <p:nvPr/>
+        </p:nvSpPr>
+        <p:spPr>
+          <a:xfrm>
+            <a:off x="428173" y="5818578"/>
+            <a:ext cx="11553370" cy="453753"/>
+          </a:xfrm>
+          <a:prstGeom prst="rect">
+            <a:avLst/>
+          </a:prstGeom>
+          <a:ln w="38100"/>
+        </p:spPr>
+        <p:style>
+          <a:lnRef idx="2">
+            <a:schemeClr val="accent6"/>
+          </a:lnRef>
+          <a:fillRef idx="1">
+            <a:schemeClr val="lt1"/>
+          </a:fillRef>
+          <a:effectRef idx="0">
+            <a:schemeClr val="accent6"/>
+          </a:effectRef>
+          <a:fontRef idx="minor">
+            <a:schemeClr val="dk1"/>
+          </a:fontRef>
+        </p:style>
+        <p:txBody>
+          <a:bodyPr rtlCol="0" anchor="ctr"/>
+          <a:lstStyle/>
+          <a:p>
+            <a:pPr algn="ctr"/>
+            <a:r>
+              <a:rPr lang="en-IT" dirty="0">
+                <a:latin typeface="Palatino Linotype" panose="02040502050505030304" pitchFamily="18" charset="0"/>
+              </a:rPr>
+              <a:t>Do something with your fantasy</a:t>
+            </a:r>
+          </a:p>
+        </p:txBody>
+      </p:sp>
+      <p:cxnSp>
+        <p:nvCxnSpPr>
+          <p:cNvPr id="24" name="Straight Connector 23">
+            <a:extLst>
+              <a:ext uri="{FF2B5EF4-FFF2-40B4-BE49-F238E27FC236}">
+                <a16:creationId xmlns:a16="http://schemas.microsoft.com/office/drawing/2014/main" id="{F46B9E0C-1958-334C-8E68-E5B5D895F3A0}"/>
+              </a:ext>
+            </a:extLst>
+          </p:cNvPr>
+          <p:cNvCxnSpPr>
+            <a:cxnSpLocks/>
+          </p:cNvCxnSpPr>
+          <p:nvPr/>
+        </p:nvCxnSpPr>
+        <p:spPr>
+          <a:xfrm>
+            <a:off x="11981543" y="1231320"/>
+            <a:ext cx="0" cy="4088165"/>
+          </a:xfrm>
+          <a:prstGeom prst="line">
+            <a:avLst/>
+          </a:prstGeom>
+          <a:ln w="38100">
+            <a:solidFill>
+              <a:srgbClr val="7030A0"/>
+            </a:solidFill>
+          </a:ln>
+        </p:spPr>
+        <p:style>
+          <a:lnRef idx="1">
+            <a:schemeClr val="accent6"/>
+          </a:lnRef>
+          <a:fillRef idx="0">
+            <a:schemeClr val="accent6"/>
+          </a:fillRef>
+          <a:effectRef idx="0">
+            <a:schemeClr val="accent6"/>
+          </a:effectRef>
+          <a:fontRef idx="minor">
+            <a:schemeClr val="tx1"/>
+          </a:fontRef>
+        </p:style>
+      </p:cxnSp>
+      <p:sp>
+        <p:nvSpPr>
+          <p:cNvPr id="25" name="Content Placeholder 2">
+            <a:extLst>
+              <a:ext uri="{FF2B5EF4-FFF2-40B4-BE49-F238E27FC236}">
+                <a16:creationId xmlns:a16="http://schemas.microsoft.com/office/drawing/2014/main" id="{B714A049-D46C-4741-AC57-5ADD5A556D5E}"/>
+              </a:ext>
+            </a:extLst>
+          </p:cNvPr>
+          <p:cNvSpPr txBox="1">
+            <a:spLocks/>
+          </p:cNvSpPr>
+          <p:nvPr/>
+        </p:nvSpPr>
+        <p:spPr>
+          <a:xfrm>
+            <a:off x="428172" y="4971142"/>
+            <a:ext cx="5405664" cy="348343"/>
+          </a:xfrm>
+          <a:prstGeom prst="rect">
+            <a:avLst/>
+          </a:prstGeom>
+          <a:ln w="38100">
+            <a:solidFill>
+              <a:schemeClr val="accent1"/>
+            </a:solidFill>
+          </a:ln>
         </p:spPr>
         <p:txBody>
-          <a:bodyPr>
+          <a:bodyPr vert="horz" lIns="91440" tIns="45720" rIns="91440" bIns="45720" rtlCol="0" anchor="ctr">
             <a:normAutofit/>
           </a:bodyPr>
-          <a:lstStyle/>
-          <a:p>
-            <a:r>
-              <a:rPr lang="en-GB" b="1" dirty="0"/>
-              <a:t>Recap</a:t>
-            </a:r>
-          </a:p>
-          <a:p>
-            <a:r>
-              <a:rPr lang="en-GB" dirty="0">
-                <a:solidFill>
-                  <a:schemeClr val="bg2">
-                    <a:lumMod val="90000"/>
-                  </a:schemeClr>
-                </a:solidFill>
-              </a:rPr>
-              <a:t>Some fundamental Flutter Widgets</a:t>
-            </a:r>
-          </a:p>
-          <a:p>
-            <a:r>
-              <a:rPr lang="en-GB" dirty="0">
-                <a:solidFill>
-                  <a:schemeClr val="bg2">
-                    <a:lumMod val="90000"/>
-                  </a:schemeClr>
-                </a:solidFill>
-              </a:rPr>
-              <a:t>Layout in Flutter</a:t>
-            </a:r>
-          </a:p>
-          <a:p>
-            <a:r>
-              <a:rPr lang="en-GB" dirty="0">
-                <a:solidFill>
-                  <a:schemeClr val="bg2">
-                    <a:lumMod val="90000"/>
-                  </a:schemeClr>
-                </a:solidFill>
-              </a:rPr>
-              <a:t>App#1: </a:t>
-            </a:r>
-            <a:r>
-              <a:rPr lang="en-GB" dirty="0" err="1">
-                <a:solidFill>
-                  <a:schemeClr val="bg2">
-                    <a:lumMod val="90000"/>
-                  </a:schemeClr>
-                </a:solidFill>
-              </a:rPr>
-              <a:t>layout_basics</a:t>
-            </a:r>
-            <a:endParaRPr lang="en-GB" dirty="0">
-              <a:solidFill>
-                <a:schemeClr val="bg2">
-                  <a:lumMod val="90000"/>
-                </a:schemeClr>
-              </a:solidFill>
-            </a:endParaRPr>
-          </a:p>
-          <a:p>
-            <a:r>
-              <a:rPr lang="en-GB" dirty="0">
-                <a:solidFill>
-                  <a:schemeClr val="bg2">
-                    <a:lumMod val="90000"/>
-                  </a:schemeClr>
-                </a:solidFill>
-              </a:rPr>
-              <a:t>App#2: scaffolding</a:t>
-            </a:r>
-          </a:p>
-          <a:p>
-            <a:r>
-              <a:rPr lang="en-GB" dirty="0" err="1">
-                <a:solidFill>
-                  <a:schemeClr val="bg2">
-                    <a:lumMod val="90000"/>
-                  </a:schemeClr>
-                </a:solidFill>
-              </a:rPr>
-              <a:t>ListView</a:t>
-            </a:r>
-            <a:endParaRPr lang="en-GB" dirty="0">
-              <a:solidFill>
-                <a:schemeClr val="bg2">
-                  <a:lumMod val="90000"/>
-                </a:schemeClr>
-              </a:solidFill>
-            </a:endParaRPr>
-          </a:p>
-          <a:p>
-            <a:endParaRPr lang="en-GB" dirty="0">
-              <a:solidFill>
-                <a:schemeClr val="bg2">
-                  <a:lumMod val="90000"/>
-                </a:schemeClr>
-              </a:solidFill>
-            </a:endParaRPr>
-          </a:p>
-          <a:p>
-            <a:r>
-              <a:rPr lang="en-GB" dirty="0">
-                <a:solidFill>
-                  <a:schemeClr val="bg2">
-                    <a:lumMod val="90000"/>
-                  </a:schemeClr>
-                </a:solidFill>
-              </a:rPr>
-              <a:t>Exercise </a:t>
-            </a:r>
-          </a:p>
-          <a:p>
-            <a:r>
-              <a:rPr lang="en-GB" dirty="0">
-                <a:solidFill>
-                  <a:schemeClr val="bg2">
-                    <a:lumMod val="90000"/>
-                  </a:schemeClr>
-                </a:solidFill>
-              </a:rPr>
-              <a:t>Homework</a:t>
-            </a:r>
-          </a:p>
-          <a:p>
-            <a:r>
-              <a:rPr lang="en-GB" dirty="0">
-                <a:solidFill>
-                  <a:schemeClr val="bg2">
-                    <a:lumMod val="90000"/>
-                  </a:schemeClr>
-                </a:solidFill>
-              </a:rPr>
-              <a:t>Resources</a:t>
+          <a:lstStyle>
+            <a:lvl1pPr marL="342900" indent="-342900" algn="l" defTabSz="914400" rtl="0" eaLnBrk="1" latinLnBrk="0" hangingPunct="1">
+              <a:lnSpc>
+                <a:spcPct val="90000"/>
+              </a:lnSpc>
+              <a:spcBef>
+                <a:spcPts val="1000"/>
+              </a:spcBef>
+              <a:buClr>
+                <a:srgbClr val="00B050"/>
+              </a:buClr>
+              <a:buFont typeface="Wingdings" panose="05000000000000000000" pitchFamily="2" charset="2"/>
+              <a:buChar char="Ø"/>
+              <a:defRPr sz="2400" kern="1200">
+                <a:solidFill>
+                  <a:schemeClr val="tx1"/>
+                </a:solidFill>
+                <a:latin typeface="Palatino Linotype" panose="02040502050505030304" pitchFamily="18" charset="0"/>
+                <a:ea typeface="+mn-ea"/>
+                <a:cs typeface="+mn-cs"/>
+              </a:defRPr>
+            </a:lvl1pPr>
+            <a:lvl2pPr marL="685800" indent="-228600" algn="l" defTabSz="914400" rtl="0" eaLnBrk="1" latinLnBrk="0" hangingPunct="1">
+              <a:lnSpc>
+                <a:spcPct val="90000"/>
+              </a:lnSpc>
+              <a:spcBef>
+                <a:spcPts val="500"/>
+              </a:spcBef>
+              <a:buClr>
+                <a:srgbClr val="00B050"/>
+              </a:buClr>
+              <a:buFont typeface="Wingdings" panose="05000000000000000000" pitchFamily="2" charset="2"/>
+              <a:buChar char="§"/>
+              <a:defRPr sz="2000" kern="1200">
+                <a:solidFill>
+                  <a:schemeClr val="tx1"/>
+                </a:solidFill>
+                <a:latin typeface="Palatino Linotype" panose="02040502050505030304" pitchFamily="18" charset="0"/>
+                <a:ea typeface="+mn-ea"/>
+                <a:cs typeface="+mn-cs"/>
+              </a:defRPr>
+            </a:lvl2pPr>
+            <a:lvl3pPr marL="1143000" indent="-228600" algn="l" defTabSz="914400" rtl="0" eaLnBrk="1" latinLnBrk="0" hangingPunct="1">
+              <a:lnSpc>
+                <a:spcPct val="90000"/>
+              </a:lnSpc>
+              <a:spcBef>
+                <a:spcPts val="500"/>
+              </a:spcBef>
+              <a:buClr>
+                <a:srgbClr val="00B050"/>
+              </a:buClr>
+              <a:buFont typeface="Arial" panose="020B0604020202020204" pitchFamily="34" charset="0"/>
+              <a:buChar char="•"/>
+              <a:defRPr sz="1800" kern="1200">
+                <a:solidFill>
+                  <a:schemeClr val="tx1"/>
+                </a:solidFill>
+                <a:latin typeface="Palatino Linotype" panose="02040502050505030304" pitchFamily="18" charset="0"/>
+                <a:ea typeface="+mn-ea"/>
+                <a:cs typeface="+mn-cs"/>
+              </a:defRPr>
+            </a:lvl3pPr>
+            <a:lvl4pPr marL="1600200" indent="-228600" algn="l" defTabSz="914400" rtl="0" eaLnBrk="1" latinLnBrk="0" hangingPunct="1">
+              <a:lnSpc>
+                <a:spcPct val="90000"/>
+              </a:lnSpc>
+              <a:spcBef>
+                <a:spcPts val="500"/>
+              </a:spcBef>
+              <a:buClr>
+                <a:srgbClr val="00B050"/>
+              </a:buClr>
+              <a:buFont typeface="Courier New" panose="02070309020205020404" pitchFamily="49" charset="0"/>
+              <a:buChar char="o"/>
+              <a:defRPr sz="1600" kern="1200">
+                <a:solidFill>
+                  <a:schemeClr val="tx1"/>
+                </a:solidFill>
+                <a:latin typeface="Palatino Linotype" panose="02040502050505030304" pitchFamily="18" charset="0"/>
+                <a:ea typeface="+mn-ea"/>
+                <a:cs typeface="+mn-cs"/>
+              </a:defRPr>
+            </a:lvl4pPr>
+            <a:lvl5pPr marL="2057400" indent="-228600" algn="l" defTabSz="914400" rtl="0" eaLnBrk="1" latinLnBrk="0" hangingPunct="1">
+              <a:lnSpc>
+                <a:spcPct val="90000"/>
+              </a:lnSpc>
+              <a:spcBef>
+                <a:spcPts val="500"/>
+              </a:spcBef>
+              <a:buClr>
+                <a:srgbClr val="00B050"/>
+              </a:buClr>
+              <a:buFont typeface="Times New Roman" panose="02020603050405020304" pitchFamily="18" charset="0"/>
+              <a:buChar char="̶"/>
+              <a:defRPr sz="1600" kern="1200">
+                <a:solidFill>
+                  <a:schemeClr val="tx1"/>
+                </a:solidFill>
+                <a:latin typeface="Palatino Linotype" panose="02040502050505030304" pitchFamily="18" charset="0"/>
+                <a:ea typeface="+mn-ea"/>
+                <a:cs typeface="+mn-cs"/>
+              </a:defRPr>
+            </a:lvl5pPr>
+            <a:lvl6pPr marL="2514600" indent="-228600" algn="l" defTabSz="914400" rtl="0" eaLnBrk="1" latinLnBrk="0" hangingPunct="1">
+              <a:lnSpc>
+                <a:spcPct val="90000"/>
+              </a:lnSpc>
+              <a:spcBef>
+                <a:spcPts val="500"/>
+              </a:spcBef>
+              <a:buFont typeface="Arial" panose="020B0604020202020204" pitchFamily="34" charset="0"/>
+              <a:buChar char="•"/>
+              <a:defRPr sz="1800" kern="1200">
+                <a:solidFill>
+                  <a:schemeClr val="tx1"/>
+                </a:solidFill>
+                <a:latin typeface="+mn-lt"/>
+                <a:ea typeface="+mn-ea"/>
+                <a:cs typeface="+mn-cs"/>
+              </a:defRPr>
+            </a:lvl6pPr>
+            <a:lvl7pPr marL="2971800" indent="-228600" algn="l" defTabSz="914400" rtl="0" eaLnBrk="1" latinLnBrk="0" hangingPunct="1">
+              <a:lnSpc>
+                <a:spcPct val="90000"/>
+              </a:lnSpc>
+              <a:spcBef>
+                <a:spcPts val="500"/>
+              </a:spcBef>
+              <a:buFont typeface="Arial" panose="020B0604020202020204" pitchFamily="34" charset="0"/>
+              <a:buChar char="•"/>
+              <a:defRPr sz="1800" kern="1200">
+                <a:solidFill>
+                  <a:schemeClr val="tx1"/>
+                </a:solidFill>
+                <a:latin typeface="+mn-lt"/>
+                <a:ea typeface="+mn-ea"/>
+                <a:cs typeface="+mn-cs"/>
+              </a:defRPr>
+            </a:lvl7pPr>
+            <a:lvl8pPr marL="3429000" indent="-228600" algn="l" defTabSz="914400" rtl="0" eaLnBrk="1" latinLnBrk="0" hangingPunct="1">
+              <a:lnSpc>
+                <a:spcPct val="90000"/>
+              </a:lnSpc>
+              <a:spcBef>
+                <a:spcPts val="500"/>
+              </a:spcBef>
+              <a:buFont typeface="Arial" panose="020B0604020202020204" pitchFamily="34" charset="0"/>
+              <a:buChar char="•"/>
+              <a:defRPr sz="1800" kern="1200">
+                <a:solidFill>
+                  <a:schemeClr val="tx1"/>
+                </a:solidFill>
+                <a:latin typeface="+mn-lt"/>
+                <a:ea typeface="+mn-ea"/>
+                <a:cs typeface="+mn-cs"/>
+              </a:defRPr>
+            </a:lvl8pPr>
+            <a:lvl9pPr marL="3886200" indent="-228600" algn="l" defTabSz="914400" rtl="0" eaLnBrk="1" latinLnBrk="0" hangingPunct="1">
+              <a:lnSpc>
+                <a:spcPct val="90000"/>
+              </a:lnSpc>
+              <a:spcBef>
+                <a:spcPts val="500"/>
+              </a:spcBef>
+              <a:buFont typeface="Arial" panose="020B0604020202020204" pitchFamily="34" charset="0"/>
+              <a:buChar char="•"/>
+              <a:defRPr sz="1800" kern="1200">
+                <a:solidFill>
+                  <a:schemeClr val="tx1"/>
+                </a:solidFill>
+                <a:latin typeface="+mn-lt"/>
+                <a:ea typeface="+mn-ea"/>
+                <a:cs typeface="+mn-cs"/>
+              </a:defRPr>
+            </a:lvl9pPr>
+          </a:lstStyle>
+          <a:p>
+            <a:pPr marL="0" indent="0" algn="r">
+              <a:buNone/>
+            </a:pPr>
+            <a:r>
+              <a:rPr lang="en-GB" sz="1600" b="1" dirty="0"/>
+              <a:t>Milestone #1</a:t>
             </a:r>
           </a:p>
         </p:txBody>
       </p:sp>
+      <p:sp>
+        <p:nvSpPr>
+          <p:cNvPr id="26" name="Content Placeholder 2">
+            <a:extLst>
+              <a:ext uri="{FF2B5EF4-FFF2-40B4-BE49-F238E27FC236}">
+                <a16:creationId xmlns:a16="http://schemas.microsoft.com/office/drawing/2014/main" id="{2727A7E2-5907-244F-9EA4-6EB7B1B78FC4}"/>
+              </a:ext>
+            </a:extLst>
+          </p:cNvPr>
+          <p:cNvSpPr txBox="1">
+            <a:spLocks/>
+          </p:cNvSpPr>
+          <p:nvPr/>
+        </p:nvSpPr>
+        <p:spPr>
+          <a:xfrm>
+            <a:off x="6273451" y="4971142"/>
+            <a:ext cx="2600224" cy="360748"/>
+          </a:xfrm>
+          <a:prstGeom prst="rect">
+            <a:avLst/>
+          </a:prstGeom>
+          <a:ln w="38100">
+            <a:solidFill>
+              <a:srgbClr val="FFC000"/>
+            </a:solidFill>
+          </a:ln>
+        </p:spPr>
+        <p:txBody>
+          <a:bodyPr vert="horz" lIns="91440" tIns="45720" rIns="91440" bIns="45720" rtlCol="0" anchor="ctr">
+            <a:normAutofit/>
+          </a:bodyPr>
+          <a:lstStyle>
+            <a:lvl1pPr marL="342900" indent="-342900" algn="l" defTabSz="914400" rtl="0" eaLnBrk="1" latinLnBrk="0" hangingPunct="1">
+              <a:lnSpc>
+                <a:spcPct val="90000"/>
+              </a:lnSpc>
+              <a:spcBef>
+                <a:spcPts val="1000"/>
+              </a:spcBef>
+              <a:buClr>
+                <a:srgbClr val="00B050"/>
+              </a:buClr>
+              <a:buFont typeface="Wingdings" panose="05000000000000000000" pitchFamily="2" charset="2"/>
+              <a:buChar char="Ø"/>
+              <a:defRPr sz="2400" kern="1200">
+                <a:solidFill>
+                  <a:schemeClr val="tx1"/>
+                </a:solidFill>
+                <a:latin typeface="Palatino Linotype" panose="02040502050505030304" pitchFamily="18" charset="0"/>
+                <a:ea typeface="+mn-ea"/>
+                <a:cs typeface="+mn-cs"/>
+              </a:defRPr>
+            </a:lvl1pPr>
+            <a:lvl2pPr marL="685800" indent="-228600" algn="l" defTabSz="914400" rtl="0" eaLnBrk="1" latinLnBrk="0" hangingPunct="1">
+              <a:lnSpc>
+                <a:spcPct val="90000"/>
+              </a:lnSpc>
+              <a:spcBef>
+                <a:spcPts val="500"/>
+              </a:spcBef>
+              <a:buClr>
+                <a:srgbClr val="00B050"/>
+              </a:buClr>
+              <a:buFont typeface="Wingdings" panose="05000000000000000000" pitchFamily="2" charset="2"/>
+              <a:buChar char="§"/>
+              <a:defRPr sz="2000" kern="1200">
+                <a:solidFill>
+                  <a:schemeClr val="tx1"/>
+                </a:solidFill>
+                <a:latin typeface="Palatino Linotype" panose="02040502050505030304" pitchFamily="18" charset="0"/>
+                <a:ea typeface="+mn-ea"/>
+                <a:cs typeface="+mn-cs"/>
+              </a:defRPr>
+            </a:lvl2pPr>
+            <a:lvl3pPr marL="1143000" indent="-228600" algn="l" defTabSz="914400" rtl="0" eaLnBrk="1" latinLnBrk="0" hangingPunct="1">
+              <a:lnSpc>
+                <a:spcPct val="90000"/>
+              </a:lnSpc>
+              <a:spcBef>
+                <a:spcPts val="500"/>
+              </a:spcBef>
+              <a:buClr>
+                <a:srgbClr val="00B050"/>
+              </a:buClr>
+              <a:buFont typeface="Arial" panose="020B0604020202020204" pitchFamily="34" charset="0"/>
+              <a:buChar char="•"/>
+              <a:defRPr sz="1800" kern="1200">
+                <a:solidFill>
+                  <a:schemeClr val="tx1"/>
+                </a:solidFill>
+                <a:latin typeface="Palatino Linotype" panose="02040502050505030304" pitchFamily="18" charset="0"/>
+                <a:ea typeface="+mn-ea"/>
+                <a:cs typeface="+mn-cs"/>
+              </a:defRPr>
+            </a:lvl3pPr>
+            <a:lvl4pPr marL="1600200" indent="-228600" algn="l" defTabSz="914400" rtl="0" eaLnBrk="1" latinLnBrk="0" hangingPunct="1">
+              <a:lnSpc>
+                <a:spcPct val="90000"/>
+              </a:lnSpc>
+              <a:spcBef>
+                <a:spcPts val="500"/>
+              </a:spcBef>
+              <a:buClr>
+                <a:srgbClr val="00B050"/>
+              </a:buClr>
+              <a:buFont typeface="Courier New" panose="02070309020205020404" pitchFamily="49" charset="0"/>
+              <a:buChar char="o"/>
+              <a:defRPr sz="1600" kern="1200">
+                <a:solidFill>
+                  <a:schemeClr val="tx1"/>
+                </a:solidFill>
+                <a:latin typeface="Palatino Linotype" panose="02040502050505030304" pitchFamily="18" charset="0"/>
+                <a:ea typeface="+mn-ea"/>
+                <a:cs typeface="+mn-cs"/>
+              </a:defRPr>
+            </a:lvl4pPr>
+            <a:lvl5pPr marL="2057400" indent="-228600" algn="l" defTabSz="914400" rtl="0" eaLnBrk="1" latinLnBrk="0" hangingPunct="1">
+              <a:lnSpc>
+                <a:spcPct val="90000"/>
+              </a:lnSpc>
+              <a:spcBef>
+                <a:spcPts val="500"/>
+              </a:spcBef>
+              <a:buClr>
+                <a:srgbClr val="00B050"/>
+              </a:buClr>
+              <a:buFont typeface="Times New Roman" panose="02020603050405020304" pitchFamily="18" charset="0"/>
+              <a:buChar char="̶"/>
+              <a:defRPr sz="1600" kern="1200">
+                <a:solidFill>
+                  <a:schemeClr val="tx1"/>
+                </a:solidFill>
+                <a:latin typeface="Palatino Linotype" panose="02040502050505030304" pitchFamily="18" charset="0"/>
+                <a:ea typeface="+mn-ea"/>
+                <a:cs typeface="+mn-cs"/>
+              </a:defRPr>
+            </a:lvl5pPr>
+            <a:lvl6pPr marL="2514600" indent="-228600" algn="l" defTabSz="914400" rtl="0" eaLnBrk="1" latinLnBrk="0" hangingPunct="1">
+              <a:lnSpc>
+                <a:spcPct val="90000"/>
+              </a:lnSpc>
+              <a:spcBef>
+                <a:spcPts val="500"/>
+              </a:spcBef>
+              <a:buFont typeface="Arial" panose="020B0604020202020204" pitchFamily="34" charset="0"/>
+              <a:buChar char="•"/>
+              <a:defRPr sz="1800" kern="1200">
+                <a:solidFill>
+                  <a:schemeClr val="tx1"/>
+                </a:solidFill>
+                <a:latin typeface="+mn-lt"/>
+                <a:ea typeface="+mn-ea"/>
+                <a:cs typeface="+mn-cs"/>
+              </a:defRPr>
+            </a:lvl6pPr>
+            <a:lvl7pPr marL="2971800" indent="-228600" algn="l" defTabSz="914400" rtl="0" eaLnBrk="1" latinLnBrk="0" hangingPunct="1">
+              <a:lnSpc>
+                <a:spcPct val="90000"/>
+              </a:lnSpc>
+              <a:spcBef>
+                <a:spcPts val="500"/>
+              </a:spcBef>
+              <a:buFont typeface="Arial" panose="020B0604020202020204" pitchFamily="34" charset="0"/>
+              <a:buChar char="•"/>
+              <a:defRPr sz="1800" kern="1200">
+                <a:solidFill>
+                  <a:schemeClr val="tx1"/>
+                </a:solidFill>
+                <a:latin typeface="+mn-lt"/>
+                <a:ea typeface="+mn-ea"/>
+                <a:cs typeface="+mn-cs"/>
+              </a:defRPr>
+            </a:lvl7pPr>
+            <a:lvl8pPr marL="3429000" indent="-228600" algn="l" defTabSz="914400" rtl="0" eaLnBrk="1" latinLnBrk="0" hangingPunct="1">
+              <a:lnSpc>
+                <a:spcPct val="90000"/>
+              </a:lnSpc>
+              <a:spcBef>
+                <a:spcPts val="500"/>
+              </a:spcBef>
+              <a:buFont typeface="Arial" panose="020B0604020202020204" pitchFamily="34" charset="0"/>
+              <a:buChar char="•"/>
+              <a:defRPr sz="1800" kern="1200">
+                <a:solidFill>
+                  <a:schemeClr val="tx1"/>
+                </a:solidFill>
+                <a:latin typeface="+mn-lt"/>
+                <a:ea typeface="+mn-ea"/>
+                <a:cs typeface="+mn-cs"/>
+              </a:defRPr>
+            </a:lvl8pPr>
+            <a:lvl9pPr marL="3886200" indent="-228600" algn="l" defTabSz="914400" rtl="0" eaLnBrk="1" latinLnBrk="0" hangingPunct="1">
+              <a:lnSpc>
+                <a:spcPct val="90000"/>
+              </a:lnSpc>
+              <a:spcBef>
+                <a:spcPts val="500"/>
+              </a:spcBef>
+              <a:buFont typeface="Arial" panose="020B0604020202020204" pitchFamily="34" charset="0"/>
+              <a:buChar char="•"/>
+              <a:defRPr sz="1800" kern="1200">
+                <a:solidFill>
+                  <a:schemeClr val="tx1"/>
+                </a:solidFill>
+                <a:latin typeface="+mn-lt"/>
+                <a:ea typeface="+mn-ea"/>
+                <a:cs typeface="+mn-cs"/>
+              </a:defRPr>
+            </a:lvl9pPr>
+          </a:lstStyle>
+          <a:p>
+            <a:pPr marL="0" indent="0" algn="r">
+              <a:buNone/>
+            </a:pPr>
+            <a:r>
+              <a:rPr lang="en-GB" sz="1600" b="1" dirty="0"/>
+              <a:t>Milestone #2</a:t>
+            </a:r>
+          </a:p>
+        </p:txBody>
+      </p:sp>
+      <p:sp>
+        <p:nvSpPr>
+          <p:cNvPr id="27" name="Content Placeholder 2">
+            <a:extLst>
+              <a:ext uri="{FF2B5EF4-FFF2-40B4-BE49-F238E27FC236}">
+                <a16:creationId xmlns:a16="http://schemas.microsoft.com/office/drawing/2014/main" id="{097F527A-6D86-4B4B-8507-E05C41EE2643}"/>
+              </a:ext>
+            </a:extLst>
+          </p:cNvPr>
+          <p:cNvSpPr txBox="1">
+            <a:spLocks/>
+          </p:cNvSpPr>
+          <p:nvPr/>
+        </p:nvSpPr>
+        <p:spPr>
+          <a:xfrm>
+            <a:off x="9304006" y="4971141"/>
+            <a:ext cx="2571736" cy="348343"/>
+          </a:xfrm>
+          <a:prstGeom prst="rect">
+            <a:avLst/>
+          </a:prstGeom>
+          <a:ln w="38100">
+            <a:solidFill>
+              <a:srgbClr val="7030A0"/>
+            </a:solidFill>
+          </a:ln>
+        </p:spPr>
+        <p:txBody>
+          <a:bodyPr vert="horz" lIns="91440" tIns="45720" rIns="91440" bIns="45720" rtlCol="0" anchor="ctr">
+            <a:normAutofit/>
+          </a:bodyPr>
+          <a:lstStyle>
+            <a:lvl1pPr marL="342900" indent="-342900" algn="l" defTabSz="914400" rtl="0" eaLnBrk="1" latinLnBrk="0" hangingPunct="1">
+              <a:lnSpc>
+                <a:spcPct val="90000"/>
+              </a:lnSpc>
+              <a:spcBef>
+                <a:spcPts val="1000"/>
+              </a:spcBef>
+              <a:buClr>
+                <a:srgbClr val="00B050"/>
+              </a:buClr>
+              <a:buFont typeface="Wingdings" panose="05000000000000000000" pitchFamily="2" charset="2"/>
+              <a:buChar char="Ø"/>
+              <a:defRPr sz="2400" kern="1200">
+                <a:solidFill>
+                  <a:schemeClr val="tx1"/>
+                </a:solidFill>
+                <a:latin typeface="Palatino Linotype" panose="02040502050505030304" pitchFamily="18" charset="0"/>
+                <a:ea typeface="+mn-ea"/>
+                <a:cs typeface="+mn-cs"/>
+              </a:defRPr>
+            </a:lvl1pPr>
+            <a:lvl2pPr marL="685800" indent="-228600" algn="l" defTabSz="914400" rtl="0" eaLnBrk="1" latinLnBrk="0" hangingPunct="1">
+              <a:lnSpc>
+                <a:spcPct val="90000"/>
+              </a:lnSpc>
+              <a:spcBef>
+                <a:spcPts val="500"/>
+              </a:spcBef>
+              <a:buClr>
+                <a:srgbClr val="00B050"/>
+              </a:buClr>
+              <a:buFont typeface="Wingdings" panose="05000000000000000000" pitchFamily="2" charset="2"/>
+              <a:buChar char="§"/>
+              <a:defRPr sz="2000" kern="1200">
+                <a:solidFill>
+                  <a:schemeClr val="tx1"/>
+                </a:solidFill>
+                <a:latin typeface="Palatino Linotype" panose="02040502050505030304" pitchFamily="18" charset="0"/>
+                <a:ea typeface="+mn-ea"/>
+                <a:cs typeface="+mn-cs"/>
+              </a:defRPr>
+            </a:lvl2pPr>
+            <a:lvl3pPr marL="1143000" indent="-228600" algn="l" defTabSz="914400" rtl="0" eaLnBrk="1" latinLnBrk="0" hangingPunct="1">
+              <a:lnSpc>
+                <a:spcPct val="90000"/>
+              </a:lnSpc>
+              <a:spcBef>
+                <a:spcPts val="500"/>
+              </a:spcBef>
+              <a:buClr>
+                <a:srgbClr val="00B050"/>
+              </a:buClr>
+              <a:buFont typeface="Arial" panose="020B0604020202020204" pitchFamily="34" charset="0"/>
+              <a:buChar char="•"/>
+              <a:defRPr sz="1800" kern="1200">
+                <a:solidFill>
+                  <a:schemeClr val="tx1"/>
+                </a:solidFill>
+                <a:latin typeface="Palatino Linotype" panose="02040502050505030304" pitchFamily="18" charset="0"/>
+                <a:ea typeface="+mn-ea"/>
+                <a:cs typeface="+mn-cs"/>
+              </a:defRPr>
+            </a:lvl3pPr>
+            <a:lvl4pPr marL="1600200" indent="-228600" algn="l" defTabSz="914400" rtl="0" eaLnBrk="1" latinLnBrk="0" hangingPunct="1">
+              <a:lnSpc>
+                <a:spcPct val="90000"/>
+              </a:lnSpc>
+              <a:spcBef>
+                <a:spcPts val="500"/>
+              </a:spcBef>
+              <a:buClr>
+                <a:srgbClr val="00B050"/>
+              </a:buClr>
+              <a:buFont typeface="Courier New" panose="02070309020205020404" pitchFamily="49" charset="0"/>
+              <a:buChar char="o"/>
+              <a:defRPr sz="1600" kern="1200">
+                <a:solidFill>
+                  <a:schemeClr val="tx1"/>
+                </a:solidFill>
+                <a:latin typeface="Palatino Linotype" panose="02040502050505030304" pitchFamily="18" charset="0"/>
+                <a:ea typeface="+mn-ea"/>
+                <a:cs typeface="+mn-cs"/>
+              </a:defRPr>
+            </a:lvl4pPr>
+            <a:lvl5pPr marL="2057400" indent="-228600" algn="l" defTabSz="914400" rtl="0" eaLnBrk="1" latinLnBrk="0" hangingPunct="1">
+              <a:lnSpc>
+                <a:spcPct val="90000"/>
+              </a:lnSpc>
+              <a:spcBef>
+                <a:spcPts val="500"/>
+              </a:spcBef>
+              <a:buClr>
+                <a:srgbClr val="00B050"/>
+              </a:buClr>
+              <a:buFont typeface="Times New Roman" panose="02020603050405020304" pitchFamily="18" charset="0"/>
+              <a:buChar char="̶"/>
+              <a:defRPr sz="1600" kern="1200">
+                <a:solidFill>
+                  <a:schemeClr val="tx1"/>
+                </a:solidFill>
+                <a:latin typeface="Palatino Linotype" panose="02040502050505030304" pitchFamily="18" charset="0"/>
+                <a:ea typeface="+mn-ea"/>
+                <a:cs typeface="+mn-cs"/>
+              </a:defRPr>
+            </a:lvl5pPr>
+            <a:lvl6pPr marL="2514600" indent="-228600" algn="l" defTabSz="914400" rtl="0" eaLnBrk="1" latinLnBrk="0" hangingPunct="1">
+              <a:lnSpc>
+                <a:spcPct val="90000"/>
+              </a:lnSpc>
+              <a:spcBef>
+                <a:spcPts val="500"/>
+              </a:spcBef>
+              <a:buFont typeface="Arial" panose="020B0604020202020204" pitchFamily="34" charset="0"/>
+              <a:buChar char="•"/>
+              <a:defRPr sz="1800" kern="1200">
+                <a:solidFill>
+                  <a:schemeClr val="tx1"/>
+                </a:solidFill>
+                <a:latin typeface="+mn-lt"/>
+                <a:ea typeface="+mn-ea"/>
+                <a:cs typeface="+mn-cs"/>
+              </a:defRPr>
+            </a:lvl6pPr>
+            <a:lvl7pPr marL="2971800" indent="-228600" algn="l" defTabSz="914400" rtl="0" eaLnBrk="1" latinLnBrk="0" hangingPunct="1">
+              <a:lnSpc>
+                <a:spcPct val="90000"/>
+              </a:lnSpc>
+              <a:spcBef>
+                <a:spcPts val="500"/>
+              </a:spcBef>
+              <a:buFont typeface="Arial" panose="020B0604020202020204" pitchFamily="34" charset="0"/>
+              <a:buChar char="•"/>
+              <a:defRPr sz="1800" kern="1200">
+                <a:solidFill>
+                  <a:schemeClr val="tx1"/>
+                </a:solidFill>
+                <a:latin typeface="+mn-lt"/>
+                <a:ea typeface="+mn-ea"/>
+                <a:cs typeface="+mn-cs"/>
+              </a:defRPr>
+            </a:lvl7pPr>
+            <a:lvl8pPr marL="3429000" indent="-228600" algn="l" defTabSz="914400" rtl="0" eaLnBrk="1" latinLnBrk="0" hangingPunct="1">
+              <a:lnSpc>
+                <a:spcPct val="90000"/>
+              </a:lnSpc>
+              <a:spcBef>
+                <a:spcPts val="500"/>
+              </a:spcBef>
+              <a:buFont typeface="Arial" panose="020B0604020202020204" pitchFamily="34" charset="0"/>
+              <a:buChar char="•"/>
+              <a:defRPr sz="1800" kern="1200">
+                <a:solidFill>
+                  <a:schemeClr val="tx1"/>
+                </a:solidFill>
+                <a:latin typeface="+mn-lt"/>
+                <a:ea typeface="+mn-ea"/>
+                <a:cs typeface="+mn-cs"/>
+              </a:defRPr>
+            </a:lvl8pPr>
+            <a:lvl9pPr marL="3886200" indent="-228600" algn="l" defTabSz="914400" rtl="0" eaLnBrk="1" latinLnBrk="0" hangingPunct="1">
+              <a:lnSpc>
+                <a:spcPct val="90000"/>
+              </a:lnSpc>
+              <a:spcBef>
+                <a:spcPts val="500"/>
+              </a:spcBef>
+              <a:buFont typeface="Arial" panose="020B0604020202020204" pitchFamily="34" charset="0"/>
+              <a:buChar char="•"/>
+              <a:defRPr sz="1800" kern="1200">
+                <a:solidFill>
+                  <a:schemeClr val="tx1"/>
+                </a:solidFill>
+                <a:latin typeface="+mn-lt"/>
+                <a:ea typeface="+mn-ea"/>
+                <a:cs typeface="+mn-cs"/>
+              </a:defRPr>
+            </a:lvl9pPr>
+          </a:lstStyle>
+          <a:p>
+            <a:pPr marL="0" indent="0" algn="r">
+              <a:buNone/>
+            </a:pPr>
+            <a:r>
+              <a:rPr lang="en-GB" sz="1600" b="1" dirty="0"/>
+              <a:t>Milestone #3</a:t>
+            </a:r>
+          </a:p>
+        </p:txBody>
+      </p:sp>
+      <p:sp>
+        <p:nvSpPr>
+          <p:cNvPr id="33" name="Rectangle 32">
+            <a:extLst>
+              <a:ext uri="{FF2B5EF4-FFF2-40B4-BE49-F238E27FC236}">
+                <a16:creationId xmlns:a16="http://schemas.microsoft.com/office/drawing/2014/main" id="{0A0D4DC1-5C18-7F46-8370-E7C962DEF38F}"/>
+              </a:ext>
+            </a:extLst>
+          </p:cNvPr>
+          <p:cNvSpPr/>
+          <p:nvPr/>
+        </p:nvSpPr>
+        <p:spPr>
+          <a:xfrm>
+            <a:off x="428172" y="1209985"/>
+            <a:ext cx="913817" cy="300148"/>
+          </a:xfrm>
+          <a:prstGeom prst="rect">
+            <a:avLst/>
+          </a:prstGeom>
+          <a:ln w="38100">
+            <a:solidFill>
+              <a:schemeClr val="accent1"/>
+            </a:solidFill>
+          </a:ln>
+        </p:spPr>
+        <p:style>
+          <a:lnRef idx="2">
+            <a:schemeClr val="accent6"/>
+          </a:lnRef>
+          <a:fillRef idx="1">
+            <a:schemeClr val="lt1"/>
+          </a:fillRef>
+          <a:effectRef idx="0">
+            <a:schemeClr val="accent6"/>
+          </a:effectRef>
+          <a:fontRef idx="minor">
+            <a:schemeClr val="dk1"/>
+          </a:fontRef>
+        </p:style>
+        <p:txBody>
+          <a:bodyPr rtlCol="0" anchor="ctr"/>
+          <a:lstStyle/>
+          <a:p>
+            <a:pPr algn="ctr"/>
+            <a:r>
+              <a:rPr lang="en-IT" sz="1200" dirty="0">
+                <a:latin typeface="Palatino Linotype" panose="02040502050505030304" pitchFamily="18" charset="0"/>
+              </a:rPr>
+              <a:t>Lesson 1</a:t>
+            </a:r>
+          </a:p>
+        </p:txBody>
+      </p:sp>
+      <p:sp>
+        <p:nvSpPr>
+          <p:cNvPr id="34" name="Rectangle 33">
+            <a:extLst>
+              <a:ext uri="{FF2B5EF4-FFF2-40B4-BE49-F238E27FC236}">
+                <a16:creationId xmlns:a16="http://schemas.microsoft.com/office/drawing/2014/main" id="{42637D9E-30CA-E84B-801A-C532883DD90D}"/>
+              </a:ext>
+            </a:extLst>
+          </p:cNvPr>
+          <p:cNvSpPr/>
+          <p:nvPr/>
+        </p:nvSpPr>
+        <p:spPr>
+          <a:xfrm>
+            <a:off x="428173" y="2455130"/>
+            <a:ext cx="913832" cy="300148"/>
+          </a:xfrm>
+          <a:prstGeom prst="rect">
+            <a:avLst/>
+          </a:prstGeom>
+          <a:ln w="38100">
+            <a:solidFill>
+              <a:schemeClr val="accent1"/>
+            </a:solidFill>
+          </a:ln>
+        </p:spPr>
+        <p:style>
+          <a:lnRef idx="2">
+            <a:schemeClr val="accent6"/>
+          </a:lnRef>
+          <a:fillRef idx="1">
+            <a:schemeClr val="lt1"/>
+          </a:fillRef>
+          <a:effectRef idx="0">
+            <a:schemeClr val="accent6"/>
+          </a:effectRef>
+          <a:fontRef idx="minor">
+            <a:schemeClr val="dk1"/>
+          </a:fontRef>
+        </p:style>
+        <p:txBody>
+          <a:bodyPr rtlCol="0" anchor="ctr"/>
+          <a:lstStyle/>
+          <a:p>
+            <a:pPr algn="ctr"/>
+            <a:r>
+              <a:rPr lang="en-IT" sz="1200" dirty="0">
+                <a:latin typeface="Palatino Linotype" panose="02040502050505030304" pitchFamily="18" charset="0"/>
+              </a:rPr>
+              <a:t>Lesson 2/3</a:t>
+            </a:r>
+          </a:p>
+        </p:txBody>
+      </p:sp>
+      <p:sp>
+        <p:nvSpPr>
+          <p:cNvPr id="35" name="Rectangle 34">
+            <a:extLst>
+              <a:ext uri="{FF2B5EF4-FFF2-40B4-BE49-F238E27FC236}">
+                <a16:creationId xmlns:a16="http://schemas.microsoft.com/office/drawing/2014/main" id="{C6E7C382-226C-FA46-8DB3-6D1900A47C91}"/>
+              </a:ext>
+            </a:extLst>
+          </p:cNvPr>
+          <p:cNvSpPr/>
+          <p:nvPr/>
+        </p:nvSpPr>
+        <p:spPr>
+          <a:xfrm>
+            <a:off x="428173" y="3696156"/>
+            <a:ext cx="877080" cy="300148"/>
+          </a:xfrm>
+          <a:prstGeom prst="rect">
+            <a:avLst/>
+          </a:prstGeom>
+          <a:ln w="38100">
+            <a:solidFill>
+              <a:schemeClr val="accent1"/>
+            </a:solidFill>
+          </a:ln>
+        </p:spPr>
+        <p:style>
+          <a:lnRef idx="2">
+            <a:schemeClr val="accent6"/>
+          </a:lnRef>
+          <a:fillRef idx="1">
+            <a:schemeClr val="lt1"/>
+          </a:fillRef>
+          <a:effectRef idx="0">
+            <a:schemeClr val="accent6"/>
+          </a:effectRef>
+          <a:fontRef idx="minor">
+            <a:schemeClr val="dk1"/>
+          </a:fontRef>
+        </p:style>
+        <p:txBody>
+          <a:bodyPr rtlCol="0" anchor="ctr"/>
+          <a:lstStyle/>
+          <a:p>
+            <a:pPr algn="ctr"/>
+            <a:r>
+              <a:rPr lang="en-IT" sz="1200" dirty="0">
+                <a:latin typeface="Palatino Linotype" panose="02040502050505030304" pitchFamily="18" charset="0"/>
+              </a:rPr>
+              <a:t>Lesson 4</a:t>
+            </a:r>
+          </a:p>
+        </p:txBody>
+      </p:sp>
+      <p:sp>
+        <p:nvSpPr>
+          <p:cNvPr id="36" name="Rectangle 35">
+            <a:extLst>
+              <a:ext uri="{FF2B5EF4-FFF2-40B4-BE49-F238E27FC236}">
+                <a16:creationId xmlns:a16="http://schemas.microsoft.com/office/drawing/2014/main" id="{7EFB24BA-496D-0646-B792-701E8EF31927}"/>
+              </a:ext>
+            </a:extLst>
+          </p:cNvPr>
+          <p:cNvSpPr/>
+          <p:nvPr/>
+        </p:nvSpPr>
+        <p:spPr>
+          <a:xfrm>
+            <a:off x="3264544" y="1207068"/>
+            <a:ext cx="877080" cy="300148"/>
+          </a:xfrm>
+          <a:prstGeom prst="rect">
+            <a:avLst/>
+          </a:prstGeom>
+          <a:solidFill>
+            <a:srgbClr val="FFFF00"/>
+          </a:solidFill>
+          <a:ln w="38100">
+            <a:solidFill>
+              <a:schemeClr val="accent1"/>
+            </a:solidFill>
+          </a:ln>
+        </p:spPr>
+        <p:style>
+          <a:lnRef idx="2">
+            <a:schemeClr val="accent6"/>
+          </a:lnRef>
+          <a:fillRef idx="1">
+            <a:schemeClr val="lt1"/>
+          </a:fillRef>
+          <a:effectRef idx="0">
+            <a:schemeClr val="accent6"/>
+          </a:effectRef>
+          <a:fontRef idx="minor">
+            <a:schemeClr val="dk1"/>
+          </a:fontRef>
+        </p:style>
+        <p:txBody>
+          <a:bodyPr rtlCol="0" anchor="ctr"/>
+          <a:lstStyle/>
+          <a:p>
+            <a:pPr algn="ctr"/>
+            <a:r>
+              <a:rPr lang="en-IT" sz="1200" dirty="0">
+                <a:latin typeface="Palatino Linotype" panose="02040502050505030304" pitchFamily="18" charset="0"/>
+              </a:rPr>
+              <a:t>Lesson 5</a:t>
+            </a:r>
+          </a:p>
+        </p:txBody>
+      </p:sp>
+      <p:sp>
+        <p:nvSpPr>
+          <p:cNvPr id="37" name="Rectangle 36">
+            <a:extLst>
+              <a:ext uri="{FF2B5EF4-FFF2-40B4-BE49-F238E27FC236}">
+                <a16:creationId xmlns:a16="http://schemas.microsoft.com/office/drawing/2014/main" id="{B92D3ECA-27A3-E346-97B6-6DED991CCB03}"/>
+              </a:ext>
+            </a:extLst>
+          </p:cNvPr>
+          <p:cNvSpPr/>
+          <p:nvPr/>
+        </p:nvSpPr>
+        <p:spPr>
+          <a:xfrm>
+            <a:off x="3264544" y="2452279"/>
+            <a:ext cx="877080" cy="300148"/>
+          </a:xfrm>
+          <a:prstGeom prst="rect">
+            <a:avLst/>
+          </a:prstGeom>
+          <a:ln w="38100">
+            <a:solidFill>
+              <a:schemeClr val="accent1"/>
+            </a:solidFill>
+          </a:ln>
+        </p:spPr>
+        <p:style>
+          <a:lnRef idx="2">
+            <a:schemeClr val="accent6"/>
+          </a:lnRef>
+          <a:fillRef idx="1">
+            <a:schemeClr val="lt1"/>
+          </a:fillRef>
+          <a:effectRef idx="0">
+            <a:schemeClr val="accent6"/>
+          </a:effectRef>
+          <a:fontRef idx="minor">
+            <a:schemeClr val="dk1"/>
+          </a:fontRef>
+        </p:style>
+        <p:txBody>
+          <a:bodyPr rtlCol="0" anchor="ctr"/>
+          <a:lstStyle/>
+          <a:p>
+            <a:pPr algn="ctr"/>
+            <a:r>
+              <a:rPr lang="en-IT" sz="1200" dirty="0">
+                <a:latin typeface="Palatino Linotype" panose="02040502050505030304" pitchFamily="18" charset="0"/>
+              </a:rPr>
+              <a:t>Lesson 6</a:t>
+            </a:r>
+          </a:p>
+        </p:txBody>
+      </p:sp>
+      <p:sp>
+        <p:nvSpPr>
+          <p:cNvPr id="38" name="Rectangle 37">
+            <a:extLst>
+              <a:ext uri="{FF2B5EF4-FFF2-40B4-BE49-F238E27FC236}">
+                <a16:creationId xmlns:a16="http://schemas.microsoft.com/office/drawing/2014/main" id="{0F1FD419-5760-AA40-96E5-CCCF7F0EAF09}"/>
+              </a:ext>
+            </a:extLst>
+          </p:cNvPr>
+          <p:cNvSpPr/>
+          <p:nvPr/>
+        </p:nvSpPr>
+        <p:spPr>
+          <a:xfrm>
+            <a:off x="3264544" y="3705012"/>
+            <a:ext cx="877080" cy="300148"/>
+          </a:xfrm>
+          <a:prstGeom prst="rect">
+            <a:avLst/>
+          </a:prstGeom>
+          <a:ln w="38100">
+            <a:solidFill>
+              <a:schemeClr val="accent1"/>
+            </a:solidFill>
+          </a:ln>
+        </p:spPr>
+        <p:style>
+          <a:lnRef idx="2">
+            <a:schemeClr val="accent6"/>
+          </a:lnRef>
+          <a:fillRef idx="1">
+            <a:schemeClr val="lt1"/>
+          </a:fillRef>
+          <a:effectRef idx="0">
+            <a:schemeClr val="accent6"/>
+          </a:effectRef>
+          <a:fontRef idx="minor">
+            <a:schemeClr val="dk1"/>
+          </a:fontRef>
+        </p:style>
+        <p:txBody>
+          <a:bodyPr rtlCol="0" anchor="ctr"/>
+          <a:lstStyle/>
+          <a:p>
+            <a:pPr algn="ctr"/>
+            <a:r>
+              <a:rPr lang="en-IT" sz="1200" dirty="0">
+                <a:latin typeface="Palatino Linotype" panose="02040502050505030304" pitchFamily="18" charset="0"/>
+              </a:rPr>
+              <a:t>Lesson 7</a:t>
+            </a:r>
+          </a:p>
+        </p:txBody>
+      </p:sp>
+      <p:sp>
+        <p:nvSpPr>
+          <p:cNvPr id="39" name="Rectangle 38">
+            <a:extLst>
+              <a:ext uri="{FF2B5EF4-FFF2-40B4-BE49-F238E27FC236}">
+                <a16:creationId xmlns:a16="http://schemas.microsoft.com/office/drawing/2014/main" id="{7EBBB248-D357-7143-AFFA-BE798B402DB1}"/>
+              </a:ext>
+            </a:extLst>
+          </p:cNvPr>
+          <p:cNvSpPr/>
+          <p:nvPr/>
+        </p:nvSpPr>
+        <p:spPr>
+          <a:xfrm>
+            <a:off x="6300635" y="1203104"/>
+            <a:ext cx="877080" cy="300148"/>
+          </a:xfrm>
+          <a:prstGeom prst="rect">
+            <a:avLst/>
+          </a:prstGeom>
+          <a:noFill/>
+          <a:ln w="38100">
+            <a:solidFill>
+              <a:srgbClr val="FFC000"/>
+            </a:solidFill>
+          </a:ln>
+        </p:spPr>
+        <p:style>
+          <a:lnRef idx="2">
+            <a:schemeClr val="accent6"/>
+          </a:lnRef>
+          <a:fillRef idx="1">
+            <a:schemeClr val="lt1"/>
+          </a:fillRef>
+          <a:effectRef idx="0">
+            <a:schemeClr val="accent6"/>
+          </a:effectRef>
+          <a:fontRef idx="minor">
+            <a:schemeClr val="dk1"/>
+          </a:fontRef>
+        </p:style>
+        <p:txBody>
+          <a:bodyPr rtlCol="0" anchor="ctr"/>
+          <a:lstStyle/>
+          <a:p>
+            <a:pPr algn="ctr"/>
+            <a:r>
+              <a:rPr lang="en-IT" sz="1200" dirty="0">
+                <a:latin typeface="Palatino Linotype" panose="02040502050505030304" pitchFamily="18" charset="0"/>
+              </a:rPr>
+              <a:t>Lesson 8</a:t>
+            </a:r>
+          </a:p>
+        </p:txBody>
+      </p:sp>
+      <p:sp>
+        <p:nvSpPr>
+          <p:cNvPr id="41" name="Rectangle 40">
+            <a:extLst>
+              <a:ext uri="{FF2B5EF4-FFF2-40B4-BE49-F238E27FC236}">
+                <a16:creationId xmlns:a16="http://schemas.microsoft.com/office/drawing/2014/main" id="{68E15202-D95C-2547-87CD-CC21A871EF0B}"/>
+              </a:ext>
+            </a:extLst>
+          </p:cNvPr>
+          <p:cNvSpPr/>
+          <p:nvPr/>
+        </p:nvSpPr>
+        <p:spPr>
+          <a:xfrm>
+            <a:off x="6287293" y="2452279"/>
+            <a:ext cx="877080" cy="300148"/>
+          </a:xfrm>
+          <a:prstGeom prst="rect">
+            <a:avLst/>
+          </a:prstGeom>
+          <a:ln w="38100">
+            <a:solidFill>
+              <a:srgbClr val="FFC000"/>
+            </a:solidFill>
+          </a:ln>
+        </p:spPr>
+        <p:style>
+          <a:lnRef idx="2">
+            <a:schemeClr val="accent6"/>
+          </a:lnRef>
+          <a:fillRef idx="1">
+            <a:schemeClr val="lt1"/>
+          </a:fillRef>
+          <a:effectRef idx="0">
+            <a:schemeClr val="accent6"/>
+          </a:effectRef>
+          <a:fontRef idx="minor">
+            <a:schemeClr val="dk1"/>
+          </a:fontRef>
+        </p:style>
+        <p:txBody>
+          <a:bodyPr rtlCol="0" anchor="ctr"/>
+          <a:lstStyle/>
+          <a:p>
+            <a:pPr algn="ctr"/>
+            <a:r>
+              <a:rPr lang="en-IT" sz="1200" dirty="0">
+                <a:latin typeface="Palatino Linotype" panose="02040502050505030304" pitchFamily="18" charset="0"/>
+              </a:rPr>
+              <a:t>Lesson 9</a:t>
+            </a:r>
+          </a:p>
+        </p:txBody>
+      </p:sp>
+      <p:sp>
+        <p:nvSpPr>
+          <p:cNvPr id="43" name="Rectangle 42">
+            <a:extLst>
+              <a:ext uri="{FF2B5EF4-FFF2-40B4-BE49-F238E27FC236}">
+                <a16:creationId xmlns:a16="http://schemas.microsoft.com/office/drawing/2014/main" id="{6B269CCF-AC68-0344-836A-3DAFE5918B0A}"/>
+              </a:ext>
+            </a:extLst>
+          </p:cNvPr>
+          <p:cNvSpPr/>
+          <p:nvPr/>
+        </p:nvSpPr>
+        <p:spPr>
+          <a:xfrm>
+            <a:off x="9303992" y="1187877"/>
+            <a:ext cx="877080" cy="300148"/>
+          </a:xfrm>
+          <a:prstGeom prst="rect">
+            <a:avLst/>
+          </a:prstGeom>
+          <a:ln w="38100">
+            <a:solidFill>
+              <a:srgbClr val="7030A0"/>
+            </a:solidFill>
+          </a:ln>
+        </p:spPr>
+        <p:style>
+          <a:lnRef idx="2">
+            <a:schemeClr val="accent6"/>
+          </a:lnRef>
+          <a:fillRef idx="1">
+            <a:schemeClr val="lt1"/>
+          </a:fillRef>
+          <a:effectRef idx="0">
+            <a:schemeClr val="accent6"/>
+          </a:effectRef>
+          <a:fontRef idx="minor">
+            <a:schemeClr val="dk1"/>
+          </a:fontRef>
+        </p:style>
+        <p:txBody>
+          <a:bodyPr rtlCol="0" anchor="ctr"/>
+          <a:lstStyle/>
+          <a:p>
+            <a:pPr algn="ctr"/>
+            <a:r>
+              <a:rPr lang="en-IT" sz="1200" dirty="0">
+                <a:latin typeface="Palatino Linotype" panose="02040502050505030304" pitchFamily="18" charset="0"/>
+              </a:rPr>
+              <a:t>Lesson 10</a:t>
+            </a:r>
+          </a:p>
+        </p:txBody>
+      </p:sp>
+      <p:sp>
+        <p:nvSpPr>
+          <p:cNvPr id="44" name="Rectangle 43">
+            <a:extLst>
+              <a:ext uri="{FF2B5EF4-FFF2-40B4-BE49-F238E27FC236}">
+                <a16:creationId xmlns:a16="http://schemas.microsoft.com/office/drawing/2014/main" id="{7956A9EB-7793-084B-9B37-521829AD396E}"/>
+              </a:ext>
+            </a:extLst>
+          </p:cNvPr>
+          <p:cNvSpPr/>
+          <p:nvPr/>
+        </p:nvSpPr>
+        <p:spPr>
+          <a:xfrm>
+            <a:off x="9305076" y="2436008"/>
+            <a:ext cx="877080" cy="300148"/>
+          </a:xfrm>
+          <a:prstGeom prst="rect">
+            <a:avLst/>
+          </a:prstGeom>
+          <a:ln w="38100">
+            <a:solidFill>
+              <a:srgbClr val="7030A0"/>
+            </a:solidFill>
+          </a:ln>
+        </p:spPr>
+        <p:style>
+          <a:lnRef idx="2">
+            <a:schemeClr val="accent6"/>
+          </a:lnRef>
+          <a:fillRef idx="1">
+            <a:schemeClr val="lt1"/>
+          </a:fillRef>
+          <a:effectRef idx="0">
+            <a:schemeClr val="accent6"/>
+          </a:effectRef>
+          <a:fontRef idx="minor">
+            <a:schemeClr val="dk1"/>
+          </a:fontRef>
+        </p:style>
+        <p:txBody>
+          <a:bodyPr rtlCol="0" anchor="ctr"/>
+          <a:lstStyle/>
+          <a:p>
+            <a:pPr algn="ctr"/>
+            <a:r>
+              <a:rPr lang="en-IT" sz="1200" dirty="0">
+                <a:latin typeface="Palatino Linotype" panose="02040502050505030304" pitchFamily="18" charset="0"/>
+              </a:rPr>
+              <a:t>Lesson 11</a:t>
+            </a:r>
+          </a:p>
+        </p:txBody>
+      </p:sp>
+      <p:cxnSp>
+        <p:nvCxnSpPr>
+          <p:cNvPr id="45" name="Straight Connector 44">
+            <a:extLst>
+              <a:ext uri="{FF2B5EF4-FFF2-40B4-BE49-F238E27FC236}">
+                <a16:creationId xmlns:a16="http://schemas.microsoft.com/office/drawing/2014/main" id="{486C75B7-9B5F-B74C-BE7F-35C0CDFB1817}"/>
+              </a:ext>
+            </a:extLst>
+          </p:cNvPr>
+          <p:cNvCxnSpPr>
+            <a:cxnSpLocks/>
+          </p:cNvCxnSpPr>
+          <p:nvPr/>
+        </p:nvCxnSpPr>
+        <p:spPr>
+          <a:xfrm>
+            <a:off x="9056914" y="1231320"/>
+            <a:ext cx="0" cy="4102679"/>
+          </a:xfrm>
+          <a:prstGeom prst="line">
+            <a:avLst/>
+          </a:prstGeom>
+          <a:ln w="38100">
+            <a:solidFill>
+              <a:srgbClr val="FFC000"/>
+            </a:solidFill>
+          </a:ln>
+        </p:spPr>
+        <p:style>
+          <a:lnRef idx="1">
+            <a:schemeClr val="accent6"/>
+          </a:lnRef>
+          <a:fillRef idx="0">
+            <a:schemeClr val="accent6"/>
+          </a:fillRef>
+          <a:effectRef idx="0">
+            <a:schemeClr val="accent6"/>
+          </a:effectRef>
+          <a:fontRef idx="minor">
+            <a:schemeClr val="tx1"/>
+          </a:fontRef>
+        </p:style>
+      </p:cxnSp>
+      <p:cxnSp>
+        <p:nvCxnSpPr>
+          <p:cNvPr id="46" name="Straight Connector 45">
+            <a:extLst>
+              <a:ext uri="{FF2B5EF4-FFF2-40B4-BE49-F238E27FC236}">
+                <a16:creationId xmlns:a16="http://schemas.microsoft.com/office/drawing/2014/main" id="{7DF77F43-12C7-A14C-810A-67101A243979}"/>
+              </a:ext>
+            </a:extLst>
+          </p:cNvPr>
+          <p:cNvCxnSpPr>
+            <a:cxnSpLocks/>
+          </p:cNvCxnSpPr>
+          <p:nvPr/>
+        </p:nvCxnSpPr>
+        <p:spPr>
+          <a:xfrm>
+            <a:off x="6052457" y="1231320"/>
+            <a:ext cx="0" cy="4102679"/>
+          </a:xfrm>
+          <a:prstGeom prst="line">
+            <a:avLst/>
+          </a:prstGeom>
+          <a:ln w="38100">
+            <a:solidFill>
+              <a:schemeClr val="accent1"/>
+            </a:solidFill>
+          </a:ln>
+        </p:spPr>
+        <p:style>
+          <a:lnRef idx="1">
+            <a:schemeClr val="accent6"/>
+          </a:lnRef>
+          <a:fillRef idx="0">
+            <a:schemeClr val="accent6"/>
+          </a:fillRef>
+          <a:effectRef idx="0">
+            <a:schemeClr val="accent6"/>
+          </a:effectRef>
+          <a:fontRef idx="minor">
+            <a:schemeClr val="tx1"/>
+          </a:fontRef>
+        </p:style>
+      </p:cxnSp>
+      <p:sp>
+        <p:nvSpPr>
+          <p:cNvPr id="47" name="Rectangle 46">
+            <a:extLst>
+              <a:ext uri="{FF2B5EF4-FFF2-40B4-BE49-F238E27FC236}">
+                <a16:creationId xmlns:a16="http://schemas.microsoft.com/office/drawing/2014/main" id="{298133C5-2A16-344D-B5D1-EC7DFAA4BD42}"/>
+              </a:ext>
+            </a:extLst>
+          </p:cNvPr>
+          <p:cNvSpPr/>
+          <p:nvPr/>
+        </p:nvSpPr>
+        <p:spPr>
+          <a:xfrm>
+            <a:off x="9295165" y="4007242"/>
+            <a:ext cx="2571750" cy="860243"/>
+          </a:xfrm>
+          <a:prstGeom prst="rect">
+            <a:avLst/>
+          </a:prstGeom>
+          <a:ln w="38100">
+            <a:solidFill>
+              <a:srgbClr val="7030A0"/>
+            </a:solidFill>
+          </a:ln>
+        </p:spPr>
+        <p:style>
+          <a:lnRef idx="2">
+            <a:schemeClr val="accent6"/>
+          </a:lnRef>
+          <a:fillRef idx="1">
+            <a:schemeClr val="lt1"/>
+          </a:fillRef>
+          <a:effectRef idx="0">
+            <a:schemeClr val="accent6"/>
+          </a:effectRef>
+          <a:fontRef idx="minor">
+            <a:schemeClr val="dk1"/>
+          </a:fontRef>
+        </p:style>
+        <p:txBody>
+          <a:bodyPr rtlCol="0" anchor="ctr"/>
+          <a:lstStyle/>
+          <a:p>
+            <a:pPr algn="ctr"/>
+            <a:r>
+              <a:rPr lang="en-IT" dirty="0">
+                <a:latin typeface="Palatino Linotype" panose="02040502050505030304" pitchFamily="18" charset="0"/>
+              </a:rPr>
+              <a:t>Advanced stuff</a:t>
+            </a:r>
+          </a:p>
+        </p:txBody>
+      </p:sp>
+      <p:sp>
+        <p:nvSpPr>
+          <p:cNvPr id="48" name="Rectangle 47">
+            <a:extLst>
+              <a:ext uri="{FF2B5EF4-FFF2-40B4-BE49-F238E27FC236}">
+                <a16:creationId xmlns:a16="http://schemas.microsoft.com/office/drawing/2014/main" id="{1BEB5484-6620-3542-B689-4B959C0B7DF8}"/>
+              </a:ext>
+            </a:extLst>
+          </p:cNvPr>
+          <p:cNvSpPr/>
+          <p:nvPr/>
+        </p:nvSpPr>
+        <p:spPr>
+          <a:xfrm>
+            <a:off x="9296249" y="3690823"/>
+            <a:ext cx="877080" cy="300148"/>
+          </a:xfrm>
+          <a:prstGeom prst="rect">
+            <a:avLst/>
+          </a:prstGeom>
+          <a:ln w="38100">
+            <a:solidFill>
+              <a:srgbClr val="7030A0"/>
+            </a:solidFill>
+          </a:ln>
+        </p:spPr>
+        <p:style>
+          <a:lnRef idx="2">
+            <a:schemeClr val="accent6"/>
+          </a:lnRef>
+          <a:fillRef idx="1">
+            <a:schemeClr val="lt1"/>
+          </a:fillRef>
+          <a:effectRef idx="0">
+            <a:schemeClr val="accent6"/>
+          </a:effectRef>
+          <a:fontRef idx="minor">
+            <a:schemeClr val="dk1"/>
+          </a:fontRef>
+        </p:style>
+        <p:txBody>
+          <a:bodyPr rtlCol="0" anchor="ctr"/>
+          <a:lstStyle/>
+          <a:p>
+            <a:pPr algn="ctr"/>
+            <a:r>
+              <a:rPr lang="en-IT" sz="1200" dirty="0">
+                <a:latin typeface="Palatino Linotype" panose="02040502050505030304" pitchFamily="18" charset="0"/>
+              </a:rPr>
+              <a:t>Lesson 12</a:t>
+            </a:r>
+          </a:p>
+        </p:txBody>
+      </p:sp>
+      <p:pic>
+        <p:nvPicPr>
+          <p:cNvPr id="4" name="Graphic 3" descr="Tick with solid fill">
+            <a:extLst>
+              <a:ext uri="{FF2B5EF4-FFF2-40B4-BE49-F238E27FC236}">
+                <a16:creationId xmlns:a16="http://schemas.microsoft.com/office/drawing/2014/main" id="{A2607237-7AC3-924E-A8DE-9B2626683324}"/>
+              </a:ext>
+            </a:extLst>
+          </p:cNvPr>
+          <p:cNvPicPr>
+            <a:picLocks noChangeAspect="1"/>
+          </p:cNvPicPr>
+          <p:nvPr/>
+        </p:nvPicPr>
+        <p:blipFill>
+          <a:blip r:embed="rId3">
+            <a:extLst>
+              <a:ext uri="{28A0092B-C50C-407E-A947-70E740481C1C}">
+                <a14:useLocalDpi xmlns:a14="http://schemas.microsoft.com/office/drawing/2010/main" val="0"/>
+              </a:ext>
+              <a:ext uri="{96DAC541-7B7A-43D3-8B79-37D633B846F1}">
+                <asvg:svgBlip xmlns:asvg="http://schemas.microsoft.com/office/drawing/2016/SVG/main" r:embed="rId4"/>
+              </a:ext>
+            </a:extLst>
+          </a:blip>
+          <a:stretch>
+            <a:fillRect/>
+          </a:stretch>
+        </p:blipFill>
+        <p:spPr>
+          <a:xfrm>
+            <a:off x="2581591" y="1231135"/>
+            <a:ext cx="509952" cy="509952"/>
+          </a:xfrm>
+          <a:prstGeom prst="rect">
+            <a:avLst/>
+          </a:prstGeom>
+        </p:spPr>
+      </p:pic>
+      <p:pic>
+        <p:nvPicPr>
+          <p:cNvPr id="40" name="Graphic 39" descr="Tick with solid fill">
+            <a:extLst>
+              <a:ext uri="{FF2B5EF4-FFF2-40B4-BE49-F238E27FC236}">
+                <a16:creationId xmlns:a16="http://schemas.microsoft.com/office/drawing/2014/main" id="{FC205521-E22C-E34D-BF1C-9189D62312A5}"/>
+              </a:ext>
+            </a:extLst>
+          </p:cNvPr>
+          <p:cNvPicPr>
+            <a:picLocks noChangeAspect="1"/>
+          </p:cNvPicPr>
+          <p:nvPr/>
+        </p:nvPicPr>
+        <p:blipFill>
+          <a:blip r:embed="rId3">
+            <a:extLst>
+              <a:ext uri="{28A0092B-C50C-407E-A947-70E740481C1C}">
+                <a14:useLocalDpi xmlns:a14="http://schemas.microsoft.com/office/drawing/2010/main" val="0"/>
+              </a:ext>
+              <a:ext uri="{96DAC541-7B7A-43D3-8B79-37D633B846F1}">
+                <asvg:svgBlip xmlns:asvg="http://schemas.microsoft.com/office/drawing/2016/SVG/main" r:embed="rId4"/>
+              </a:ext>
+            </a:extLst>
+          </a:blip>
+          <a:stretch>
+            <a:fillRect/>
+          </a:stretch>
+        </p:blipFill>
+        <p:spPr>
+          <a:xfrm>
+            <a:off x="2579234" y="2478542"/>
+            <a:ext cx="509952" cy="509952"/>
+          </a:xfrm>
+          <a:prstGeom prst="rect">
+            <a:avLst/>
+          </a:prstGeom>
+        </p:spPr>
+      </p:pic>
+      <p:pic>
+        <p:nvPicPr>
+          <p:cNvPr id="42" name="Graphic 41" descr="Tick with solid fill">
+            <a:extLst>
+              <a:ext uri="{FF2B5EF4-FFF2-40B4-BE49-F238E27FC236}">
+                <a16:creationId xmlns:a16="http://schemas.microsoft.com/office/drawing/2014/main" id="{4E80BC87-BE4D-004A-8B76-759812E840A8}"/>
+              </a:ext>
+            </a:extLst>
+          </p:cNvPr>
+          <p:cNvPicPr>
+            <a:picLocks noChangeAspect="1"/>
+          </p:cNvPicPr>
+          <p:nvPr/>
+        </p:nvPicPr>
+        <p:blipFill>
+          <a:blip r:embed="rId3">
+            <a:extLst>
+              <a:ext uri="{28A0092B-C50C-407E-A947-70E740481C1C}">
+                <a14:useLocalDpi xmlns:a14="http://schemas.microsoft.com/office/drawing/2010/main" val="0"/>
+              </a:ext>
+              <a:ext uri="{96DAC541-7B7A-43D3-8B79-37D633B846F1}">
+                <asvg:svgBlip xmlns:asvg="http://schemas.microsoft.com/office/drawing/2016/SVG/main" r:embed="rId4"/>
+              </a:ext>
+            </a:extLst>
+          </a:blip>
+          <a:stretch>
+            <a:fillRect/>
+          </a:stretch>
+        </p:blipFill>
+        <p:spPr>
+          <a:xfrm>
+            <a:off x="2579234" y="3715976"/>
+            <a:ext cx="509952" cy="509952"/>
+          </a:xfrm>
+          <a:prstGeom prst="rect">
+            <a:avLst/>
+          </a:prstGeom>
+        </p:spPr>
+      </p:pic>
     </p:spTree>
     <p:extLst>
       <p:ext uri="{BB962C8B-B14F-4D97-AF65-F5344CB8AC3E}">
-        <p14:creationId xmlns:p14="http://schemas.microsoft.com/office/powerpoint/2010/main" val="3177761677"/>
+        <p14:creationId xmlns:p14="http://schemas.microsoft.com/office/powerpoint/2010/main" val="2792479671"/>
       </p:ext>
     </p:extLst>
   </p:cSld>

--- a/lab_05-understanding_ui/lab_05-understanding_ui.pptx
+++ b/lab_05-understanding_ui/lab_05-understanding_ui.pptx
@@ -250,7 +250,7 @@
           <a:p>
             <a:fld id="{81C4B3FE-0320-8142-8396-5C3025C019EC}" type="datetimeFigureOut">
               <a:rPr lang="en-IT" smtClean="0"/>
-              <a:t>22/03/23</a:t>
+              <a:t>2/6/24</a:t>
             </a:fld>
             <a:endParaRPr lang="en-IT"/>
           </a:p>
@@ -4587,7 +4587,7 @@
             </a:pPr>
             <a:r>
               <a:rPr lang="it-IT" sz="2800" dirty="0"/>
-              <a:t>A.Y. 2022-2023</a:t>
+              <a:t>A.Y. 2023-2024</a:t>
             </a:r>
           </a:p>
         </p:txBody>
@@ -19396,42 +19396,6 @@
           </a:p>
         </p:txBody>
       </p:sp>
-      <p:pic>
-        <p:nvPicPr>
-          <p:cNvPr id="5" name="Picture 4" descr="Graphical user interface&#10;&#10;Description automatically generated">
-            <a:extLst>
-              <a:ext uri="{FF2B5EF4-FFF2-40B4-BE49-F238E27FC236}">
-                <a16:creationId xmlns:a16="http://schemas.microsoft.com/office/drawing/2014/main" id="{0512C927-E63A-9F49-911B-ECF7BA4FFA8B}"/>
-              </a:ext>
-            </a:extLst>
-          </p:cNvPr>
-          <p:cNvPicPr>
-            <a:picLocks noChangeAspect="1"/>
-          </p:cNvPicPr>
-          <p:nvPr/>
-        </p:nvPicPr>
-        <p:blipFill>
-          <a:blip r:embed="rId2">
-            <a:extLst>
-              <a:ext uri="{28A0092B-C50C-407E-A947-70E740481C1C}">
-                <a14:useLocalDpi xmlns:a14="http://schemas.microsoft.com/office/drawing/2010/main" val="0"/>
-              </a:ext>
-            </a:extLst>
-          </a:blip>
-          <a:stretch>
-            <a:fillRect/>
-          </a:stretch>
-        </p:blipFill>
-        <p:spPr>
-          <a:xfrm>
-            <a:off x="9329859" y="1130169"/>
-            <a:ext cx="2622177" cy="5674659"/>
-          </a:xfrm>
-          <a:prstGeom prst="rect">
-            <a:avLst/>
-          </a:prstGeom>
-        </p:spPr>
-      </p:pic>
       <p:sp>
         <p:nvSpPr>
           <p:cNvPr id="7" name="Rectangle 6">
@@ -20348,6 +20312,42 @@
           </a:p>
         </p:txBody>
       </p:sp>
+      <p:pic>
+        <p:nvPicPr>
+          <p:cNvPr id="6" name="Picture 5" descr="A screen shot of a phone&#10;&#10;Description automatically generated">
+            <a:extLst>
+              <a:ext uri="{FF2B5EF4-FFF2-40B4-BE49-F238E27FC236}">
+                <a16:creationId xmlns:a16="http://schemas.microsoft.com/office/drawing/2014/main" id="{962C454D-2AC2-3E40-464C-0314B2319E79}"/>
+              </a:ext>
+            </a:extLst>
+          </p:cNvPr>
+          <p:cNvPicPr>
+            <a:picLocks noChangeAspect="1"/>
+          </p:cNvPicPr>
+          <p:nvPr/>
+        </p:nvPicPr>
+        <p:blipFill>
+          <a:blip r:embed="rId2">
+            <a:extLst>
+              <a:ext uri="{28A0092B-C50C-407E-A947-70E740481C1C}">
+                <a14:useLocalDpi xmlns:a14="http://schemas.microsoft.com/office/drawing/2010/main" val="0"/>
+              </a:ext>
+            </a:extLst>
+          </a:blip>
+          <a:stretch>
+            <a:fillRect/>
+          </a:stretch>
+        </p:blipFill>
+        <p:spPr>
+          <a:xfrm>
+            <a:off x="8824927" y="1224642"/>
+            <a:ext cx="2536093" cy="5496833"/>
+          </a:xfrm>
+          <a:prstGeom prst="rect">
+            <a:avLst/>
+          </a:prstGeom>
+        </p:spPr>
+      </p:pic>
     </p:spTree>
     <p:extLst>
       <p:ext uri="{BB962C8B-B14F-4D97-AF65-F5344CB8AC3E}">
@@ -21995,12 +21995,41 @@
           </a:p>
         </p:txBody>
       </p:sp>
+      <p:sp>
+        <p:nvSpPr>
+          <p:cNvPr id="3" name="Slide Number Placeholder 2">
+            <a:extLst>
+              <a:ext uri="{FF2B5EF4-FFF2-40B4-BE49-F238E27FC236}">
+                <a16:creationId xmlns:a16="http://schemas.microsoft.com/office/drawing/2014/main" id="{56A7BBFF-E1DF-FF4C-A98D-BE9F516BF07F}"/>
+              </a:ext>
+            </a:extLst>
+          </p:cNvPr>
+          <p:cNvSpPr>
+            <a:spLocks noGrp="1"/>
+          </p:cNvSpPr>
+          <p:nvPr>
+            <p:ph type="sldNum" sz="quarter" idx="12"/>
+          </p:nvPr>
+        </p:nvSpPr>
+        <p:spPr/>
+        <p:txBody>
+          <a:bodyPr/>
+          <a:lstStyle/>
+          <a:p>
+            <a:fld id="{31DE2C5B-556E-47B8-A792-024C2FCA4ACC}" type="slidenum">
+              <a:rPr lang="en-GB" smtClean="0"/>
+              <a:t>31</a:t>
+            </a:fld>
+            <a:endParaRPr lang="en-GB"/>
+          </a:p>
+        </p:txBody>
+      </p:sp>
       <p:pic>
         <p:nvPicPr>
-          <p:cNvPr id="9" name="Picture 8" descr="A picture containing text&#10;&#10;Description automatically generated">
+          <p:cNvPr id="8" name="Picture 7" descr="A white background with black text&#10;&#10;Description automatically generated">
             <a:extLst>
               <a:ext uri="{FF2B5EF4-FFF2-40B4-BE49-F238E27FC236}">
-                <a16:creationId xmlns:a16="http://schemas.microsoft.com/office/drawing/2014/main" id="{9220FB6C-61D0-C34A-866A-B10B32D10789}"/>
+                <a16:creationId xmlns:a16="http://schemas.microsoft.com/office/drawing/2014/main" id="{AA131723-E7EE-881F-328A-58891A618E94}"/>
               </a:ext>
             </a:extLst>
           </p:cNvPr>
@@ -22023,8 +22052,8 @@
         </p:blipFill>
         <p:spPr>
           <a:xfrm>
-            <a:off x="9287663" y="1118442"/>
-            <a:ext cx="2508823" cy="5429351"/>
+            <a:off x="6413033" y="1118442"/>
+            <a:ext cx="2508823" cy="5437727"/>
           </a:xfrm>
           <a:prstGeom prst="rect">
             <a:avLst/>
@@ -22033,10 +22062,10 @@
       </p:pic>
       <p:pic>
         <p:nvPicPr>
-          <p:cNvPr id="24" name="Picture 23" descr="Chart&#10;&#10;Description automatically generated">
+          <p:cNvPr id="11" name="Picture 10" descr="A white and grey rectangular object&#10;&#10;Description automatically generated">
             <a:extLst>
               <a:ext uri="{FF2B5EF4-FFF2-40B4-BE49-F238E27FC236}">
-                <a16:creationId xmlns:a16="http://schemas.microsoft.com/office/drawing/2014/main" id="{C418B3FB-C124-8F42-9C9A-0F91B6DCBC80}"/>
+                <a16:creationId xmlns:a16="http://schemas.microsoft.com/office/drawing/2014/main" id="{1D2BFFB6-8E4C-3691-9AE1-0E811C38D000}"/>
               </a:ext>
             </a:extLst>
           </p:cNvPr>
@@ -22059,43 +22088,14 @@
         </p:blipFill>
         <p:spPr>
           <a:xfrm>
-            <a:off x="6650921" y="1118441"/>
-            <a:ext cx="2508824" cy="5429351"/>
+            <a:off x="9104759" y="1118442"/>
+            <a:ext cx="2508823" cy="5437728"/>
           </a:xfrm>
           <a:prstGeom prst="rect">
             <a:avLst/>
           </a:prstGeom>
         </p:spPr>
       </p:pic>
-      <p:sp>
-        <p:nvSpPr>
-          <p:cNvPr id="3" name="Slide Number Placeholder 2">
-            <a:extLst>
-              <a:ext uri="{FF2B5EF4-FFF2-40B4-BE49-F238E27FC236}">
-                <a16:creationId xmlns:a16="http://schemas.microsoft.com/office/drawing/2014/main" id="{56A7BBFF-E1DF-FF4C-A98D-BE9F516BF07F}"/>
-              </a:ext>
-            </a:extLst>
-          </p:cNvPr>
-          <p:cNvSpPr>
-            <a:spLocks noGrp="1"/>
-          </p:cNvSpPr>
-          <p:nvPr>
-            <p:ph type="sldNum" sz="quarter" idx="12"/>
-          </p:nvPr>
-        </p:nvSpPr>
-        <p:spPr/>
-        <p:txBody>
-          <a:bodyPr/>
-          <a:lstStyle/>
-          <a:p>
-            <a:fld id="{31DE2C5B-556E-47B8-A792-024C2FCA4ACC}" type="slidenum">
-              <a:rPr lang="en-GB" smtClean="0"/>
-              <a:t>31</a:t>
-            </a:fld>
-            <a:endParaRPr lang="en-GB"/>
-          </a:p>
-        </p:txBody>
-      </p:sp>
     </p:spTree>
     <p:extLst>
       <p:ext uri="{BB962C8B-B14F-4D97-AF65-F5344CB8AC3E}">
@@ -22126,6 +22126,78 @@
           <a:chExt cx="0" cy="0"/>
         </a:xfrm>
       </p:grpSpPr>
+      <p:pic>
+        <p:nvPicPr>
+          <p:cNvPr id="5" name="Picture 4" descr="A white background with black text&#10;&#10;Description automatically generated">
+            <a:extLst>
+              <a:ext uri="{FF2B5EF4-FFF2-40B4-BE49-F238E27FC236}">
+                <a16:creationId xmlns:a16="http://schemas.microsoft.com/office/drawing/2014/main" id="{874DF3DB-0833-C67A-DC58-415BCBDC463A}"/>
+              </a:ext>
+            </a:extLst>
+          </p:cNvPr>
+          <p:cNvPicPr>
+            <a:picLocks noChangeAspect="1"/>
+          </p:cNvPicPr>
+          <p:nvPr/>
+        </p:nvPicPr>
+        <p:blipFill>
+          <a:blip r:embed="rId3">
+            <a:extLst>
+              <a:ext uri="{28A0092B-C50C-407E-A947-70E740481C1C}">
+                <a14:useLocalDpi xmlns:a14="http://schemas.microsoft.com/office/drawing/2010/main" val="0"/>
+              </a:ext>
+            </a:extLst>
+          </a:blip>
+          <a:stretch>
+            <a:fillRect/>
+          </a:stretch>
+        </p:blipFill>
+        <p:spPr>
+          <a:xfrm>
+            <a:off x="6413033" y="1118442"/>
+            <a:ext cx="2508823" cy="5437727"/>
+          </a:xfrm>
+          <a:prstGeom prst="rect">
+            <a:avLst/>
+          </a:prstGeom>
+        </p:spPr>
+      </p:pic>
+      <p:pic>
+        <p:nvPicPr>
+          <p:cNvPr id="6" name="Picture 5" descr="A white and grey rectangular object&#10;&#10;Description automatically generated">
+            <a:extLst>
+              <a:ext uri="{FF2B5EF4-FFF2-40B4-BE49-F238E27FC236}">
+                <a16:creationId xmlns:a16="http://schemas.microsoft.com/office/drawing/2014/main" id="{50D85150-A221-5A5A-A5AD-79B545E8E62F}"/>
+              </a:ext>
+            </a:extLst>
+          </p:cNvPr>
+          <p:cNvPicPr>
+            <a:picLocks noChangeAspect="1"/>
+          </p:cNvPicPr>
+          <p:nvPr/>
+        </p:nvPicPr>
+        <p:blipFill>
+          <a:blip r:embed="rId4">
+            <a:extLst>
+              <a:ext uri="{28A0092B-C50C-407E-A947-70E740481C1C}">
+                <a14:useLocalDpi xmlns:a14="http://schemas.microsoft.com/office/drawing/2010/main" val="0"/>
+              </a:ext>
+            </a:extLst>
+          </a:blip>
+          <a:stretch>
+            <a:fillRect/>
+          </a:stretch>
+        </p:blipFill>
+        <p:spPr>
+          <a:xfrm>
+            <a:off x="9104759" y="1118442"/>
+            <a:ext cx="2508823" cy="5437728"/>
+          </a:xfrm>
+          <a:prstGeom prst="rect">
+            <a:avLst/>
+          </a:prstGeom>
+        </p:spPr>
+      </p:pic>
       <p:sp>
         <p:nvSpPr>
           <p:cNvPr id="2" name="Title 1">
@@ -22867,78 +22939,6 @@
           </a:p>
         </p:txBody>
       </p:sp>
-      <p:pic>
-        <p:nvPicPr>
-          <p:cNvPr id="9" name="Picture 8" descr="A picture containing text&#10;&#10;Description automatically generated">
-            <a:extLst>
-              <a:ext uri="{FF2B5EF4-FFF2-40B4-BE49-F238E27FC236}">
-                <a16:creationId xmlns:a16="http://schemas.microsoft.com/office/drawing/2014/main" id="{9220FB6C-61D0-C34A-866A-B10B32D10789}"/>
-              </a:ext>
-            </a:extLst>
-          </p:cNvPr>
-          <p:cNvPicPr>
-            <a:picLocks noChangeAspect="1"/>
-          </p:cNvPicPr>
-          <p:nvPr/>
-        </p:nvPicPr>
-        <p:blipFill>
-          <a:blip r:embed="rId3">
-            <a:extLst>
-              <a:ext uri="{28A0092B-C50C-407E-A947-70E740481C1C}">
-                <a14:useLocalDpi xmlns:a14="http://schemas.microsoft.com/office/drawing/2010/main" val="0"/>
-              </a:ext>
-            </a:extLst>
-          </a:blip>
-          <a:stretch>
-            <a:fillRect/>
-          </a:stretch>
-        </p:blipFill>
-        <p:spPr>
-          <a:xfrm>
-            <a:off x="9287663" y="1118442"/>
-            <a:ext cx="2508823" cy="5429351"/>
-          </a:xfrm>
-          <a:prstGeom prst="rect">
-            <a:avLst/>
-          </a:prstGeom>
-        </p:spPr>
-      </p:pic>
-      <p:pic>
-        <p:nvPicPr>
-          <p:cNvPr id="12" name="Picture 11" descr="Chart&#10;&#10;Description automatically generated">
-            <a:extLst>
-              <a:ext uri="{FF2B5EF4-FFF2-40B4-BE49-F238E27FC236}">
-                <a16:creationId xmlns:a16="http://schemas.microsoft.com/office/drawing/2014/main" id="{76E5122A-82F6-1440-BDCE-C2939CFD9F28}"/>
-              </a:ext>
-            </a:extLst>
-          </p:cNvPr>
-          <p:cNvPicPr>
-            <a:picLocks noChangeAspect="1"/>
-          </p:cNvPicPr>
-          <p:nvPr/>
-        </p:nvPicPr>
-        <p:blipFill>
-          <a:blip r:embed="rId4">
-            <a:extLst>
-              <a:ext uri="{28A0092B-C50C-407E-A947-70E740481C1C}">
-                <a14:useLocalDpi xmlns:a14="http://schemas.microsoft.com/office/drawing/2010/main" val="0"/>
-              </a:ext>
-            </a:extLst>
-          </a:blip>
-          <a:stretch>
-            <a:fillRect/>
-          </a:stretch>
-        </p:blipFill>
-        <p:spPr>
-          <a:xfrm>
-            <a:off x="6650921" y="1118441"/>
-            <a:ext cx="2508824" cy="5429351"/>
-          </a:xfrm>
-          <a:prstGeom prst="rect">
-            <a:avLst/>
-          </a:prstGeom>
-        </p:spPr>
-      </p:pic>
       <p:sp>
         <p:nvSpPr>
           <p:cNvPr id="13" name="Rectangle 12">
@@ -22953,8 +22953,8 @@
         </p:nvSpPr>
         <p:spPr>
           <a:xfrm>
-            <a:off x="6969210" y="1435326"/>
-            <a:ext cx="2190535" cy="457200"/>
+            <a:off x="6724290" y="1421606"/>
+            <a:ext cx="2289018" cy="457200"/>
           </a:xfrm>
           <a:prstGeom prst="rect">
             <a:avLst/>
@@ -23001,8 +23001,8 @@
         </p:nvCxnSpPr>
         <p:spPr>
           <a:xfrm flipV="1">
-            <a:off x="2681416" y="1746479"/>
-            <a:ext cx="4460789" cy="996721"/>
+            <a:off x="2681416" y="1878806"/>
+            <a:ext cx="3951423" cy="864394"/>
           </a:xfrm>
           <a:prstGeom prst="straightConnector1">
             <a:avLst/>
@@ -23116,42 +23116,6 @@
           </a:p>
         </p:txBody>
       </p:sp>
-      <p:pic>
-        <p:nvPicPr>
-          <p:cNvPr id="9" name="Picture 8" descr="A picture containing text&#10;&#10;Description automatically generated">
-            <a:extLst>
-              <a:ext uri="{FF2B5EF4-FFF2-40B4-BE49-F238E27FC236}">
-                <a16:creationId xmlns:a16="http://schemas.microsoft.com/office/drawing/2014/main" id="{9220FB6C-61D0-C34A-866A-B10B32D10789}"/>
-              </a:ext>
-            </a:extLst>
-          </p:cNvPr>
-          <p:cNvPicPr>
-            <a:picLocks noChangeAspect="1"/>
-          </p:cNvPicPr>
-          <p:nvPr/>
-        </p:nvPicPr>
-        <p:blipFill>
-          <a:blip r:embed="rId3">
-            <a:extLst>
-              <a:ext uri="{28A0092B-C50C-407E-A947-70E740481C1C}">
-                <a14:useLocalDpi xmlns:a14="http://schemas.microsoft.com/office/drawing/2010/main" val="0"/>
-              </a:ext>
-            </a:extLst>
-          </a:blip>
-          <a:stretch>
-            <a:fillRect/>
-          </a:stretch>
-        </p:blipFill>
-        <p:spPr>
-          <a:xfrm>
-            <a:off x="9287663" y="1118442"/>
-            <a:ext cx="2508823" cy="5429351"/>
-          </a:xfrm>
-          <a:prstGeom prst="rect">
-            <a:avLst/>
-          </a:prstGeom>
-        </p:spPr>
-      </p:pic>
       <p:sp>
         <p:nvSpPr>
           <p:cNvPr id="3" name="Rectangle 2">
@@ -23231,19 +23195,27 @@
               <a:rPr lang="en-GB" dirty="0">
                 <a:latin typeface="Courier" pitchFamily="2" charset="0"/>
               </a:rPr>
-              <a:t>    actions: </a:t>
+              <a:t>    actions: [</a:t>
+            </a:r>
+          </a:p>
+          <a:p>
+            <a:r>
+              <a:rPr lang="en-GB" dirty="0">
+                <a:latin typeface="Courier" pitchFamily="2" charset="0"/>
+              </a:rPr>
+              <a:t>      Icon(</a:t>
             </a:r>
             <a:r>
               <a:rPr lang="en-GB" dirty="0" err="1">
                 <a:latin typeface="Courier" pitchFamily="2" charset="0"/>
               </a:rPr>
-              <a:t>const</a:t>
-            </a:r>
-            <a:r>
-              <a:rPr lang="en-GB" dirty="0">
-                <a:latin typeface="Courier" pitchFamily="2" charset="0"/>
-              </a:rPr>
-              <a:t> [</a:t>
+              <a:t>Icons.done</a:t>
+            </a:r>
+            <a:r>
+              <a:rPr lang="en-GB" dirty="0">
+                <a:latin typeface="Courier" pitchFamily="2" charset="0"/>
+              </a:rPr>
+              <a:t>,),</a:t>
             </a:r>
           </a:p>
           <a:p>
@@ -23257,26 +23229,6 @@
               <a:rPr lang="en-GB" dirty="0" err="1">
                 <a:latin typeface="Courier" pitchFamily="2" charset="0"/>
               </a:rPr>
-              <a:t>Icons.done</a:t>
-            </a:r>
-            <a:r>
-              <a:rPr lang="en-GB" dirty="0">
-                <a:latin typeface="Courier" pitchFamily="2" charset="0"/>
-              </a:rPr>
-              <a:t>,),</a:t>
-            </a:r>
-          </a:p>
-          <a:p>
-            <a:r>
-              <a:rPr lang="en-GB" dirty="0">
-                <a:latin typeface="Courier" pitchFamily="2" charset="0"/>
-              </a:rPr>
-              <a:t>      Icon(</a:t>
-            </a:r>
-            <a:r>
-              <a:rPr lang="en-GB" dirty="0" err="1">
-                <a:latin typeface="Courier" pitchFamily="2" charset="0"/>
-              </a:rPr>
               <a:t>Icons.error</a:t>
             </a:r>
             <a:r>
@@ -23299,19 +23251,7 @@
               <a:rPr lang="en-GB" dirty="0">
                 <a:latin typeface="Courier" pitchFamily="2" charset="0"/>
               </a:rPr>
-              <a:t>    title: </a:t>
-            </a:r>
-            <a:r>
-              <a:rPr lang="en-GB" dirty="0" err="1">
-                <a:latin typeface="Courier" pitchFamily="2" charset="0"/>
-              </a:rPr>
-              <a:t>const</a:t>
-            </a:r>
-            <a:r>
-              <a:rPr lang="en-GB" dirty="0">
-                <a:latin typeface="Courier" pitchFamily="2" charset="0"/>
-              </a:rPr>
-              <a:t> Text('The </a:t>
+              <a:t>    title: Text('The </a:t>
             </a:r>
             <a:r>
               <a:rPr lang="en-GB" dirty="0" err="1">
@@ -23345,12 +23285,77 @@
           </a:p>
         </p:txBody>
       </p:sp>
+      <p:sp>
+        <p:nvSpPr>
+          <p:cNvPr id="4" name="Slide Number Placeholder 3">
+            <a:extLst>
+              <a:ext uri="{FF2B5EF4-FFF2-40B4-BE49-F238E27FC236}">
+                <a16:creationId xmlns:a16="http://schemas.microsoft.com/office/drawing/2014/main" id="{298DD69C-546C-5243-B1BF-03AA1A22829B}"/>
+              </a:ext>
+            </a:extLst>
+          </p:cNvPr>
+          <p:cNvSpPr>
+            <a:spLocks noGrp="1"/>
+          </p:cNvSpPr>
+          <p:nvPr>
+            <p:ph type="sldNum" sz="quarter" idx="12"/>
+          </p:nvPr>
+        </p:nvSpPr>
+        <p:spPr/>
+        <p:txBody>
+          <a:bodyPr/>
+          <a:lstStyle/>
+          <a:p>
+            <a:fld id="{31DE2C5B-556E-47B8-A792-024C2FCA4ACC}" type="slidenum">
+              <a:rPr lang="en-GB" smtClean="0"/>
+              <a:t>33</a:t>
+            </a:fld>
+            <a:endParaRPr lang="en-GB"/>
+          </a:p>
+        </p:txBody>
+      </p:sp>
       <p:pic>
         <p:nvPicPr>
-          <p:cNvPr id="8" name="Picture 7" descr="Chart&#10;&#10;Description automatically generated">
+          <p:cNvPr id="5" name="Picture 4" descr="A white background with black text&#10;&#10;Description automatically generated">
             <a:extLst>
               <a:ext uri="{FF2B5EF4-FFF2-40B4-BE49-F238E27FC236}">
-                <a16:creationId xmlns:a16="http://schemas.microsoft.com/office/drawing/2014/main" id="{5DB3F566-12DC-BA4B-9881-6CA17528B105}"/>
+                <a16:creationId xmlns:a16="http://schemas.microsoft.com/office/drawing/2014/main" id="{D24E13AF-06FC-C063-9A5D-7C76A0EBD279}"/>
+              </a:ext>
+            </a:extLst>
+          </p:cNvPr>
+          <p:cNvPicPr>
+            <a:picLocks noChangeAspect="1"/>
+          </p:cNvPicPr>
+          <p:nvPr/>
+        </p:nvPicPr>
+        <p:blipFill>
+          <a:blip r:embed="rId3">
+            <a:extLst>
+              <a:ext uri="{28A0092B-C50C-407E-A947-70E740481C1C}">
+                <a14:useLocalDpi xmlns:a14="http://schemas.microsoft.com/office/drawing/2010/main" val="0"/>
+              </a:ext>
+            </a:extLst>
+          </a:blip>
+          <a:stretch>
+            <a:fillRect/>
+          </a:stretch>
+        </p:blipFill>
+        <p:spPr>
+          <a:xfrm>
+            <a:off x="6413033" y="1118442"/>
+            <a:ext cx="2508823" cy="5437727"/>
+          </a:xfrm>
+          <a:prstGeom prst="rect">
+            <a:avLst/>
+          </a:prstGeom>
+        </p:spPr>
+      </p:pic>
+      <p:pic>
+        <p:nvPicPr>
+          <p:cNvPr id="6" name="Picture 5" descr="A white and grey rectangular object&#10;&#10;Description automatically generated">
+            <a:extLst>
+              <a:ext uri="{FF2B5EF4-FFF2-40B4-BE49-F238E27FC236}">
+                <a16:creationId xmlns:a16="http://schemas.microsoft.com/office/drawing/2014/main" id="{DB89B3B6-3749-2536-F24B-6449CED0A7F8}"/>
               </a:ext>
             </a:extLst>
           </p:cNvPr>
@@ -23373,8 +23378,8 @@
         </p:blipFill>
         <p:spPr>
           <a:xfrm>
-            <a:off x="6406823" y="1118442"/>
-            <a:ext cx="2508824" cy="5429351"/>
+            <a:off x="9104759" y="1118442"/>
+            <a:ext cx="2508823" cy="5437728"/>
           </a:xfrm>
           <a:prstGeom prst="rect">
             <a:avLst/>
@@ -23383,10 +23388,10 @@
       </p:pic>
       <p:sp>
         <p:nvSpPr>
-          <p:cNvPr id="11" name="Rectangle 10">
+          <p:cNvPr id="7" name="Rectangle 6">
             <a:extLst>
               <a:ext uri="{FF2B5EF4-FFF2-40B4-BE49-F238E27FC236}">
-                <a16:creationId xmlns:a16="http://schemas.microsoft.com/office/drawing/2014/main" id="{3074FE6D-6A1C-4C42-8BDF-DAE641A85946}"/>
+                <a16:creationId xmlns:a16="http://schemas.microsoft.com/office/drawing/2014/main" id="{00C7B54F-A59B-B23B-9905-61D8A0FFCA4C}"/>
               </a:ext>
             </a:extLst>
           </p:cNvPr>
@@ -23395,8 +23400,8 @@
         </p:nvSpPr>
         <p:spPr>
           <a:xfrm>
-            <a:off x="6725112" y="1365122"/>
-            <a:ext cx="2190535" cy="457200"/>
+            <a:off x="6724290" y="1421606"/>
+            <a:ext cx="2289018" cy="457200"/>
           </a:xfrm>
           <a:prstGeom prst="rect">
             <a:avLst/>
@@ -23424,35 +23429,6 @@
           <a:p>
             <a:pPr algn="ctr"/>
             <a:endParaRPr lang="en-IT"/>
-          </a:p>
-        </p:txBody>
-      </p:sp>
-      <p:sp>
-        <p:nvSpPr>
-          <p:cNvPr id="4" name="Slide Number Placeholder 3">
-            <a:extLst>
-              <a:ext uri="{FF2B5EF4-FFF2-40B4-BE49-F238E27FC236}">
-                <a16:creationId xmlns:a16="http://schemas.microsoft.com/office/drawing/2014/main" id="{298DD69C-546C-5243-B1BF-03AA1A22829B}"/>
-              </a:ext>
-            </a:extLst>
-          </p:cNvPr>
-          <p:cNvSpPr>
-            <a:spLocks noGrp="1"/>
-          </p:cNvSpPr>
-          <p:nvPr>
-            <p:ph type="sldNum" sz="quarter" idx="12"/>
-          </p:nvPr>
-        </p:nvSpPr>
-        <p:spPr/>
-        <p:txBody>
-          <a:bodyPr/>
-          <a:lstStyle/>
-          <a:p>
-            <a:fld id="{31DE2C5B-556E-47B8-A792-024C2FCA4ACC}" type="slidenum">
-              <a:rPr lang="en-GB" smtClean="0"/>
-              <a:t>33</a:t>
-            </a:fld>
-            <a:endParaRPr lang="en-GB"/>
           </a:p>
         </p:txBody>
       </p:sp>
@@ -23486,6 +23462,78 @@
           <a:chExt cx="0" cy="0"/>
         </a:xfrm>
       </p:grpSpPr>
+      <p:pic>
+        <p:nvPicPr>
+          <p:cNvPr id="5" name="Picture 4" descr="A white background with black text&#10;&#10;Description automatically generated">
+            <a:extLst>
+              <a:ext uri="{FF2B5EF4-FFF2-40B4-BE49-F238E27FC236}">
+                <a16:creationId xmlns:a16="http://schemas.microsoft.com/office/drawing/2014/main" id="{AC18A4C4-8495-EFA8-B0A3-DECD5B039960}"/>
+              </a:ext>
+            </a:extLst>
+          </p:cNvPr>
+          <p:cNvPicPr>
+            <a:picLocks noChangeAspect="1"/>
+          </p:cNvPicPr>
+          <p:nvPr/>
+        </p:nvPicPr>
+        <p:blipFill>
+          <a:blip r:embed="rId3">
+            <a:extLst>
+              <a:ext uri="{28A0092B-C50C-407E-A947-70E740481C1C}">
+                <a14:useLocalDpi xmlns:a14="http://schemas.microsoft.com/office/drawing/2010/main" val="0"/>
+              </a:ext>
+            </a:extLst>
+          </a:blip>
+          <a:stretch>
+            <a:fillRect/>
+          </a:stretch>
+        </p:blipFill>
+        <p:spPr>
+          <a:xfrm>
+            <a:off x="6413033" y="1118442"/>
+            <a:ext cx="2508823" cy="5437727"/>
+          </a:xfrm>
+          <a:prstGeom prst="rect">
+            <a:avLst/>
+          </a:prstGeom>
+        </p:spPr>
+      </p:pic>
+      <p:pic>
+        <p:nvPicPr>
+          <p:cNvPr id="6" name="Picture 5" descr="A white and grey rectangular object&#10;&#10;Description automatically generated">
+            <a:extLst>
+              <a:ext uri="{FF2B5EF4-FFF2-40B4-BE49-F238E27FC236}">
+                <a16:creationId xmlns:a16="http://schemas.microsoft.com/office/drawing/2014/main" id="{8361A059-30CE-E8DC-F518-AC183944A708}"/>
+              </a:ext>
+            </a:extLst>
+          </p:cNvPr>
+          <p:cNvPicPr>
+            <a:picLocks noChangeAspect="1"/>
+          </p:cNvPicPr>
+          <p:nvPr/>
+        </p:nvPicPr>
+        <p:blipFill>
+          <a:blip r:embed="rId4">
+            <a:extLst>
+              <a:ext uri="{28A0092B-C50C-407E-A947-70E740481C1C}">
+                <a14:useLocalDpi xmlns:a14="http://schemas.microsoft.com/office/drawing/2010/main" val="0"/>
+              </a:ext>
+            </a:extLst>
+          </a:blip>
+          <a:stretch>
+            <a:fillRect/>
+          </a:stretch>
+        </p:blipFill>
+        <p:spPr>
+          <a:xfrm>
+            <a:off x="9104759" y="1118442"/>
+            <a:ext cx="2508823" cy="5437728"/>
+          </a:xfrm>
+          <a:prstGeom prst="rect">
+            <a:avLst/>
+          </a:prstGeom>
+        </p:spPr>
+      </p:pic>
       <p:sp>
         <p:nvSpPr>
           <p:cNvPr id="2" name="Title 1">
@@ -24227,78 +24275,6 @@
           </a:p>
         </p:txBody>
       </p:sp>
-      <p:pic>
-        <p:nvPicPr>
-          <p:cNvPr id="9" name="Picture 8" descr="A picture containing text&#10;&#10;Description automatically generated">
-            <a:extLst>
-              <a:ext uri="{FF2B5EF4-FFF2-40B4-BE49-F238E27FC236}">
-                <a16:creationId xmlns:a16="http://schemas.microsoft.com/office/drawing/2014/main" id="{9220FB6C-61D0-C34A-866A-B10B32D10789}"/>
-              </a:ext>
-            </a:extLst>
-          </p:cNvPr>
-          <p:cNvPicPr>
-            <a:picLocks noChangeAspect="1"/>
-          </p:cNvPicPr>
-          <p:nvPr/>
-        </p:nvPicPr>
-        <p:blipFill>
-          <a:blip r:embed="rId3">
-            <a:extLst>
-              <a:ext uri="{28A0092B-C50C-407E-A947-70E740481C1C}">
-                <a14:useLocalDpi xmlns:a14="http://schemas.microsoft.com/office/drawing/2010/main" val="0"/>
-              </a:ext>
-            </a:extLst>
-          </a:blip>
-          <a:stretch>
-            <a:fillRect/>
-          </a:stretch>
-        </p:blipFill>
-        <p:spPr>
-          <a:xfrm>
-            <a:off x="9287663" y="1118442"/>
-            <a:ext cx="2508823" cy="5429351"/>
-          </a:xfrm>
-          <a:prstGeom prst="rect">
-            <a:avLst/>
-          </a:prstGeom>
-        </p:spPr>
-      </p:pic>
-      <p:pic>
-        <p:nvPicPr>
-          <p:cNvPr id="13" name="Picture 12" descr="Chart&#10;&#10;Description automatically generated">
-            <a:extLst>
-              <a:ext uri="{FF2B5EF4-FFF2-40B4-BE49-F238E27FC236}">
-                <a16:creationId xmlns:a16="http://schemas.microsoft.com/office/drawing/2014/main" id="{83619BA0-B74F-0942-9EB7-993B35BA9C8F}"/>
-              </a:ext>
-            </a:extLst>
-          </p:cNvPr>
-          <p:cNvPicPr>
-            <a:picLocks noChangeAspect="1"/>
-          </p:cNvPicPr>
-          <p:nvPr/>
-        </p:nvPicPr>
-        <p:blipFill>
-          <a:blip r:embed="rId4">
-            <a:extLst>
-              <a:ext uri="{28A0092B-C50C-407E-A947-70E740481C1C}">
-                <a14:useLocalDpi xmlns:a14="http://schemas.microsoft.com/office/drawing/2010/main" val="0"/>
-              </a:ext>
-            </a:extLst>
-          </a:blip>
-          <a:stretch>
-            <a:fillRect/>
-          </a:stretch>
-        </p:blipFill>
-        <p:spPr>
-          <a:xfrm>
-            <a:off x="6406823" y="1118442"/>
-            <a:ext cx="2508824" cy="5429351"/>
-          </a:xfrm>
-          <a:prstGeom prst="rect">
-            <a:avLst/>
-          </a:prstGeom>
-        </p:spPr>
-      </p:pic>
       <p:cxnSp>
         <p:nvCxnSpPr>
           <p:cNvPr id="15" name="Straight Arrow Connector 14">
@@ -24492,40 +24468,12 @@
           <a:chExt cx="0" cy="0"/>
         </a:xfrm>
       </p:grpSpPr>
-      <p:sp>
-        <p:nvSpPr>
-          <p:cNvPr id="2" name="Title 1">
-            <a:extLst>
-              <a:ext uri="{FF2B5EF4-FFF2-40B4-BE49-F238E27FC236}">
-                <a16:creationId xmlns:a16="http://schemas.microsoft.com/office/drawing/2014/main" id="{122C1E14-0610-FB4E-BCD3-3BA8CADF9D02}"/>
-              </a:ext>
-            </a:extLst>
-          </p:cNvPr>
-          <p:cNvSpPr>
-            <a:spLocks noGrp="1"/>
-          </p:cNvSpPr>
-          <p:nvPr>
-            <p:ph type="title"/>
-          </p:nvPr>
-        </p:nvSpPr>
-        <p:spPr/>
-        <p:txBody>
-          <a:bodyPr/>
-          <a:lstStyle/>
-          <a:p>
-            <a:r>
-              <a:rPr lang="en-IT" dirty="0"/>
-              <a:t>Focus on the Scaffold</a:t>
-            </a:r>
-          </a:p>
-        </p:txBody>
-      </p:sp>
       <p:pic>
         <p:nvPicPr>
-          <p:cNvPr id="9" name="Picture 8" descr="A picture containing text&#10;&#10;Description automatically generated">
+          <p:cNvPr id="5" name="Picture 4" descr="A white background with black text&#10;&#10;Description automatically generated">
             <a:extLst>
               <a:ext uri="{FF2B5EF4-FFF2-40B4-BE49-F238E27FC236}">
-                <a16:creationId xmlns:a16="http://schemas.microsoft.com/office/drawing/2014/main" id="{9220FB6C-61D0-C34A-866A-B10B32D10789}"/>
+                <a16:creationId xmlns:a16="http://schemas.microsoft.com/office/drawing/2014/main" id="{6CDE04DB-9FD7-2116-C4D5-3ED1C5D2287F}"/>
               </a:ext>
             </a:extLst>
           </p:cNvPr>
@@ -24548,14 +24496,78 @@
         </p:blipFill>
         <p:spPr>
           <a:xfrm>
-            <a:off x="9287663" y="1118442"/>
-            <a:ext cx="2508823" cy="5429351"/>
+            <a:off x="6413033" y="1118442"/>
+            <a:ext cx="2508823" cy="5437727"/>
           </a:xfrm>
           <a:prstGeom prst="rect">
             <a:avLst/>
           </a:prstGeom>
         </p:spPr>
       </p:pic>
+      <p:pic>
+        <p:nvPicPr>
+          <p:cNvPr id="6" name="Picture 5" descr="A white and grey rectangular object&#10;&#10;Description automatically generated">
+            <a:extLst>
+              <a:ext uri="{FF2B5EF4-FFF2-40B4-BE49-F238E27FC236}">
+                <a16:creationId xmlns:a16="http://schemas.microsoft.com/office/drawing/2014/main" id="{A9623EE3-C8A7-9C38-397B-D8257BE2DEEB}"/>
+              </a:ext>
+            </a:extLst>
+          </p:cNvPr>
+          <p:cNvPicPr>
+            <a:picLocks noChangeAspect="1"/>
+          </p:cNvPicPr>
+          <p:nvPr/>
+        </p:nvPicPr>
+        <p:blipFill>
+          <a:blip r:embed="rId4">
+            <a:extLst>
+              <a:ext uri="{28A0092B-C50C-407E-A947-70E740481C1C}">
+                <a14:useLocalDpi xmlns:a14="http://schemas.microsoft.com/office/drawing/2010/main" val="0"/>
+              </a:ext>
+            </a:extLst>
+          </a:blip>
+          <a:stretch>
+            <a:fillRect/>
+          </a:stretch>
+        </p:blipFill>
+        <p:spPr>
+          <a:xfrm>
+            <a:off x="9104759" y="1118442"/>
+            <a:ext cx="2508823" cy="5437728"/>
+          </a:xfrm>
+          <a:prstGeom prst="rect">
+            <a:avLst/>
+          </a:prstGeom>
+        </p:spPr>
+      </p:pic>
+      <p:sp>
+        <p:nvSpPr>
+          <p:cNvPr id="2" name="Title 1">
+            <a:extLst>
+              <a:ext uri="{FF2B5EF4-FFF2-40B4-BE49-F238E27FC236}">
+                <a16:creationId xmlns:a16="http://schemas.microsoft.com/office/drawing/2014/main" id="{122C1E14-0610-FB4E-BCD3-3BA8CADF9D02}"/>
+              </a:ext>
+            </a:extLst>
+          </p:cNvPr>
+          <p:cNvSpPr>
+            <a:spLocks noGrp="1"/>
+          </p:cNvSpPr>
+          <p:nvPr>
+            <p:ph type="title"/>
+          </p:nvPr>
+        </p:nvSpPr>
+        <p:spPr/>
+        <p:txBody>
+          <a:bodyPr/>
+          <a:lstStyle/>
+          <a:p>
+            <a:r>
+              <a:rPr lang="en-IT" dirty="0"/>
+              <a:t>Focus on the Scaffold</a:t>
+            </a:r>
+          </a:p>
+        </p:txBody>
+      </p:sp>
       <p:sp>
         <p:nvSpPr>
           <p:cNvPr id="3" name="Rectangle 2">
@@ -24659,19 +24671,7 @@
               <a:rPr lang="en-GB" dirty="0">
                 <a:latin typeface="Courier" pitchFamily="2" charset="0"/>
               </a:rPr>
-              <a:t>      children: </a:t>
-            </a:r>
-            <a:r>
-              <a:rPr lang="en-GB" dirty="0" err="1">
-                <a:latin typeface="Courier" pitchFamily="2" charset="0"/>
-              </a:rPr>
-              <a:t>const</a:t>
-            </a:r>
-            <a:r>
-              <a:rPr lang="en-GB" dirty="0">
-                <a:latin typeface="Courier" pitchFamily="2" charset="0"/>
-              </a:rPr>
-              <a:t> [</a:t>
+              <a:t>      children: [</a:t>
             </a:r>
           </a:p>
           <a:p>
@@ -24725,42 +24725,6 @@
           </a:p>
         </p:txBody>
       </p:sp>
-      <p:pic>
-        <p:nvPicPr>
-          <p:cNvPr id="8" name="Picture 7" descr="Chart&#10;&#10;Description automatically generated">
-            <a:extLst>
-              <a:ext uri="{FF2B5EF4-FFF2-40B4-BE49-F238E27FC236}">
-                <a16:creationId xmlns:a16="http://schemas.microsoft.com/office/drawing/2014/main" id="{5DB3F566-12DC-BA4B-9881-6CA17528B105}"/>
-              </a:ext>
-            </a:extLst>
-          </p:cNvPr>
-          <p:cNvPicPr>
-            <a:picLocks noChangeAspect="1"/>
-          </p:cNvPicPr>
-          <p:nvPr/>
-        </p:nvPicPr>
-        <p:blipFill>
-          <a:blip r:embed="rId4">
-            <a:extLst>
-              <a:ext uri="{28A0092B-C50C-407E-A947-70E740481C1C}">
-                <a14:useLocalDpi xmlns:a14="http://schemas.microsoft.com/office/drawing/2010/main" val="0"/>
-              </a:ext>
-            </a:extLst>
-          </a:blip>
-          <a:stretch>
-            <a:fillRect/>
-          </a:stretch>
-        </p:blipFill>
-        <p:spPr>
-          <a:xfrm>
-            <a:off x="6406823" y="1118442"/>
-            <a:ext cx="2508824" cy="5429351"/>
-          </a:xfrm>
-          <a:prstGeom prst="rect">
-            <a:avLst/>
-          </a:prstGeom>
-        </p:spPr>
-      </p:pic>
       <p:sp>
         <p:nvSpPr>
           <p:cNvPr id="7" name="Rectangle 6">
@@ -24866,6 +24830,78 @@
           <a:chExt cx="0" cy="0"/>
         </a:xfrm>
       </p:grpSpPr>
+      <p:pic>
+        <p:nvPicPr>
+          <p:cNvPr id="5" name="Picture 4" descr="A white background with black text&#10;&#10;Description automatically generated">
+            <a:extLst>
+              <a:ext uri="{FF2B5EF4-FFF2-40B4-BE49-F238E27FC236}">
+                <a16:creationId xmlns:a16="http://schemas.microsoft.com/office/drawing/2014/main" id="{53E9DD9D-8373-C3B2-A068-87F349703CEE}"/>
+              </a:ext>
+            </a:extLst>
+          </p:cNvPr>
+          <p:cNvPicPr>
+            <a:picLocks noChangeAspect="1"/>
+          </p:cNvPicPr>
+          <p:nvPr/>
+        </p:nvPicPr>
+        <p:blipFill>
+          <a:blip r:embed="rId3">
+            <a:extLst>
+              <a:ext uri="{28A0092B-C50C-407E-A947-70E740481C1C}">
+                <a14:useLocalDpi xmlns:a14="http://schemas.microsoft.com/office/drawing/2010/main" val="0"/>
+              </a:ext>
+            </a:extLst>
+          </a:blip>
+          <a:stretch>
+            <a:fillRect/>
+          </a:stretch>
+        </p:blipFill>
+        <p:spPr>
+          <a:xfrm>
+            <a:off x="6413033" y="1118442"/>
+            <a:ext cx="2508823" cy="5437727"/>
+          </a:xfrm>
+          <a:prstGeom prst="rect">
+            <a:avLst/>
+          </a:prstGeom>
+        </p:spPr>
+      </p:pic>
+      <p:pic>
+        <p:nvPicPr>
+          <p:cNvPr id="6" name="Picture 5" descr="A white and grey rectangular object&#10;&#10;Description automatically generated">
+            <a:extLst>
+              <a:ext uri="{FF2B5EF4-FFF2-40B4-BE49-F238E27FC236}">
+                <a16:creationId xmlns:a16="http://schemas.microsoft.com/office/drawing/2014/main" id="{2CA31F3E-4581-8171-397F-BE9F9F36AC1F}"/>
+              </a:ext>
+            </a:extLst>
+          </p:cNvPr>
+          <p:cNvPicPr>
+            <a:picLocks noChangeAspect="1"/>
+          </p:cNvPicPr>
+          <p:nvPr/>
+        </p:nvPicPr>
+        <p:blipFill>
+          <a:blip r:embed="rId4">
+            <a:extLst>
+              <a:ext uri="{28A0092B-C50C-407E-A947-70E740481C1C}">
+                <a14:useLocalDpi xmlns:a14="http://schemas.microsoft.com/office/drawing/2010/main" val="0"/>
+              </a:ext>
+            </a:extLst>
+          </a:blip>
+          <a:stretch>
+            <a:fillRect/>
+          </a:stretch>
+        </p:blipFill>
+        <p:spPr>
+          <a:xfrm>
+            <a:off x="9104759" y="1118442"/>
+            <a:ext cx="2508823" cy="5437728"/>
+          </a:xfrm>
+          <a:prstGeom prst="rect">
+            <a:avLst/>
+          </a:prstGeom>
+        </p:spPr>
+      </p:pic>
       <p:sp>
         <p:nvSpPr>
           <p:cNvPr id="2" name="Title 1">
@@ -25607,78 +25643,6 @@
           </a:p>
         </p:txBody>
       </p:sp>
-      <p:pic>
-        <p:nvPicPr>
-          <p:cNvPr id="9" name="Picture 8" descr="A picture containing text&#10;&#10;Description automatically generated">
-            <a:extLst>
-              <a:ext uri="{FF2B5EF4-FFF2-40B4-BE49-F238E27FC236}">
-                <a16:creationId xmlns:a16="http://schemas.microsoft.com/office/drawing/2014/main" id="{9220FB6C-61D0-C34A-866A-B10B32D10789}"/>
-              </a:ext>
-            </a:extLst>
-          </p:cNvPr>
-          <p:cNvPicPr>
-            <a:picLocks noChangeAspect="1"/>
-          </p:cNvPicPr>
-          <p:nvPr/>
-        </p:nvPicPr>
-        <p:blipFill>
-          <a:blip r:embed="rId3">
-            <a:extLst>
-              <a:ext uri="{28A0092B-C50C-407E-A947-70E740481C1C}">
-                <a14:useLocalDpi xmlns:a14="http://schemas.microsoft.com/office/drawing/2010/main" val="0"/>
-              </a:ext>
-            </a:extLst>
-          </a:blip>
-          <a:stretch>
-            <a:fillRect/>
-          </a:stretch>
-        </p:blipFill>
-        <p:spPr>
-          <a:xfrm>
-            <a:off x="9287663" y="1118442"/>
-            <a:ext cx="2508823" cy="5429351"/>
-          </a:xfrm>
-          <a:prstGeom prst="rect">
-            <a:avLst/>
-          </a:prstGeom>
-        </p:spPr>
-      </p:pic>
-      <p:pic>
-        <p:nvPicPr>
-          <p:cNvPr id="13" name="Picture 12" descr="Chart&#10;&#10;Description automatically generated">
-            <a:extLst>
-              <a:ext uri="{FF2B5EF4-FFF2-40B4-BE49-F238E27FC236}">
-                <a16:creationId xmlns:a16="http://schemas.microsoft.com/office/drawing/2014/main" id="{83619BA0-B74F-0942-9EB7-993B35BA9C8F}"/>
-              </a:ext>
-            </a:extLst>
-          </p:cNvPr>
-          <p:cNvPicPr>
-            <a:picLocks noChangeAspect="1"/>
-          </p:cNvPicPr>
-          <p:nvPr/>
-        </p:nvPicPr>
-        <p:blipFill>
-          <a:blip r:embed="rId4">
-            <a:extLst>
-              <a:ext uri="{28A0092B-C50C-407E-A947-70E740481C1C}">
-                <a14:useLocalDpi xmlns:a14="http://schemas.microsoft.com/office/drawing/2010/main" val="0"/>
-              </a:ext>
-            </a:extLst>
-          </a:blip>
-          <a:stretch>
-            <a:fillRect/>
-          </a:stretch>
-        </p:blipFill>
-        <p:spPr>
-          <a:xfrm>
-            <a:off x="6406823" y="1118442"/>
-            <a:ext cx="2508824" cy="5429351"/>
-          </a:xfrm>
-          <a:prstGeom prst="rect">
-            <a:avLst/>
-          </a:prstGeom>
-        </p:spPr>
-      </p:pic>
       <p:sp>
         <p:nvSpPr>
           <p:cNvPr id="14" name="Rectangle 13">
@@ -25828,40 +25792,12 @@
           <a:chExt cx="0" cy="0"/>
         </a:xfrm>
       </p:grpSpPr>
-      <p:sp>
-        <p:nvSpPr>
-          <p:cNvPr id="2" name="Title 1">
-            <a:extLst>
-              <a:ext uri="{FF2B5EF4-FFF2-40B4-BE49-F238E27FC236}">
-                <a16:creationId xmlns:a16="http://schemas.microsoft.com/office/drawing/2014/main" id="{122C1E14-0610-FB4E-BCD3-3BA8CADF9D02}"/>
-              </a:ext>
-            </a:extLst>
-          </p:cNvPr>
-          <p:cNvSpPr>
-            <a:spLocks noGrp="1"/>
-          </p:cNvSpPr>
-          <p:nvPr>
-            <p:ph type="title"/>
-          </p:nvPr>
-        </p:nvSpPr>
-        <p:spPr/>
-        <p:txBody>
-          <a:bodyPr/>
-          <a:lstStyle/>
-          <a:p>
-            <a:r>
-              <a:rPr lang="en-IT" dirty="0"/>
-              <a:t>Focus on the Scaffold</a:t>
-            </a:r>
-          </a:p>
-        </p:txBody>
-      </p:sp>
       <p:pic>
         <p:nvPicPr>
-          <p:cNvPr id="9" name="Picture 8" descr="A picture containing text&#10;&#10;Description automatically generated">
+          <p:cNvPr id="4" name="Picture 3" descr="A white background with black text&#10;&#10;Description automatically generated">
             <a:extLst>
               <a:ext uri="{FF2B5EF4-FFF2-40B4-BE49-F238E27FC236}">
-                <a16:creationId xmlns:a16="http://schemas.microsoft.com/office/drawing/2014/main" id="{9220FB6C-61D0-C34A-866A-B10B32D10789}"/>
+                <a16:creationId xmlns:a16="http://schemas.microsoft.com/office/drawing/2014/main" id="{E6A6DB3A-D9CE-AB2C-C1CC-4CA44BDA0750}"/>
               </a:ext>
             </a:extLst>
           </p:cNvPr>
@@ -25884,8 +25820,8 @@
         </p:blipFill>
         <p:spPr>
           <a:xfrm>
-            <a:off x="9287663" y="1118442"/>
-            <a:ext cx="2508823" cy="5429351"/>
+            <a:off x="6413033" y="1118442"/>
+            <a:ext cx="2508823" cy="5437727"/>
           </a:xfrm>
           <a:prstGeom prst="rect">
             <a:avLst/>
@@ -25894,10 +25830,10 @@
       </p:pic>
       <p:pic>
         <p:nvPicPr>
-          <p:cNvPr id="13" name="Picture 12" descr="Chart&#10;&#10;Description automatically generated">
+          <p:cNvPr id="5" name="Picture 4" descr="A white and grey rectangular object&#10;&#10;Description automatically generated">
             <a:extLst>
               <a:ext uri="{FF2B5EF4-FFF2-40B4-BE49-F238E27FC236}">
-                <a16:creationId xmlns:a16="http://schemas.microsoft.com/office/drawing/2014/main" id="{83619BA0-B74F-0942-9EB7-993B35BA9C8F}"/>
+                <a16:creationId xmlns:a16="http://schemas.microsoft.com/office/drawing/2014/main" id="{831972C0-3C05-2074-2961-26DC095204A4}"/>
               </a:ext>
             </a:extLst>
           </p:cNvPr>
@@ -25920,14 +25856,42 @@
         </p:blipFill>
         <p:spPr>
           <a:xfrm>
-            <a:off x="6406823" y="1118442"/>
-            <a:ext cx="2508824" cy="5429351"/>
+            <a:off x="9104759" y="1118442"/>
+            <a:ext cx="2508823" cy="5437728"/>
           </a:xfrm>
           <a:prstGeom prst="rect">
             <a:avLst/>
           </a:prstGeom>
         </p:spPr>
       </p:pic>
+      <p:sp>
+        <p:nvSpPr>
+          <p:cNvPr id="2" name="Title 1">
+            <a:extLst>
+              <a:ext uri="{FF2B5EF4-FFF2-40B4-BE49-F238E27FC236}">
+                <a16:creationId xmlns:a16="http://schemas.microsoft.com/office/drawing/2014/main" id="{122C1E14-0610-FB4E-BCD3-3BA8CADF9D02}"/>
+              </a:ext>
+            </a:extLst>
+          </p:cNvPr>
+          <p:cNvSpPr>
+            <a:spLocks noGrp="1"/>
+          </p:cNvSpPr>
+          <p:nvPr>
+            <p:ph type="title"/>
+          </p:nvPr>
+        </p:nvSpPr>
+        <p:spPr/>
+        <p:txBody>
+          <a:bodyPr/>
+          <a:lstStyle/>
+          <a:p>
+            <a:r>
+              <a:rPr lang="en-IT" dirty="0"/>
+              <a:t>Focus on the Scaffold</a:t>
+            </a:r>
+          </a:p>
+        </p:txBody>
+      </p:sp>
       <p:sp>
         <p:nvSpPr>
           <p:cNvPr id="14" name="Rectangle 13">
@@ -26030,18 +25994,6 @@
                 <a:latin typeface="Courier" pitchFamily="2" charset="0"/>
               </a:rPr>
               <a:t>  body: </a:t>
-            </a:r>
-            <a:r>
-              <a:rPr lang="en-GB" dirty="0" err="1">
-                <a:latin typeface="Courier" pitchFamily="2" charset="0"/>
-              </a:rPr>
-              <a:t>const</a:t>
-            </a:r>
-            <a:r>
-              <a:rPr lang="en-GB" dirty="0">
-                <a:latin typeface="Courier" pitchFamily="2" charset="0"/>
-              </a:rPr>
-              <a:t> </a:t>
             </a:r>
             <a:r>
               <a:rPr lang="en-GB" dirty="0" err="1">
@@ -26142,6 +26094,78 @@
           <a:chExt cx="0" cy="0"/>
         </a:xfrm>
       </p:grpSpPr>
+      <p:pic>
+        <p:nvPicPr>
+          <p:cNvPr id="5" name="Picture 4" descr="A white background with black text&#10;&#10;Description automatically generated">
+            <a:extLst>
+              <a:ext uri="{FF2B5EF4-FFF2-40B4-BE49-F238E27FC236}">
+                <a16:creationId xmlns:a16="http://schemas.microsoft.com/office/drawing/2014/main" id="{F47A1ED6-7BBD-319A-D7BD-06A647ED78D5}"/>
+              </a:ext>
+            </a:extLst>
+          </p:cNvPr>
+          <p:cNvPicPr>
+            <a:picLocks noChangeAspect="1"/>
+          </p:cNvPicPr>
+          <p:nvPr/>
+        </p:nvPicPr>
+        <p:blipFill>
+          <a:blip r:embed="rId3">
+            <a:extLst>
+              <a:ext uri="{28A0092B-C50C-407E-A947-70E740481C1C}">
+                <a14:useLocalDpi xmlns:a14="http://schemas.microsoft.com/office/drawing/2010/main" val="0"/>
+              </a:ext>
+            </a:extLst>
+          </a:blip>
+          <a:stretch>
+            <a:fillRect/>
+          </a:stretch>
+        </p:blipFill>
+        <p:spPr>
+          <a:xfrm>
+            <a:off x="6413033" y="1118442"/>
+            <a:ext cx="2508823" cy="5437727"/>
+          </a:xfrm>
+          <a:prstGeom prst="rect">
+            <a:avLst/>
+          </a:prstGeom>
+        </p:spPr>
+      </p:pic>
+      <p:pic>
+        <p:nvPicPr>
+          <p:cNvPr id="6" name="Picture 5" descr="A white and grey rectangular object&#10;&#10;Description automatically generated">
+            <a:extLst>
+              <a:ext uri="{FF2B5EF4-FFF2-40B4-BE49-F238E27FC236}">
+                <a16:creationId xmlns:a16="http://schemas.microsoft.com/office/drawing/2014/main" id="{E02FA73D-D28E-2A58-D4BF-0AF944B135D6}"/>
+              </a:ext>
+            </a:extLst>
+          </p:cNvPr>
+          <p:cNvPicPr>
+            <a:picLocks noChangeAspect="1"/>
+          </p:cNvPicPr>
+          <p:nvPr/>
+        </p:nvPicPr>
+        <p:blipFill>
+          <a:blip r:embed="rId4">
+            <a:extLst>
+              <a:ext uri="{28A0092B-C50C-407E-A947-70E740481C1C}">
+                <a14:useLocalDpi xmlns:a14="http://schemas.microsoft.com/office/drawing/2010/main" val="0"/>
+              </a:ext>
+            </a:extLst>
+          </a:blip>
+          <a:stretch>
+            <a:fillRect/>
+          </a:stretch>
+        </p:blipFill>
+        <p:spPr>
+          <a:xfrm>
+            <a:off x="9104759" y="1118442"/>
+            <a:ext cx="2508823" cy="5437728"/>
+          </a:xfrm>
+          <a:prstGeom prst="rect">
+            <a:avLst/>
+          </a:prstGeom>
+        </p:spPr>
+      </p:pic>
       <p:sp>
         <p:nvSpPr>
           <p:cNvPr id="2" name="Title 1">
@@ -26883,78 +26907,6 @@
           </a:p>
         </p:txBody>
       </p:sp>
-      <p:pic>
-        <p:nvPicPr>
-          <p:cNvPr id="9" name="Picture 8" descr="A picture containing text&#10;&#10;Description automatically generated">
-            <a:extLst>
-              <a:ext uri="{FF2B5EF4-FFF2-40B4-BE49-F238E27FC236}">
-                <a16:creationId xmlns:a16="http://schemas.microsoft.com/office/drawing/2014/main" id="{9220FB6C-61D0-C34A-866A-B10B32D10789}"/>
-              </a:ext>
-            </a:extLst>
-          </p:cNvPr>
-          <p:cNvPicPr>
-            <a:picLocks noChangeAspect="1"/>
-          </p:cNvPicPr>
-          <p:nvPr/>
-        </p:nvPicPr>
-        <p:blipFill>
-          <a:blip r:embed="rId3">
-            <a:extLst>
-              <a:ext uri="{28A0092B-C50C-407E-A947-70E740481C1C}">
-                <a14:useLocalDpi xmlns:a14="http://schemas.microsoft.com/office/drawing/2010/main" val="0"/>
-              </a:ext>
-            </a:extLst>
-          </a:blip>
-          <a:stretch>
-            <a:fillRect/>
-          </a:stretch>
-        </p:blipFill>
-        <p:spPr>
-          <a:xfrm>
-            <a:off x="9287663" y="1118442"/>
-            <a:ext cx="2508823" cy="5429351"/>
-          </a:xfrm>
-          <a:prstGeom prst="rect">
-            <a:avLst/>
-          </a:prstGeom>
-        </p:spPr>
-      </p:pic>
-      <p:pic>
-        <p:nvPicPr>
-          <p:cNvPr id="13" name="Picture 12" descr="Chart&#10;&#10;Description automatically generated">
-            <a:extLst>
-              <a:ext uri="{FF2B5EF4-FFF2-40B4-BE49-F238E27FC236}">
-                <a16:creationId xmlns:a16="http://schemas.microsoft.com/office/drawing/2014/main" id="{83619BA0-B74F-0942-9EB7-993B35BA9C8F}"/>
-              </a:ext>
-            </a:extLst>
-          </p:cNvPr>
-          <p:cNvPicPr>
-            <a:picLocks noChangeAspect="1"/>
-          </p:cNvPicPr>
-          <p:nvPr/>
-        </p:nvPicPr>
-        <p:blipFill>
-          <a:blip r:embed="rId4">
-            <a:extLst>
-              <a:ext uri="{28A0092B-C50C-407E-A947-70E740481C1C}">
-                <a14:useLocalDpi xmlns:a14="http://schemas.microsoft.com/office/drawing/2010/main" val="0"/>
-              </a:ext>
-            </a:extLst>
-          </a:blip>
-          <a:stretch>
-            <a:fillRect/>
-          </a:stretch>
-        </p:blipFill>
-        <p:spPr>
-          <a:xfrm>
-            <a:off x="6406823" y="1118442"/>
-            <a:ext cx="2508824" cy="5429351"/>
-          </a:xfrm>
-          <a:prstGeom prst="rect">
-            <a:avLst/>
-          </a:prstGeom>
-        </p:spPr>
-      </p:pic>
       <p:cxnSp>
         <p:nvCxnSpPr>
           <p:cNvPr id="15" name="Straight Arrow Connector 14">
@@ -27104,40 +27056,12 @@
           <a:chExt cx="0" cy="0"/>
         </a:xfrm>
       </p:grpSpPr>
-      <p:sp>
-        <p:nvSpPr>
-          <p:cNvPr id="2" name="Title 1">
-            <a:extLst>
-              <a:ext uri="{FF2B5EF4-FFF2-40B4-BE49-F238E27FC236}">
-                <a16:creationId xmlns:a16="http://schemas.microsoft.com/office/drawing/2014/main" id="{122C1E14-0610-FB4E-BCD3-3BA8CADF9D02}"/>
-              </a:ext>
-            </a:extLst>
-          </p:cNvPr>
-          <p:cNvSpPr>
-            <a:spLocks noGrp="1"/>
-          </p:cNvSpPr>
-          <p:nvPr>
-            <p:ph type="title"/>
-          </p:nvPr>
-        </p:nvSpPr>
-        <p:spPr/>
-        <p:txBody>
-          <a:bodyPr/>
-          <a:lstStyle/>
-          <a:p>
-            <a:r>
-              <a:rPr lang="en-IT" dirty="0"/>
-              <a:t>Focus on the Scaffold</a:t>
-            </a:r>
-          </a:p>
-        </p:txBody>
-      </p:sp>
       <p:pic>
         <p:nvPicPr>
-          <p:cNvPr id="9" name="Picture 8" descr="A picture containing text&#10;&#10;Description automatically generated">
+          <p:cNvPr id="5" name="Picture 4" descr="A white background with black text&#10;&#10;Description automatically generated">
             <a:extLst>
               <a:ext uri="{FF2B5EF4-FFF2-40B4-BE49-F238E27FC236}">
-                <a16:creationId xmlns:a16="http://schemas.microsoft.com/office/drawing/2014/main" id="{9220FB6C-61D0-C34A-866A-B10B32D10789}"/>
+                <a16:creationId xmlns:a16="http://schemas.microsoft.com/office/drawing/2014/main" id="{0F43A198-1C3B-42AA-2013-003E3B642A65}"/>
               </a:ext>
             </a:extLst>
           </p:cNvPr>
@@ -27160,14 +27084,78 @@
         </p:blipFill>
         <p:spPr>
           <a:xfrm>
-            <a:off x="9287663" y="1118442"/>
-            <a:ext cx="2508823" cy="5429351"/>
+            <a:off x="6413033" y="1118442"/>
+            <a:ext cx="2508823" cy="5437727"/>
           </a:xfrm>
           <a:prstGeom prst="rect">
             <a:avLst/>
           </a:prstGeom>
         </p:spPr>
       </p:pic>
+      <p:pic>
+        <p:nvPicPr>
+          <p:cNvPr id="6" name="Picture 5" descr="A white and grey rectangular object&#10;&#10;Description automatically generated">
+            <a:extLst>
+              <a:ext uri="{FF2B5EF4-FFF2-40B4-BE49-F238E27FC236}">
+                <a16:creationId xmlns:a16="http://schemas.microsoft.com/office/drawing/2014/main" id="{DD4FB214-4C07-8DC1-6DB7-72AE5D31DEF4}"/>
+              </a:ext>
+            </a:extLst>
+          </p:cNvPr>
+          <p:cNvPicPr>
+            <a:picLocks noChangeAspect="1"/>
+          </p:cNvPicPr>
+          <p:nvPr/>
+        </p:nvPicPr>
+        <p:blipFill>
+          <a:blip r:embed="rId4">
+            <a:extLst>
+              <a:ext uri="{28A0092B-C50C-407E-A947-70E740481C1C}">
+                <a14:useLocalDpi xmlns:a14="http://schemas.microsoft.com/office/drawing/2010/main" val="0"/>
+              </a:ext>
+            </a:extLst>
+          </a:blip>
+          <a:stretch>
+            <a:fillRect/>
+          </a:stretch>
+        </p:blipFill>
+        <p:spPr>
+          <a:xfrm>
+            <a:off x="9104759" y="1118442"/>
+            <a:ext cx="2508823" cy="5437728"/>
+          </a:xfrm>
+          <a:prstGeom prst="rect">
+            <a:avLst/>
+          </a:prstGeom>
+        </p:spPr>
+      </p:pic>
+      <p:sp>
+        <p:nvSpPr>
+          <p:cNvPr id="2" name="Title 1">
+            <a:extLst>
+              <a:ext uri="{FF2B5EF4-FFF2-40B4-BE49-F238E27FC236}">
+                <a16:creationId xmlns:a16="http://schemas.microsoft.com/office/drawing/2014/main" id="{122C1E14-0610-FB4E-BCD3-3BA8CADF9D02}"/>
+              </a:ext>
+            </a:extLst>
+          </p:cNvPr>
+          <p:cNvSpPr>
+            <a:spLocks noGrp="1"/>
+          </p:cNvSpPr>
+          <p:nvPr>
+            <p:ph type="title"/>
+          </p:nvPr>
+        </p:nvSpPr>
+        <p:spPr/>
+        <p:txBody>
+          <a:bodyPr/>
+          <a:lstStyle/>
+          <a:p>
+            <a:r>
+              <a:rPr lang="en-IT" dirty="0"/>
+              <a:t>Focus on the Scaffold</a:t>
+            </a:r>
+          </a:p>
+        </p:txBody>
+      </p:sp>
       <p:sp>
         <p:nvSpPr>
           <p:cNvPr id="3" name="Rectangle 2">
@@ -27263,19 +27251,7 @@
               <a:rPr lang="en-GB" dirty="0">
                 <a:latin typeface="Courier" pitchFamily="2" charset="0"/>
               </a:rPr>
-              <a:t>      child: </a:t>
-            </a:r>
-            <a:r>
-              <a:rPr lang="en-GB" dirty="0" err="1">
-                <a:latin typeface="Courier" pitchFamily="2" charset="0"/>
-              </a:rPr>
-              <a:t>const</a:t>
-            </a:r>
-            <a:r>
-              <a:rPr lang="en-GB" dirty="0">
-                <a:latin typeface="Courier" pitchFamily="2" charset="0"/>
-              </a:rPr>
-              <a:t> Icon(</a:t>
+              <a:t>      child: Icon(</a:t>
             </a:r>
             <a:r>
               <a:rPr lang="en-GB" dirty="0" err="1">
@@ -27329,42 +27305,6 @@
           </a:p>
         </p:txBody>
       </p:sp>
-      <p:pic>
-        <p:nvPicPr>
-          <p:cNvPr id="8" name="Picture 7" descr="Chart&#10;&#10;Description automatically generated">
-            <a:extLst>
-              <a:ext uri="{FF2B5EF4-FFF2-40B4-BE49-F238E27FC236}">
-                <a16:creationId xmlns:a16="http://schemas.microsoft.com/office/drawing/2014/main" id="{5DB3F566-12DC-BA4B-9881-6CA17528B105}"/>
-              </a:ext>
-            </a:extLst>
-          </p:cNvPr>
-          <p:cNvPicPr>
-            <a:picLocks noChangeAspect="1"/>
-          </p:cNvPicPr>
-          <p:nvPr/>
-        </p:nvPicPr>
-        <p:blipFill>
-          <a:blip r:embed="rId4">
-            <a:extLst>
-              <a:ext uri="{28A0092B-C50C-407E-A947-70E740481C1C}">
-                <a14:useLocalDpi xmlns:a14="http://schemas.microsoft.com/office/drawing/2010/main" val="0"/>
-              </a:ext>
-            </a:extLst>
-          </a:blip>
-          <a:stretch>
-            <a:fillRect/>
-          </a:stretch>
-        </p:blipFill>
-        <p:spPr>
-          <a:xfrm>
-            <a:off x="6406823" y="1118442"/>
-            <a:ext cx="2508824" cy="5429351"/>
-          </a:xfrm>
-          <a:prstGeom prst="rect">
-            <a:avLst/>
-          </a:prstGeom>
-        </p:spPr>
-      </p:pic>
       <p:sp>
         <p:nvSpPr>
           <p:cNvPr id="7" name="Rectangle 6">
@@ -27721,6 +27661,78 @@
           <a:chExt cx="0" cy="0"/>
         </a:xfrm>
       </p:grpSpPr>
+      <p:pic>
+        <p:nvPicPr>
+          <p:cNvPr id="5" name="Picture 4" descr="A white background with black text&#10;&#10;Description automatically generated">
+            <a:extLst>
+              <a:ext uri="{FF2B5EF4-FFF2-40B4-BE49-F238E27FC236}">
+                <a16:creationId xmlns:a16="http://schemas.microsoft.com/office/drawing/2014/main" id="{167C2462-0D14-E8ED-95B8-CB92B90BA871}"/>
+              </a:ext>
+            </a:extLst>
+          </p:cNvPr>
+          <p:cNvPicPr>
+            <a:picLocks noChangeAspect="1"/>
+          </p:cNvPicPr>
+          <p:nvPr/>
+        </p:nvPicPr>
+        <p:blipFill>
+          <a:blip r:embed="rId3">
+            <a:extLst>
+              <a:ext uri="{28A0092B-C50C-407E-A947-70E740481C1C}">
+                <a14:useLocalDpi xmlns:a14="http://schemas.microsoft.com/office/drawing/2010/main" val="0"/>
+              </a:ext>
+            </a:extLst>
+          </a:blip>
+          <a:stretch>
+            <a:fillRect/>
+          </a:stretch>
+        </p:blipFill>
+        <p:spPr>
+          <a:xfrm>
+            <a:off x="6413033" y="1118442"/>
+            <a:ext cx="2508823" cy="5437727"/>
+          </a:xfrm>
+          <a:prstGeom prst="rect">
+            <a:avLst/>
+          </a:prstGeom>
+        </p:spPr>
+      </p:pic>
+      <p:pic>
+        <p:nvPicPr>
+          <p:cNvPr id="6" name="Picture 5" descr="A white and grey rectangular object&#10;&#10;Description automatically generated">
+            <a:extLst>
+              <a:ext uri="{FF2B5EF4-FFF2-40B4-BE49-F238E27FC236}">
+                <a16:creationId xmlns:a16="http://schemas.microsoft.com/office/drawing/2014/main" id="{F39E4531-53FB-A9D0-5160-3CE0C5BA63E8}"/>
+              </a:ext>
+            </a:extLst>
+          </p:cNvPr>
+          <p:cNvPicPr>
+            <a:picLocks noChangeAspect="1"/>
+          </p:cNvPicPr>
+          <p:nvPr/>
+        </p:nvPicPr>
+        <p:blipFill>
+          <a:blip r:embed="rId4">
+            <a:extLst>
+              <a:ext uri="{28A0092B-C50C-407E-A947-70E740481C1C}">
+                <a14:useLocalDpi xmlns:a14="http://schemas.microsoft.com/office/drawing/2010/main" val="0"/>
+              </a:ext>
+            </a:extLst>
+          </a:blip>
+          <a:stretch>
+            <a:fillRect/>
+          </a:stretch>
+        </p:blipFill>
+        <p:spPr>
+          <a:xfrm>
+            <a:off x="9104759" y="1118442"/>
+            <a:ext cx="2508823" cy="5437728"/>
+          </a:xfrm>
+          <a:prstGeom prst="rect">
+            <a:avLst/>
+          </a:prstGeom>
+        </p:spPr>
+      </p:pic>
       <p:sp>
         <p:nvSpPr>
           <p:cNvPr id="2" name="Title 1">
@@ -28462,78 +28474,6 @@
           </a:p>
         </p:txBody>
       </p:sp>
-      <p:pic>
-        <p:nvPicPr>
-          <p:cNvPr id="9" name="Picture 8" descr="A picture containing text&#10;&#10;Description automatically generated">
-            <a:extLst>
-              <a:ext uri="{FF2B5EF4-FFF2-40B4-BE49-F238E27FC236}">
-                <a16:creationId xmlns:a16="http://schemas.microsoft.com/office/drawing/2014/main" id="{9220FB6C-61D0-C34A-866A-B10B32D10789}"/>
-              </a:ext>
-            </a:extLst>
-          </p:cNvPr>
-          <p:cNvPicPr>
-            <a:picLocks noChangeAspect="1"/>
-          </p:cNvPicPr>
-          <p:nvPr/>
-        </p:nvPicPr>
-        <p:blipFill>
-          <a:blip r:embed="rId3">
-            <a:extLst>
-              <a:ext uri="{28A0092B-C50C-407E-A947-70E740481C1C}">
-                <a14:useLocalDpi xmlns:a14="http://schemas.microsoft.com/office/drawing/2010/main" val="0"/>
-              </a:ext>
-            </a:extLst>
-          </a:blip>
-          <a:stretch>
-            <a:fillRect/>
-          </a:stretch>
-        </p:blipFill>
-        <p:spPr>
-          <a:xfrm>
-            <a:off x="9287663" y="1118442"/>
-            <a:ext cx="2508823" cy="5429351"/>
-          </a:xfrm>
-          <a:prstGeom prst="rect">
-            <a:avLst/>
-          </a:prstGeom>
-        </p:spPr>
-      </p:pic>
-      <p:pic>
-        <p:nvPicPr>
-          <p:cNvPr id="13" name="Picture 12" descr="Chart&#10;&#10;Description automatically generated">
-            <a:extLst>
-              <a:ext uri="{FF2B5EF4-FFF2-40B4-BE49-F238E27FC236}">
-                <a16:creationId xmlns:a16="http://schemas.microsoft.com/office/drawing/2014/main" id="{83619BA0-B74F-0942-9EB7-993B35BA9C8F}"/>
-              </a:ext>
-            </a:extLst>
-          </p:cNvPr>
-          <p:cNvPicPr>
-            <a:picLocks noChangeAspect="1"/>
-          </p:cNvPicPr>
-          <p:nvPr/>
-        </p:nvPicPr>
-        <p:blipFill>
-          <a:blip r:embed="rId4">
-            <a:extLst>
-              <a:ext uri="{28A0092B-C50C-407E-A947-70E740481C1C}">
-                <a14:useLocalDpi xmlns:a14="http://schemas.microsoft.com/office/drawing/2010/main" val="0"/>
-              </a:ext>
-            </a:extLst>
-          </a:blip>
-          <a:stretch>
-            <a:fillRect/>
-          </a:stretch>
-        </p:blipFill>
-        <p:spPr>
-          <a:xfrm>
-            <a:off x="6406823" y="1118442"/>
-            <a:ext cx="2508824" cy="5429351"/>
-          </a:xfrm>
-          <a:prstGeom prst="rect">
-            <a:avLst/>
-          </a:prstGeom>
-        </p:spPr>
-      </p:pic>
       <p:cxnSp>
         <p:nvCxnSpPr>
           <p:cNvPr id="15" name="Straight Arrow Connector 14">
@@ -28683,40 +28623,12 @@
           <a:chExt cx="0" cy="0"/>
         </a:xfrm>
       </p:grpSpPr>
-      <p:sp>
-        <p:nvSpPr>
-          <p:cNvPr id="2" name="Title 1">
-            <a:extLst>
-              <a:ext uri="{FF2B5EF4-FFF2-40B4-BE49-F238E27FC236}">
-                <a16:creationId xmlns:a16="http://schemas.microsoft.com/office/drawing/2014/main" id="{122C1E14-0610-FB4E-BCD3-3BA8CADF9D02}"/>
-              </a:ext>
-            </a:extLst>
-          </p:cNvPr>
-          <p:cNvSpPr>
-            <a:spLocks noGrp="1"/>
-          </p:cNvSpPr>
-          <p:nvPr>
-            <p:ph type="title"/>
-          </p:nvPr>
-        </p:nvSpPr>
-        <p:spPr/>
-        <p:txBody>
-          <a:bodyPr/>
-          <a:lstStyle/>
-          <a:p>
-            <a:r>
-              <a:rPr lang="en-IT" dirty="0"/>
-              <a:t>Focus on the Scaffold</a:t>
-            </a:r>
-          </a:p>
-        </p:txBody>
-      </p:sp>
       <p:pic>
         <p:nvPicPr>
-          <p:cNvPr id="9" name="Picture 8" descr="A picture containing text&#10;&#10;Description automatically generated">
+          <p:cNvPr id="5" name="Picture 4" descr="A white background with black text&#10;&#10;Description automatically generated">
             <a:extLst>
               <a:ext uri="{FF2B5EF4-FFF2-40B4-BE49-F238E27FC236}">
-                <a16:creationId xmlns:a16="http://schemas.microsoft.com/office/drawing/2014/main" id="{9220FB6C-61D0-C34A-866A-B10B32D10789}"/>
+                <a16:creationId xmlns:a16="http://schemas.microsoft.com/office/drawing/2014/main" id="{0717DD54-2808-069C-80E0-27EF8341758D}"/>
               </a:ext>
             </a:extLst>
           </p:cNvPr>
@@ -28739,14 +28651,78 @@
         </p:blipFill>
         <p:spPr>
           <a:xfrm>
-            <a:off x="9287663" y="1118442"/>
-            <a:ext cx="2508823" cy="5429351"/>
+            <a:off x="6413033" y="1118442"/>
+            <a:ext cx="2508823" cy="5437727"/>
           </a:xfrm>
           <a:prstGeom prst="rect">
             <a:avLst/>
           </a:prstGeom>
         </p:spPr>
       </p:pic>
+      <p:pic>
+        <p:nvPicPr>
+          <p:cNvPr id="10" name="Picture 9" descr="A white and grey rectangular object&#10;&#10;Description automatically generated">
+            <a:extLst>
+              <a:ext uri="{FF2B5EF4-FFF2-40B4-BE49-F238E27FC236}">
+                <a16:creationId xmlns:a16="http://schemas.microsoft.com/office/drawing/2014/main" id="{BBD699FC-DC3C-8EAA-EFBB-3CF6EA0C7626}"/>
+              </a:ext>
+            </a:extLst>
+          </p:cNvPr>
+          <p:cNvPicPr>
+            <a:picLocks noChangeAspect="1"/>
+          </p:cNvPicPr>
+          <p:nvPr/>
+        </p:nvPicPr>
+        <p:blipFill>
+          <a:blip r:embed="rId4">
+            <a:extLst>
+              <a:ext uri="{28A0092B-C50C-407E-A947-70E740481C1C}">
+                <a14:useLocalDpi xmlns:a14="http://schemas.microsoft.com/office/drawing/2010/main" val="0"/>
+              </a:ext>
+            </a:extLst>
+          </a:blip>
+          <a:stretch>
+            <a:fillRect/>
+          </a:stretch>
+        </p:blipFill>
+        <p:spPr>
+          <a:xfrm>
+            <a:off x="9104759" y="1118442"/>
+            <a:ext cx="2508823" cy="5437728"/>
+          </a:xfrm>
+          <a:prstGeom prst="rect">
+            <a:avLst/>
+          </a:prstGeom>
+        </p:spPr>
+      </p:pic>
+      <p:sp>
+        <p:nvSpPr>
+          <p:cNvPr id="2" name="Title 1">
+            <a:extLst>
+              <a:ext uri="{FF2B5EF4-FFF2-40B4-BE49-F238E27FC236}">
+                <a16:creationId xmlns:a16="http://schemas.microsoft.com/office/drawing/2014/main" id="{122C1E14-0610-FB4E-BCD3-3BA8CADF9D02}"/>
+              </a:ext>
+            </a:extLst>
+          </p:cNvPr>
+          <p:cNvSpPr>
+            <a:spLocks noGrp="1"/>
+          </p:cNvSpPr>
+          <p:nvPr>
+            <p:ph type="title"/>
+          </p:nvPr>
+        </p:nvSpPr>
+        <p:spPr/>
+        <p:txBody>
+          <a:bodyPr/>
+          <a:lstStyle/>
+          <a:p>
+            <a:r>
+              <a:rPr lang="en-IT" dirty="0"/>
+              <a:t>Focus on the Scaffold</a:t>
+            </a:r>
+          </a:p>
+        </p:txBody>
+      </p:sp>
       <p:sp>
         <p:nvSpPr>
           <p:cNvPr id="3" name="Rectangle 2">
@@ -28842,19 +28818,7 @@
               <a:rPr lang="en-GB" dirty="0">
                 <a:latin typeface="Courier" pitchFamily="2" charset="0"/>
               </a:rPr>
-              <a:t>      items: </a:t>
-            </a:r>
-            <a:r>
-              <a:rPr lang="en-GB" dirty="0" err="1">
-                <a:latin typeface="Courier" pitchFamily="2" charset="0"/>
-              </a:rPr>
-              <a:t>const</a:t>
-            </a:r>
-            <a:r>
-              <a:rPr lang="en-GB" dirty="0">
-                <a:latin typeface="Courier" pitchFamily="2" charset="0"/>
-              </a:rPr>
-              <a:t> [</a:t>
+              <a:t>      items: [</a:t>
             </a:r>
           </a:p>
           <a:p>
@@ -28999,42 +28963,6 @@
           </a:p>
         </p:txBody>
       </p:sp>
-      <p:pic>
-        <p:nvPicPr>
-          <p:cNvPr id="8" name="Picture 7" descr="Chart&#10;&#10;Description automatically generated">
-            <a:extLst>
-              <a:ext uri="{FF2B5EF4-FFF2-40B4-BE49-F238E27FC236}">
-                <a16:creationId xmlns:a16="http://schemas.microsoft.com/office/drawing/2014/main" id="{5DB3F566-12DC-BA4B-9881-6CA17528B105}"/>
-              </a:ext>
-            </a:extLst>
-          </p:cNvPr>
-          <p:cNvPicPr>
-            <a:picLocks noChangeAspect="1"/>
-          </p:cNvPicPr>
-          <p:nvPr/>
-        </p:nvPicPr>
-        <p:blipFill>
-          <a:blip r:embed="rId4">
-            <a:extLst>
-              <a:ext uri="{28A0092B-C50C-407E-A947-70E740481C1C}">
-                <a14:useLocalDpi xmlns:a14="http://schemas.microsoft.com/office/drawing/2010/main" val="0"/>
-              </a:ext>
-            </a:extLst>
-          </a:blip>
-          <a:stretch>
-            <a:fillRect/>
-          </a:stretch>
-        </p:blipFill>
-        <p:spPr>
-          <a:xfrm>
-            <a:off x="6406823" y="1118442"/>
-            <a:ext cx="2508824" cy="5429351"/>
-          </a:xfrm>
-          <a:prstGeom prst="rect">
-            <a:avLst/>
-          </a:prstGeom>
-        </p:spPr>
-      </p:pic>
       <p:sp>
         <p:nvSpPr>
           <p:cNvPr id="6" name="Rectangle 5">
@@ -29734,12 +29662,41 @@
           </a:p>
         </p:txBody>
       </p:sp>
+      <p:sp>
+        <p:nvSpPr>
+          <p:cNvPr id="4" name="Slide Number Placeholder 3">
+            <a:extLst>
+              <a:ext uri="{FF2B5EF4-FFF2-40B4-BE49-F238E27FC236}">
+                <a16:creationId xmlns:a16="http://schemas.microsoft.com/office/drawing/2014/main" id="{B6145EDD-D38F-FC48-B946-783D9F6FEDBD}"/>
+              </a:ext>
+            </a:extLst>
+          </p:cNvPr>
+          <p:cNvSpPr>
+            <a:spLocks noGrp="1"/>
+          </p:cNvSpPr>
+          <p:nvPr>
+            <p:ph type="sldNum" sz="quarter" idx="12"/>
+          </p:nvPr>
+        </p:nvSpPr>
+        <p:spPr/>
+        <p:txBody>
+          <a:bodyPr/>
+          <a:lstStyle/>
+          <a:p>
+            <a:fld id="{31DE2C5B-556E-47B8-A792-024C2FCA4ACC}" type="slidenum">
+              <a:rPr lang="en-GB" smtClean="0"/>
+              <a:t>43</a:t>
+            </a:fld>
+            <a:endParaRPr lang="en-GB"/>
+          </a:p>
+        </p:txBody>
+      </p:sp>
       <p:pic>
         <p:nvPicPr>
-          <p:cNvPr id="6" name="Picture 5" descr="A picture containing graphical user interface&#10;&#10;Description automatically generated">
+          <p:cNvPr id="7" name="Picture 6" descr="A white background with black dots&#10;&#10;Description automatically generated">
             <a:extLst>
               <a:ext uri="{FF2B5EF4-FFF2-40B4-BE49-F238E27FC236}">
-                <a16:creationId xmlns:a16="http://schemas.microsoft.com/office/drawing/2014/main" id="{B4A251A1-5250-B045-91D3-5EC162088A82}"/>
+                <a16:creationId xmlns:a16="http://schemas.microsoft.com/office/drawing/2014/main" id="{9DAF0817-A321-1C77-343E-50422EDD601A}"/>
               </a:ext>
             </a:extLst>
           </p:cNvPr>
@@ -29762,43 +29719,14 @@
         </p:blipFill>
         <p:spPr>
           <a:xfrm>
-            <a:off x="9167828" y="1219615"/>
-            <a:ext cx="2596000" cy="5618010"/>
+            <a:off x="8325122" y="1022169"/>
+            <a:ext cx="2692497" cy="5835831"/>
           </a:xfrm>
           <a:prstGeom prst="rect">
             <a:avLst/>
           </a:prstGeom>
         </p:spPr>
       </p:pic>
-      <p:sp>
-        <p:nvSpPr>
-          <p:cNvPr id="4" name="Slide Number Placeholder 3">
-            <a:extLst>
-              <a:ext uri="{FF2B5EF4-FFF2-40B4-BE49-F238E27FC236}">
-                <a16:creationId xmlns:a16="http://schemas.microsoft.com/office/drawing/2014/main" id="{B6145EDD-D38F-FC48-B946-783D9F6FEDBD}"/>
-              </a:ext>
-            </a:extLst>
-          </p:cNvPr>
-          <p:cNvSpPr>
-            <a:spLocks noGrp="1"/>
-          </p:cNvSpPr>
-          <p:nvPr>
-            <p:ph type="sldNum" sz="quarter" idx="12"/>
-          </p:nvPr>
-        </p:nvSpPr>
-        <p:spPr/>
-        <p:txBody>
-          <a:bodyPr/>
-          <a:lstStyle/>
-          <a:p>
-            <a:fld id="{31DE2C5B-556E-47B8-A792-024C2FCA4ACC}" type="slidenum">
-              <a:rPr lang="en-GB" smtClean="0"/>
-              <a:t>43</a:t>
-            </a:fld>
-            <a:endParaRPr lang="en-GB"/>
-          </a:p>
-        </p:txBody>
-      </p:sp>
     </p:spTree>
     <p:extLst>
       <p:ext uri="{BB962C8B-B14F-4D97-AF65-F5344CB8AC3E}">
@@ -29829,6 +29757,42 @@
           <a:chExt cx="0" cy="0"/>
         </a:xfrm>
       </p:grpSpPr>
+      <p:pic>
+        <p:nvPicPr>
+          <p:cNvPr id="7" name="Picture 6" descr="A white background with black dots&#10;&#10;Description automatically generated">
+            <a:extLst>
+              <a:ext uri="{FF2B5EF4-FFF2-40B4-BE49-F238E27FC236}">
+                <a16:creationId xmlns:a16="http://schemas.microsoft.com/office/drawing/2014/main" id="{D7F8A629-2A07-8AA0-0B33-059DAFED8860}"/>
+              </a:ext>
+            </a:extLst>
+          </p:cNvPr>
+          <p:cNvPicPr>
+            <a:picLocks noChangeAspect="1"/>
+          </p:cNvPicPr>
+          <p:nvPr/>
+        </p:nvPicPr>
+        <p:blipFill>
+          <a:blip r:embed="rId3">
+            <a:extLst>
+              <a:ext uri="{28A0092B-C50C-407E-A947-70E740481C1C}">
+                <a14:useLocalDpi xmlns:a14="http://schemas.microsoft.com/office/drawing/2010/main" val="0"/>
+              </a:ext>
+            </a:extLst>
+          </a:blip>
+          <a:stretch>
+            <a:fillRect/>
+          </a:stretch>
+        </p:blipFill>
+        <p:spPr>
+          <a:xfrm>
+            <a:off x="7545111" y="2250946"/>
+            <a:ext cx="4096987" cy="716468"/>
+          </a:xfrm>
+          <a:prstGeom prst="rect">
+            <a:avLst/>
+          </a:prstGeom>
+        </p:spPr>
+      </p:pic>
       <p:sp>
         <p:nvSpPr>
           <p:cNvPr id="2" name="Title 1">
@@ -30181,42 +30145,6 @@
           </a:p>
         </p:txBody>
       </p:sp>
-      <p:pic>
-        <p:nvPicPr>
-          <p:cNvPr id="5" name="Picture 4">
-            <a:extLst>
-              <a:ext uri="{FF2B5EF4-FFF2-40B4-BE49-F238E27FC236}">
-                <a16:creationId xmlns:a16="http://schemas.microsoft.com/office/drawing/2014/main" id="{B0DB59A0-7CB8-854F-BCEB-89FD31701A5C}"/>
-              </a:ext>
-            </a:extLst>
-          </p:cNvPr>
-          <p:cNvPicPr>
-            <a:picLocks noChangeAspect="1"/>
-          </p:cNvPicPr>
-          <p:nvPr/>
-        </p:nvPicPr>
-        <p:blipFill>
-          <a:blip r:embed="rId3">
-            <a:extLst>
-              <a:ext uri="{28A0092B-C50C-407E-A947-70E740481C1C}">
-                <a14:useLocalDpi xmlns:a14="http://schemas.microsoft.com/office/drawing/2010/main" val="0"/>
-              </a:ext>
-            </a:extLst>
-          </a:blip>
-          <a:stretch>
-            <a:fillRect/>
-          </a:stretch>
-        </p:blipFill>
-        <p:spPr>
-          <a:xfrm>
-            <a:off x="7436928" y="2251429"/>
-            <a:ext cx="4359558" cy="700388"/>
-          </a:xfrm>
-          <a:prstGeom prst="rect">
-            <a:avLst/>
-          </a:prstGeom>
-        </p:spPr>
-      </p:pic>
       <p:sp>
         <p:nvSpPr>
           <p:cNvPr id="10" name="Rectangle 9">
@@ -31224,14 +31152,6 @@
             </a:r>
             <a:r>
               <a:rPr lang="en-US" dirty="0" err="1"/>
-              <a:t>ThemeData</a:t>
-            </a:r>
-            <a:r>
-              <a:rPr lang="en-US" dirty="0"/>
-              <a:t>, </a:t>
-            </a:r>
-            <a:r>
-              <a:rPr lang="en-US" dirty="0" err="1"/>
               <a:t>AppBar</a:t>
             </a:r>
             <a:r>
@@ -31244,18 +31164,47 @@
             </a:r>
             <a:r>
               <a:rPr lang="en-US" dirty="0"/>
-              <a:t>, Column, Row, and some others…</a:t>
+              <a:t>, Column, Row, Colors, and some others…</a:t>
             </a:r>
             <a:endParaRPr lang="en-GB" dirty="0"/>
+          </a:p>
+        </p:txBody>
+      </p:sp>
+      <p:sp>
+        <p:nvSpPr>
+          <p:cNvPr id="4" name="Slide Number Placeholder 3">
+            <a:extLst>
+              <a:ext uri="{FF2B5EF4-FFF2-40B4-BE49-F238E27FC236}">
+                <a16:creationId xmlns:a16="http://schemas.microsoft.com/office/drawing/2014/main" id="{B5E1AA86-E502-C847-8FDA-5F3696AE2898}"/>
+              </a:ext>
+            </a:extLst>
+          </p:cNvPr>
+          <p:cNvSpPr>
+            <a:spLocks noGrp="1"/>
+          </p:cNvSpPr>
+          <p:nvPr>
+            <p:ph type="sldNum" sz="quarter" idx="12"/>
+          </p:nvPr>
+        </p:nvSpPr>
+        <p:spPr/>
+        <p:txBody>
+          <a:bodyPr/>
+          <a:lstStyle/>
+          <a:p>
+            <a:fld id="{31DE2C5B-556E-47B8-A792-024C2FCA4ACC}" type="slidenum">
+              <a:rPr lang="en-GB" smtClean="0"/>
+              <a:t>46</a:t>
+            </a:fld>
+            <a:endParaRPr lang="en-GB"/>
           </a:p>
         </p:txBody>
       </p:sp>
       <p:pic>
         <p:nvPicPr>
-          <p:cNvPr id="6" name="Picture 5" descr="Text&#10;&#10;Description automatically generated">
+          <p:cNvPr id="7" name="Picture 6" descr="A screenshot of a cell phone&#10;&#10;Description automatically generated">
             <a:extLst>
               <a:ext uri="{FF2B5EF4-FFF2-40B4-BE49-F238E27FC236}">
-                <a16:creationId xmlns:a16="http://schemas.microsoft.com/office/drawing/2014/main" id="{6CEE6640-D15F-944F-B33E-BAC7FFA9C3B2}"/>
+                <a16:creationId xmlns:a16="http://schemas.microsoft.com/office/drawing/2014/main" id="{14B64064-18EE-D6EB-976B-75E0FDCB0F11}"/>
               </a:ext>
             </a:extLst>
           </p:cNvPr>
@@ -31278,43 +31227,14 @@
         </p:blipFill>
         <p:spPr>
           <a:xfrm>
-            <a:off x="9313910" y="1361167"/>
-            <a:ext cx="2363844" cy="5115600"/>
+            <a:off x="8185405" y="445366"/>
+            <a:ext cx="2895630" cy="6276109"/>
           </a:xfrm>
           <a:prstGeom prst="rect">
             <a:avLst/>
           </a:prstGeom>
         </p:spPr>
       </p:pic>
-      <p:sp>
-        <p:nvSpPr>
-          <p:cNvPr id="4" name="Slide Number Placeholder 3">
-            <a:extLst>
-              <a:ext uri="{FF2B5EF4-FFF2-40B4-BE49-F238E27FC236}">
-                <a16:creationId xmlns:a16="http://schemas.microsoft.com/office/drawing/2014/main" id="{B5E1AA86-E502-C847-8FDA-5F3696AE2898}"/>
-              </a:ext>
-            </a:extLst>
-          </p:cNvPr>
-          <p:cNvSpPr>
-            <a:spLocks noGrp="1"/>
-          </p:cNvSpPr>
-          <p:nvPr>
-            <p:ph type="sldNum" sz="quarter" idx="12"/>
-          </p:nvPr>
-        </p:nvSpPr>
-        <p:spPr/>
-        <p:txBody>
-          <a:bodyPr/>
-          <a:lstStyle/>
-          <a:p>
-            <a:fld id="{31DE2C5B-556E-47B8-A792-024C2FCA4ACC}" type="slidenum">
-              <a:rPr lang="en-GB" smtClean="0"/>
-              <a:t>46</a:t>
-            </a:fld>
-            <a:endParaRPr lang="en-GB"/>
-          </a:p>
-        </p:txBody>
-      </p:sp>
     </p:spTree>
     <p:extLst>
       <p:ext uri="{BB962C8B-B14F-4D97-AF65-F5344CB8AC3E}">
@@ -31485,12 +31405,41 @@
           </a:p>
         </p:txBody>
       </p:sp>
+      <p:sp>
+        <p:nvSpPr>
+          <p:cNvPr id="4" name="Slide Number Placeholder 3">
+            <a:extLst>
+              <a:ext uri="{FF2B5EF4-FFF2-40B4-BE49-F238E27FC236}">
+                <a16:creationId xmlns:a16="http://schemas.microsoft.com/office/drawing/2014/main" id="{D98BB973-5833-B045-A0E7-EB9FA50DBB43}"/>
+              </a:ext>
+            </a:extLst>
+          </p:cNvPr>
+          <p:cNvSpPr>
+            <a:spLocks noGrp="1"/>
+          </p:cNvSpPr>
+          <p:nvPr>
+            <p:ph type="sldNum" sz="quarter" idx="12"/>
+          </p:nvPr>
+        </p:nvSpPr>
+        <p:spPr/>
+        <p:txBody>
+          <a:bodyPr/>
+          <a:lstStyle/>
+          <a:p>
+            <a:fld id="{31DE2C5B-556E-47B8-A792-024C2FCA4ACC}" type="slidenum">
+              <a:rPr lang="en-GB" smtClean="0"/>
+              <a:t>47</a:t>
+            </a:fld>
+            <a:endParaRPr lang="en-GB"/>
+          </a:p>
+        </p:txBody>
+      </p:sp>
       <p:pic>
         <p:nvPicPr>
-          <p:cNvPr id="5" name="Picture 4">
+          <p:cNvPr id="7" name="Picture 6" descr="A screenshot of a phone&#10;&#10;Description automatically generated">
             <a:extLst>
               <a:ext uri="{FF2B5EF4-FFF2-40B4-BE49-F238E27FC236}">
-                <a16:creationId xmlns:a16="http://schemas.microsoft.com/office/drawing/2014/main" id="{231B39C3-B037-634F-ABA6-D7462F2D303E}"/>
+                <a16:creationId xmlns:a16="http://schemas.microsoft.com/office/drawing/2014/main" id="{17CE5C8A-62CD-C9F4-98B0-DA495AE47167}"/>
               </a:ext>
             </a:extLst>
           </p:cNvPr>
@@ -31513,43 +31462,14 @@
         </p:blipFill>
         <p:spPr>
           <a:xfrm>
-            <a:off x="8935228" y="1123177"/>
-            <a:ext cx="2575154" cy="5572897"/>
+            <a:off x="8610600" y="607147"/>
+            <a:ext cx="2652530" cy="5749203"/>
           </a:xfrm>
           <a:prstGeom prst="rect">
             <a:avLst/>
           </a:prstGeom>
         </p:spPr>
       </p:pic>
-      <p:sp>
-        <p:nvSpPr>
-          <p:cNvPr id="4" name="Slide Number Placeholder 3">
-            <a:extLst>
-              <a:ext uri="{FF2B5EF4-FFF2-40B4-BE49-F238E27FC236}">
-                <a16:creationId xmlns:a16="http://schemas.microsoft.com/office/drawing/2014/main" id="{D98BB973-5833-B045-A0E7-EB9FA50DBB43}"/>
-              </a:ext>
-            </a:extLst>
-          </p:cNvPr>
-          <p:cNvSpPr>
-            <a:spLocks noGrp="1"/>
-          </p:cNvSpPr>
-          <p:nvPr>
-            <p:ph type="sldNum" sz="quarter" idx="12"/>
-          </p:nvPr>
-        </p:nvSpPr>
-        <p:spPr/>
-        <p:txBody>
-          <a:bodyPr/>
-          <a:lstStyle/>
-          <a:p>
-            <a:fld id="{31DE2C5B-556E-47B8-A792-024C2FCA4ACC}" type="slidenum">
-              <a:rPr lang="en-GB" smtClean="0"/>
-              <a:t>47</a:t>
-            </a:fld>
-            <a:endParaRPr lang="en-GB"/>
-          </a:p>
-        </p:txBody>
-      </p:sp>
     </p:spTree>
     <p:extLst>
       <p:ext uri="{BB962C8B-B14F-4D97-AF65-F5344CB8AC3E}">
@@ -31697,12 +31617,41 @@
           </a:p>
         </p:txBody>
       </p:sp>
+      <p:sp>
+        <p:nvSpPr>
+          <p:cNvPr id="4" name="Slide Number Placeholder 3">
+            <a:extLst>
+              <a:ext uri="{FF2B5EF4-FFF2-40B4-BE49-F238E27FC236}">
+                <a16:creationId xmlns:a16="http://schemas.microsoft.com/office/drawing/2014/main" id="{D4AE98F8-E068-B648-9420-A83412812A2F}"/>
+              </a:ext>
+            </a:extLst>
+          </p:cNvPr>
+          <p:cNvSpPr>
+            <a:spLocks noGrp="1"/>
+          </p:cNvSpPr>
+          <p:nvPr>
+            <p:ph type="sldNum" sz="quarter" idx="12"/>
+          </p:nvPr>
+        </p:nvSpPr>
+        <p:spPr/>
+        <p:txBody>
+          <a:bodyPr/>
+          <a:lstStyle/>
+          <a:p>
+            <a:fld id="{31DE2C5B-556E-47B8-A792-024C2FCA4ACC}" type="slidenum">
+              <a:rPr lang="en-GB" smtClean="0"/>
+              <a:t>48</a:t>
+            </a:fld>
+            <a:endParaRPr lang="en-GB"/>
+          </a:p>
+        </p:txBody>
+      </p:sp>
       <p:pic>
         <p:nvPicPr>
-          <p:cNvPr id="9" name="Picture 8" descr="A picture containing chart&#10;&#10;Description automatically generated">
+          <p:cNvPr id="6" name="Picture 5" descr="A screenshot of a phone&#10;&#10;Description automatically generated">
             <a:extLst>
               <a:ext uri="{FF2B5EF4-FFF2-40B4-BE49-F238E27FC236}">
-                <a16:creationId xmlns:a16="http://schemas.microsoft.com/office/drawing/2014/main" id="{5C293901-4EE9-624E-B81C-BD5C0A061CFA}"/>
+                <a16:creationId xmlns:a16="http://schemas.microsoft.com/office/drawing/2014/main" id="{BA827384-EC48-9507-B9C7-84A8CB3356F1}"/>
               </a:ext>
             </a:extLst>
           </p:cNvPr>
@@ -31725,43 +31674,14 @@
         </p:blipFill>
         <p:spPr>
           <a:xfrm>
-            <a:off x="8896310" y="1299892"/>
-            <a:ext cx="2465182" cy="5334907"/>
+            <a:off x="8711878" y="592047"/>
+            <a:ext cx="2599082" cy="5633358"/>
           </a:xfrm>
           <a:prstGeom prst="rect">
             <a:avLst/>
           </a:prstGeom>
         </p:spPr>
       </p:pic>
-      <p:sp>
-        <p:nvSpPr>
-          <p:cNvPr id="4" name="Slide Number Placeholder 3">
-            <a:extLst>
-              <a:ext uri="{FF2B5EF4-FFF2-40B4-BE49-F238E27FC236}">
-                <a16:creationId xmlns:a16="http://schemas.microsoft.com/office/drawing/2014/main" id="{D4AE98F8-E068-B648-9420-A83412812A2F}"/>
-              </a:ext>
-            </a:extLst>
-          </p:cNvPr>
-          <p:cNvSpPr>
-            <a:spLocks noGrp="1"/>
-          </p:cNvSpPr>
-          <p:nvPr>
-            <p:ph type="sldNum" sz="quarter" idx="12"/>
-          </p:nvPr>
-        </p:nvSpPr>
-        <p:spPr/>
-        <p:txBody>
-          <a:bodyPr/>
-          <a:lstStyle/>
-          <a:p>
-            <a:fld id="{31DE2C5B-556E-47B8-A792-024C2FCA4ACC}" type="slidenum">
-              <a:rPr lang="en-GB" smtClean="0"/>
-              <a:t>48</a:t>
-            </a:fld>
-            <a:endParaRPr lang="en-GB"/>
-          </a:p>
-        </p:txBody>
-      </p:sp>
     </p:spTree>
     <p:extLst>
       <p:ext uri="{BB962C8B-B14F-4D97-AF65-F5344CB8AC3E}">
@@ -31957,42 +31877,6 @@
           </a:p>
         </p:txBody>
       </p:sp>
-      <p:pic>
-        <p:nvPicPr>
-          <p:cNvPr id="6" name="Picture 5" descr="Background pattern&#10;&#10;Description automatically generated with low confidence">
-            <a:extLst>
-              <a:ext uri="{FF2B5EF4-FFF2-40B4-BE49-F238E27FC236}">
-                <a16:creationId xmlns:a16="http://schemas.microsoft.com/office/drawing/2014/main" id="{BDC19473-58B9-9D43-90CD-B598F0AC535A}"/>
-              </a:ext>
-            </a:extLst>
-          </p:cNvPr>
-          <p:cNvPicPr>
-            <a:picLocks noChangeAspect="1"/>
-          </p:cNvPicPr>
-          <p:nvPr/>
-        </p:nvPicPr>
-        <p:blipFill>
-          <a:blip r:embed="rId2">
-            <a:extLst>
-              <a:ext uri="{28A0092B-C50C-407E-A947-70E740481C1C}">
-                <a14:useLocalDpi xmlns:a14="http://schemas.microsoft.com/office/drawing/2010/main" val="0"/>
-              </a:ext>
-            </a:extLst>
-          </a:blip>
-          <a:stretch>
-            <a:fillRect/>
-          </a:stretch>
-        </p:blipFill>
-        <p:spPr>
-          <a:xfrm>
-            <a:off x="9220310" y="1348567"/>
-            <a:ext cx="2340554" cy="5065200"/>
-          </a:xfrm>
-          <a:prstGeom prst="rect">
-            <a:avLst/>
-          </a:prstGeom>
-        </p:spPr>
-      </p:pic>
       <p:sp>
         <p:nvSpPr>
           <p:cNvPr id="4" name="Slide Number Placeholder 3">
@@ -32022,6 +31906,44 @@
           </a:p>
         </p:txBody>
       </p:sp>
+      <p:pic>
+        <p:nvPicPr>
+          <p:cNvPr id="5" name="Simulator Screen Recording - iPhone 15 Pro Max - 2024-02-06 at 13.34.59">
+            <a:hlinkClick r:id="" action="ppaction://media"/>
+            <a:extLst>
+              <a:ext uri="{FF2B5EF4-FFF2-40B4-BE49-F238E27FC236}">
+                <a16:creationId xmlns:a16="http://schemas.microsoft.com/office/drawing/2014/main" id="{CBDEA95F-1029-2170-2230-273BDACAB0A6}"/>
+              </a:ext>
+            </a:extLst>
+          </p:cNvPr>
+          <p:cNvPicPr>
+            <a:picLocks noChangeAspect="1"/>
+          </p:cNvPicPr>
+          <p:nvPr>
+            <a:videoFile r:link="rId2"/>
+            <p:extLst>
+              <p:ext uri="{DAA4B4D4-6D71-4841-9C94-3DE7FCFB9230}">
+                <p14:media xmlns:p14="http://schemas.microsoft.com/office/powerpoint/2010/main" r:embed="rId1"/>
+              </p:ext>
+            </p:extLst>
+          </p:nvPr>
+        </p:nvPicPr>
+        <p:blipFill>
+          <a:blip r:embed="rId4"/>
+          <a:stretch>
+            <a:fillRect/>
+          </a:stretch>
+        </p:blipFill>
+        <p:spPr>
+          <a:xfrm>
+            <a:off x="8285018" y="341870"/>
+            <a:ext cx="2858959" cy="6197042"/>
+          </a:xfrm>
+          <a:prstGeom prst="rect">
+            <a:avLst/>
+          </a:prstGeom>
+        </p:spPr>
+      </p:pic>
     </p:spTree>
     <p:extLst>
       <p:ext uri="{BB962C8B-B14F-4D97-AF65-F5344CB8AC3E}">
@@ -32032,6 +31954,141 @@
   <p:clrMapOvr>
     <a:masterClrMapping/>
   </p:clrMapOvr>
+  <p:timing>
+    <p:tnLst>
+      <p:par>
+        <p:cTn id="1" dur="indefinite" restart="never" nodeType="tmRoot">
+          <p:childTnLst>
+            <p:seq concurrent="1" nextAc="seek">
+              <p:cTn id="2" dur="indefinite" nodeType="mainSeq">
+                <p:childTnLst>
+                  <p:par>
+                    <p:cTn id="3" fill="hold">
+                      <p:stCondLst>
+                        <p:cond delay="indefinite"/>
+                      </p:stCondLst>
+                      <p:childTnLst>
+                        <p:par>
+                          <p:cTn id="4" fill="hold">
+                            <p:stCondLst>
+                              <p:cond delay="0"/>
+                            </p:stCondLst>
+                            <p:childTnLst>
+                              <p:par>
+                                <p:cTn id="5" presetID="1" presetClass="mediacall" presetSubtype="0" fill="hold" nodeType="clickEffect">
+                                  <p:stCondLst>
+                                    <p:cond delay="0"/>
+                                  </p:stCondLst>
+                                  <p:childTnLst>
+                                    <p:cmd type="call" cmd="playFrom(0.0)">
+                                      <p:cBhvr>
+                                        <p:cTn id="6" dur="7250" fill="hold"/>
+                                        <p:tgtEl>
+                                          <p:spTgt spid="5"/>
+                                        </p:tgtEl>
+                                      </p:cBhvr>
+                                    </p:cmd>
+                                  </p:childTnLst>
+                                </p:cTn>
+                              </p:par>
+                            </p:childTnLst>
+                          </p:cTn>
+                        </p:par>
+                      </p:childTnLst>
+                    </p:cTn>
+                  </p:par>
+                </p:childTnLst>
+              </p:cTn>
+              <p:prevCondLst>
+                <p:cond evt="onPrev" delay="0">
+                  <p:tgtEl>
+                    <p:sldTgt/>
+                  </p:tgtEl>
+                </p:cond>
+              </p:prevCondLst>
+              <p:nextCondLst>
+                <p:cond evt="onNext" delay="0">
+                  <p:tgtEl>
+                    <p:sldTgt/>
+                  </p:tgtEl>
+                </p:cond>
+              </p:nextCondLst>
+            </p:seq>
+            <p:video>
+              <p:cMediaNode vol="80000">
+                <p:cTn id="7" fill="hold" display="0">
+                  <p:stCondLst>
+                    <p:cond delay="indefinite"/>
+                  </p:stCondLst>
+                </p:cTn>
+                <p:tgtEl>
+                  <p:spTgt spid="5"/>
+                </p:tgtEl>
+              </p:cMediaNode>
+            </p:video>
+            <p:seq concurrent="1" nextAc="seek">
+              <p:cTn id="8" restart="whenNotActive" fill="hold" evtFilter="cancelBubble" nodeType="interactiveSeq">
+                <p:stCondLst>
+                  <p:cond evt="onClick" delay="0">
+                    <p:tgtEl>
+                      <p:spTgt spid="5"/>
+                    </p:tgtEl>
+                  </p:cond>
+                </p:stCondLst>
+                <p:endSync evt="end" delay="0">
+                  <p:rtn val="all"/>
+                </p:endSync>
+                <p:childTnLst>
+                  <p:par>
+                    <p:cTn id="9" fill="hold">
+                      <p:stCondLst>
+                        <p:cond delay="0"/>
+                      </p:stCondLst>
+                      <p:childTnLst>
+                        <p:par>
+                          <p:cTn id="10" fill="hold">
+                            <p:stCondLst>
+                              <p:cond delay="0"/>
+                            </p:stCondLst>
+                            <p:childTnLst>
+                              <p:par>
+                                <p:cTn id="11" presetID="2" presetClass="mediacall" presetSubtype="0" fill="hold" nodeType="clickEffect">
+                                  <p:stCondLst>
+                                    <p:cond delay="0"/>
+                                  </p:stCondLst>
+                                  <p:childTnLst>
+                                    <p:cmd type="call" cmd="togglePause">
+                                      <p:cBhvr>
+                                        <p:cTn id="12" dur="1" fill="hold"/>
+                                        <p:tgtEl>
+                                          <p:spTgt spid="5"/>
+                                        </p:tgtEl>
+                                      </p:cBhvr>
+                                    </p:cmd>
+                                  </p:childTnLst>
+                                </p:cTn>
+                              </p:par>
+                            </p:childTnLst>
+                          </p:cTn>
+                        </p:par>
+                      </p:childTnLst>
+                    </p:cTn>
+                  </p:par>
+                </p:childTnLst>
+              </p:cTn>
+              <p:nextCondLst>
+                <p:cond evt="onClick" delay="0">
+                  <p:tgtEl>
+                    <p:spTgt spid="5"/>
+                  </p:tgtEl>
+                </p:cond>
+              </p:nextCondLst>
+            </p:seq>
+          </p:childTnLst>
+        </p:cTn>
+      </p:par>
+    </p:tnLst>
+  </p:timing>
 </p:sld>
 </file>
 
@@ -32811,12 +32868,41 @@
           </a:p>
         </p:txBody>
       </p:sp>
+      <p:sp>
+        <p:nvSpPr>
+          <p:cNvPr id="4" name="Slide Number Placeholder 3">
+            <a:extLst>
+              <a:ext uri="{FF2B5EF4-FFF2-40B4-BE49-F238E27FC236}">
+                <a16:creationId xmlns:a16="http://schemas.microsoft.com/office/drawing/2014/main" id="{CEDEFB6C-D5FB-A245-89DB-26FEB892F2D4}"/>
+              </a:ext>
+            </a:extLst>
+          </p:cNvPr>
+          <p:cNvSpPr>
+            <a:spLocks noGrp="1"/>
+          </p:cNvSpPr>
+          <p:nvPr>
+            <p:ph type="sldNum" sz="quarter" idx="12"/>
+          </p:nvPr>
+        </p:nvSpPr>
+        <p:spPr/>
+        <p:txBody>
+          <a:bodyPr/>
+          <a:lstStyle/>
+          <a:p>
+            <a:fld id="{31DE2C5B-556E-47B8-A792-024C2FCA4ACC}" type="slidenum">
+              <a:rPr lang="en-GB" smtClean="0"/>
+              <a:t>50</a:t>
+            </a:fld>
+            <a:endParaRPr lang="en-GB"/>
+          </a:p>
+        </p:txBody>
+      </p:sp>
       <p:pic>
         <p:nvPicPr>
-          <p:cNvPr id="6" name="Picture 5" descr="Chart&#10;&#10;Description automatically generated with low confidence">
+          <p:cNvPr id="7" name="Picture 6" descr="A screenshot of a phone&#10;&#10;Description automatically generated">
             <a:extLst>
               <a:ext uri="{FF2B5EF4-FFF2-40B4-BE49-F238E27FC236}">
-                <a16:creationId xmlns:a16="http://schemas.microsoft.com/office/drawing/2014/main" id="{3389E95C-4C28-674B-8F38-F5E44A1482C3}"/>
+                <a16:creationId xmlns:a16="http://schemas.microsoft.com/office/drawing/2014/main" id="{757064D4-CD2F-089B-99EC-1A3918CB1D43}"/>
               </a:ext>
             </a:extLst>
           </p:cNvPr>
@@ -32839,43 +32925,14 @@
         </p:blipFill>
         <p:spPr>
           <a:xfrm>
-            <a:off x="9341737" y="1205947"/>
-            <a:ext cx="2422091" cy="5241653"/>
+            <a:off x="8046859" y="1280203"/>
+            <a:ext cx="2536093" cy="5496833"/>
           </a:xfrm>
           <a:prstGeom prst="rect">
             <a:avLst/>
           </a:prstGeom>
         </p:spPr>
       </p:pic>
-      <p:sp>
-        <p:nvSpPr>
-          <p:cNvPr id="4" name="Slide Number Placeholder 3">
-            <a:extLst>
-              <a:ext uri="{FF2B5EF4-FFF2-40B4-BE49-F238E27FC236}">
-                <a16:creationId xmlns:a16="http://schemas.microsoft.com/office/drawing/2014/main" id="{CEDEFB6C-D5FB-A245-89DB-26FEB892F2D4}"/>
-              </a:ext>
-            </a:extLst>
-          </p:cNvPr>
-          <p:cNvSpPr>
-            <a:spLocks noGrp="1"/>
-          </p:cNvSpPr>
-          <p:nvPr>
-            <p:ph type="sldNum" sz="quarter" idx="12"/>
-          </p:nvPr>
-        </p:nvSpPr>
-        <p:spPr/>
-        <p:txBody>
-          <a:bodyPr/>
-          <a:lstStyle/>
-          <a:p>
-            <a:fld id="{31DE2C5B-556E-47B8-A792-024C2FCA4ACC}" type="slidenum">
-              <a:rPr lang="en-GB" smtClean="0"/>
-              <a:t>50</a:t>
-            </a:fld>
-            <a:endParaRPr lang="en-GB"/>
-          </a:p>
-        </p:txBody>
-      </p:sp>
     </p:spTree>
     <p:extLst>
       <p:ext uri="{BB962C8B-B14F-4D97-AF65-F5344CB8AC3E}">
@@ -33600,20 +33657,46 @@
         </p:spPr>
         <p:txBody>
           <a:bodyPr>
-            <a:normAutofit lnSpcReduction="10000"/>
+            <a:normAutofit fontScale="92500" lnSpcReduction="20000"/>
           </a:bodyPr>
           <a:lstStyle/>
           <a:p>
             <a:r>
+              <a:rPr lang="en-GB" dirty="0"/>
+              <a:t>Code repository of today’s lesson and exercises solution</a:t>
+            </a:r>
+          </a:p>
+          <a:p>
+            <a:pPr lvl="1"/>
+            <a:r>
+              <a:rPr lang="en-GB" dirty="0">
+                <a:hlinkClick r:id="rId2"/>
+              </a:rPr>
+              <a:t>https://github.com/gcappon/bwthw/tree/master/lab_05-understanding_ui</a:t>
+            </a:r>
+            <a:r>
+              <a:rPr lang="en-GB" dirty="0"/>
+              <a:t>  </a:t>
+            </a:r>
+          </a:p>
+          <a:p>
+            <a:endParaRPr lang="en-US" dirty="0"/>
+          </a:p>
+          <a:p>
+            <a:r>
+              <a:rPr lang="en-IT"/>
+              <a:t>Material </a:t>
+            </a:r>
+            <a:r>
               <a:rPr lang="en-IT" dirty="0"/>
-              <a:t>Material Widgets for UI </a:t>
+              <a:t>Widgets for UI </a:t>
             </a:r>
           </a:p>
           <a:p>
             <a:pPr lvl="1"/>
             <a:r>
               <a:rPr lang="en-GB" dirty="0">
-                <a:hlinkClick r:id="rId2"/>
+                <a:hlinkClick r:id="rId3"/>
               </a:rPr>
               <a:t>https://docs.flutter.dev/development/ui/widgets/material</a:t>
             </a:r>
@@ -33633,7 +33716,7 @@
             <a:pPr lvl="1"/>
             <a:r>
               <a:rPr lang="en-GB" dirty="0">
-                <a:hlinkClick r:id="rId3"/>
+                <a:hlinkClick r:id="rId4"/>
               </a:rPr>
               <a:t>https://docs.flutter.dev/development/ui/widgets</a:t>
             </a:r>
@@ -33661,7 +33744,7 @@
             <a:pPr lvl="1"/>
             <a:r>
               <a:rPr lang="en-GB" dirty="0">
-                <a:hlinkClick r:id="rId4"/>
+                <a:hlinkClick r:id="rId5"/>
               </a:rPr>
               <a:t>https://docs.flutter.dev/reference/widgets</a:t>
             </a:r>
@@ -33681,7 +33764,7 @@
             <a:pPr lvl="1"/>
             <a:r>
               <a:rPr lang="en-GB" dirty="0">
-                <a:hlinkClick r:id="rId5"/>
+                <a:hlinkClick r:id="rId6"/>
               </a:rPr>
               <a:t>https://docs.flutter.dev/development/ui/layout/constraints</a:t>
             </a:r>
@@ -33700,7 +33783,7 @@
             <a:pPr lvl="1"/>
             <a:r>
               <a:rPr lang="en-GB" dirty="0">
-                <a:hlinkClick r:id="rId6"/>
+                <a:hlinkClick r:id="rId7"/>
               </a:rPr>
               <a:t>https://docs.flutter.dev/development/ui/layout</a:t>
             </a:r>
